--- a/slide/week4/week4 RNN.pptx
+++ b/slide/week4/week4 RNN.pptx
@@ -5,19 +5,28 @@
     <p:sldMasterId id="2147483648" r:id="rId1"/>
   </p:sldMasterIdLst>
   <p:notesMasterIdLst>
-    <p:notesMasterId r:id="rId12"/>
+    <p:notesMasterId r:id="rId21"/>
   </p:notesMasterIdLst>
   <p:sldIdLst>
     <p:sldId id="256" r:id="rId2"/>
-    <p:sldId id="267" r:id="rId3"/>
-    <p:sldId id="269" r:id="rId4"/>
-    <p:sldId id="257" r:id="rId5"/>
-    <p:sldId id="266" r:id="rId6"/>
-    <p:sldId id="270" r:id="rId7"/>
-    <p:sldId id="272" r:id="rId8"/>
-    <p:sldId id="259" r:id="rId9"/>
-    <p:sldId id="274" r:id="rId10"/>
-    <p:sldId id="268" r:id="rId11"/>
+    <p:sldId id="277" r:id="rId3"/>
+    <p:sldId id="281" r:id="rId4"/>
+    <p:sldId id="259" r:id="rId5"/>
+    <p:sldId id="282" r:id="rId6"/>
+    <p:sldId id="274" r:id="rId7"/>
+    <p:sldId id="283" r:id="rId8"/>
+    <p:sldId id="267" r:id="rId9"/>
+    <p:sldId id="269" r:id="rId10"/>
+    <p:sldId id="278" r:id="rId11"/>
+    <p:sldId id="257" r:id="rId12"/>
+    <p:sldId id="279" r:id="rId13"/>
+    <p:sldId id="284" r:id="rId14"/>
+    <p:sldId id="280" r:id="rId15"/>
+    <p:sldId id="266" r:id="rId16"/>
+    <p:sldId id="275" r:id="rId17"/>
+    <p:sldId id="276" r:id="rId18"/>
+    <p:sldId id="272" r:id="rId19"/>
+    <p:sldId id="285" r:id="rId20"/>
   </p:sldIdLst>
   <p:sldSz cx="12192000" cy="6858000"/>
   <p:notesSz cx="6858000" cy="9144000"/>
@@ -206,7 +215,7 @@
           <a:p>
             <a:fld id="{51CA9FB8-3050-46C5-BCC2-01B763353D55}" type="datetimeFigureOut">
               <a:rPr lang="en-US" smtClean="0"/>
-              <a:t>3/5/2022</a:t>
+              <a:t>7/30/2022</a:t>
             </a:fld>
             <a:endParaRPr lang="en-US"/>
           </a:p>
@@ -520,13 +529,7 @@
           <a:p>
             <a:r>
               <a:rPr lang="en-US" dirty="0" smtClean="0"/>
-              <a:t>https://mmuratarat.github.io/2019-02-07/bptt-of-rnn</a:t>
-            </a:r>
-          </a:p>
-          <a:p>
-            <a:r>
-              <a:rPr lang="en-US" dirty="0" smtClean="0"/>
-              <a:t>https://www.geeksforgeeks.org/ml-back-propagation-through-time/ </a:t>
+              <a:t>Add code</a:t>
             </a:r>
             <a:endParaRPr lang="en-US" dirty="0"/>
           </a:p>
@@ -549,7 +552,7 @@
           <a:p>
             <a:fld id="{74668BCF-21A2-461F-AAC6-16B7FF9C72B7}" type="slidenum">
               <a:rPr lang="en-US" smtClean="0"/>
-              <a:t>5</a:t>
+              <a:t>3</a:t>
             </a:fld>
             <a:endParaRPr lang="en-US"/>
           </a:p>
@@ -558,7 +561,7 @@
     </p:spTree>
     <p:extLst>
       <p:ext uri="{BB962C8B-B14F-4D97-AF65-F5344CB8AC3E}">
-        <p14:creationId xmlns:p14="http://schemas.microsoft.com/office/powerpoint/2010/main" val="1742921809"/>
+        <p14:creationId xmlns:p14="http://schemas.microsoft.com/office/powerpoint/2010/main" val="970239527"/>
       </p:ext>
     </p:extLst>
   </p:cSld>
@@ -637,7 +640,7 @@
           <a:p>
             <a:fld id="{74668BCF-21A2-461F-AAC6-16B7FF9C72B7}" type="slidenum">
               <a:rPr lang="en-US" smtClean="0"/>
-              <a:t>8</a:t>
+              <a:t>4</a:t>
             </a:fld>
             <a:endParaRPr lang="en-US"/>
           </a:p>
@@ -647,6 +650,478 @@
     <p:extLst>
       <p:ext uri="{BB962C8B-B14F-4D97-AF65-F5344CB8AC3E}">
         <p14:creationId xmlns:p14="http://schemas.microsoft.com/office/powerpoint/2010/main" val="3794540022"/>
+      </p:ext>
+    </p:extLst>
+  </p:cSld>
+  <p:clrMapOvr>
+    <a:masterClrMapping/>
+  </p:clrMapOvr>
+</p:notes>
+</file>
+
+<file path=ppt/notesSlides/notesSlide3.xml><?xml version="1.0" encoding="utf-8"?>
+<p:notes xmlns:a="http://schemas.openxmlformats.org/drawingml/2006/main" xmlns:r="http://schemas.openxmlformats.org/officeDocument/2006/relationships" xmlns:p="http://schemas.openxmlformats.org/presentationml/2006/main">
+  <p:cSld>
+    <p:spTree>
+      <p:nvGrpSpPr>
+        <p:cNvPr id="1" name=""/>
+        <p:cNvGrpSpPr/>
+        <p:nvPr/>
+      </p:nvGrpSpPr>
+      <p:grpSpPr>
+        <a:xfrm>
+          <a:off x="0" y="0"/>
+          <a:ext cx="0" cy="0"/>
+          <a:chOff x="0" y="0"/>
+          <a:chExt cx="0" cy="0"/>
+        </a:xfrm>
+      </p:grpSpPr>
+      <p:sp>
+        <p:nvSpPr>
+          <p:cNvPr id="2" name="Slide Image Placeholder 1"/>
+          <p:cNvSpPr>
+            <a:spLocks noGrp="1" noRot="1" noChangeAspect="1"/>
+          </p:cNvSpPr>
+          <p:nvPr>
+            <p:ph type="sldImg"/>
+          </p:nvPr>
+        </p:nvSpPr>
+        <p:spPr/>
+      </p:sp>
+      <p:sp>
+        <p:nvSpPr>
+          <p:cNvPr id="3" name="Notes Placeholder 2"/>
+          <p:cNvSpPr>
+            <a:spLocks noGrp="1"/>
+          </p:cNvSpPr>
+          <p:nvPr>
+            <p:ph type="body" idx="1"/>
+          </p:nvPr>
+        </p:nvSpPr>
+        <p:spPr/>
+        <p:txBody>
+          <a:bodyPr/>
+          <a:lstStyle/>
+          <a:p>
+            <a:r>
+              <a:rPr lang="en-US" dirty="0" smtClean="0"/>
+              <a:t>https://lena-voita.github.io/nlp_course/language_modeling.html</a:t>
+            </a:r>
+            <a:endParaRPr lang="en-US" dirty="0"/>
+          </a:p>
+        </p:txBody>
+      </p:sp>
+      <p:sp>
+        <p:nvSpPr>
+          <p:cNvPr id="4" name="Slide Number Placeholder 3"/>
+          <p:cNvSpPr>
+            <a:spLocks noGrp="1"/>
+          </p:cNvSpPr>
+          <p:nvPr>
+            <p:ph type="sldNum" sz="quarter" idx="10"/>
+          </p:nvPr>
+        </p:nvSpPr>
+        <p:spPr/>
+        <p:txBody>
+          <a:bodyPr/>
+          <a:lstStyle/>
+          <a:p>
+            <a:fld id="{74668BCF-21A2-461F-AAC6-16B7FF9C72B7}" type="slidenum">
+              <a:rPr lang="en-US" smtClean="0"/>
+              <a:t>5</a:t>
+            </a:fld>
+            <a:endParaRPr lang="en-US"/>
+          </a:p>
+        </p:txBody>
+      </p:sp>
+    </p:spTree>
+    <p:extLst>
+      <p:ext uri="{BB962C8B-B14F-4D97-AF65-F5344CB8AC3E}">
+        <p14:creationId xmlns:p14="http://schemas.microsoft.com/office/powerpoint/2010/main" val="3595247190"/>
+      </p:ext>
+    </p:extLst>
+  </p:cSld>
+  <p:clrMapOvr>
+    <a:masterClrMapping/>
+  </p:clrMapOvr>
+</p:notes>
+</file>
+
+<file path=ppt/notesSlides/notesSlide4.xml><?xml version="1.0" encoding="utf-8"?>
+<p:notes xmlns:a="http://schemas.openxmlformats.org/drawingml/2006/main" xmlns:r="http://schemas.openxmlformats.org/officeDocument/2006/relationships" xmlns:p="http://schemas.openxmlformats.org/presentationml/2006/main">
+  <p:cSld>
+    <p:spTree>
+      <p:nvGrpSpPr>
+        <p:cNvPr id="1" name=""/>
+        <p:cNvGrpSpPr/>
+        <p:nvPr/>
+      </p:nvGrpSpPr>
+      <p:grpSpPr>
+        <a:xfrm>
+          <a:off x="0" y="0"/>
+          <a:ext cx="0" cy="0"/>
+          <a:chOff x="0" y="0"/>
+          <a:chExt cx="0" cy="0"/>
+        </a:xfrm>
+      </p:grpSpPr>
+      <p:sp>
+        <p:nvSpPr>
+          <p:cNvPr id="2" name="Slide Image Placeholder 1"/>
+          <p:cNvSpPr>
+            <a:spLocks noGrp="1" noRot="1" noChangeAspect="1"/>
+          </p:cNvSpPr>
+          <p:nvPr>
+            <p:ph type="sldImg"/>
+          </p:nvPr>
+        </p:nvSpPr>
+        <p:spPr/>
+      </p:sp>
+      <p:sp>
+        <p:nvSpPr>
+          <p:cNvPr id="3" name="Notes Placeholder 2"/>
+          <p:cNvSpPr>
+            <a:spLocks noGrp="1"/>
+          </p:cNvSpPr>
+          <p:nvPr>
+            <p:ph type="body" idx="1"/>
+          </p:nvPr>
+        </p:nvSpPr>
+        <p:spPr/>
+        <p:txBody>
+          <a:bodyPr/>
+          <a:lstStyle/>
+          <a:p>
+            <a:r>
+              <a:rPr lang="en-US" dirty="0" smtClean="0"/>
+              <a:t>https://mmuratarat.github.io/2019-02-07/bptt-of-rnn</a:t>
+            </a:r>
+          </a:p>
+          <a:p>
+            <a:r>
+              <a:rPr lang="en-US" dirty="0" smtClean="0"/>
+              <a:t>https://www.geeksforgeeks.org/ml-back-propagation-through-time/ </a:t>
+            </a:r>
+            <a:endParaRPr lang="en-US" dirty="0"/>
+          </a:p>
+        </p:txBody>
+      </p:sp>
+      <p:sp>
+        <p:nvSpPr>
+          <p:cNvPr id="4" name="Slide Number Placeholder 3"/>
+          <p:cNvSpPr>
+            <a:spLocks noGrp="1"/>
+          </p:cNvSpPr>
+          <p:nvPr>
+            <p:ph type="sldNum" sz="quarter" idx="10"/>
+          </p:nvPr>
+        </p:nvSpPr>
+        <p:spPr/>
+        <p:txBody>
+          <a:bodyPr/>
+          <a:lstStyle/>
+          <a:p>
+            <a:fld id="{74668BCF-21A2-461F-AAC6-16B7FF9C72B7}" type="slidenum">
+              <a:rPr lang="en-US" smtClean="0"/>
+              <a:t>15</a:t>
+            </a:fld>
+            <a:endParaRPr lang="en-US"/>
+          </a:p>
+        </p:txBody>
+      </p:sp>
+    </p:spTree>
+    <p:extLst>
+      <p:ext uri="{BB962C8B-B14F-4D97-AF65-F5344CB8AC3E}">
+        <p14:creationId xmlns:p14="http://schemas.microsoft.com/office/powerpoint/2010/main" val="1742921809"/>
+      </p:ext>
+    </p:extLst>
+  </p:cSld>
+  <p:clrMapOvr>
+    <a:masterClrMapping/>
+  </p:clrMapOvr>
+</p:notes>
+</file>
+
+<file path=ppt/notesSlides/notesSlide5.xml><?xml version="1.0" encoding="utf-8"?>
+<p:notes xmlns:a="http://schemas.openxmlformats.org/drawingml/2006/main" xmlns:r="http://schemas.openxmlformats.org/officeDocument/2006/relationships" xmlns:p="http://schemas.openxmlformats.org/presentationml/2006/main">
+  <p:cSld>
+    <p:spTree>
+      <p:nvGrpSpPr>
+        <p:cNvPr id="1" name=""/>
+        <p:cNvGrpSpPr/>
+        <p:nvPr/>
+      </p:nvGrpSpPr>
+      <p:grpSpPr>
+        <a:xfrm>
+          <a:off x="0" y="0"/>
+          <a:ext cx="0" cy="0"/>
+          <a:chOff x="0" y="0"/>
+          <a:chExt cx="0" cy="0"/>
+        </a:xfrm>
+      </p:grpSpPr>
+      <p:sp>
+        <p:nvSpPr>
+          <p:cNvPr id="2" name="Slide Image Placeholder 1"/>
+          <p:cNvSpPr>
+            <a:spLocks noGrp="1" noRot="1" noChangeAspect="1"/>
+          </p:cNvSpPr>
+          <p:nvPr>
+            <p:ph type="sldImg"/>
+          </p:nvPr>
+        </p:nvSpPr>
+        <p:spPr/>
+      </p:sp>
+      <p:sp>
+        <p:nvSpPr>
+          <p:cNvPr id="3" name="Notes Placeholder 2"/>
+          <p:cNvSpPr>
+            <a:spLocks noGrp="1"/>
+          </p:cNvSpPr>
+          <p:nvPr>
+            <p:ph type="body" idx="1"/>
+          </p:nvPr>
+        </p:nvSpPr>
+        <p:spPr/>
+        <p:txBody>
+          <a:bodyPr/>
+          <a:lstStyle/>
+          <a:p>
+            <a:r>
+              <a:rPr lang="en-US" dirty="0" smtClean="0"/>
+              <a:t>https://mmuratarat.github.io/2019-02-07/bptt-of-rnn</a:t>
+            </a:r>
+          </a:p>
+          <a:p>
+            <a:r>
+              <a:rPr lang="en-US" dirty="0" smtClean="0"/>
+              <a:t>https://www.geeksforgeeks.org/ml-back-propagation-through-time/ </a:t>
+            </a:r>
+          </a:p>
+          <a:p>
+            <a:r>
+              <a:rPr lang="en-US" dirty="0" smtClean="0"/>
+              <a:t>https://towardsdatascience.com/only-numpy-vanilla-recurrent-neural-network-back-propagation-practice-math-956fbea32704</a:t>
+            </a:r>
+          </a:p>
+          <a:p>
+            <a:r>
+              <a:rPr lang="en-US" dirty="0" smtClean="0"/>
+              <a:t>https://towardsdatascience.com/implementing-backpropagation-with-style-in-python-da4c2f49adb4</a:t>
+            </a:r>
+            <a:endParaRPr lang="en-US" dirty="0"/>
+          </a:p>
+        </p:txBody>
+      </p:sp>
+      <p:sp>
+        <p:nvSpPr>
+          <p:cNvPr id="4" name="Slide Number Placeholder 3"/>
+          <p:cNvSpPr>
+            <a:spLocks noGrp="1"/>
+          </p:cNvSpPr>
+          <p:nvPr>
+            <p:ph type="sldNum" sz="quarter" idx="10"/>
+          </p:nvPr>
+        </p:nvSpPr>
+        <p:spPr/>
+        <p:txBody>
+          <a:bodyPr/>
+          <a:lstStyle/>
+          <a:p>
+            <a:fld id="{74668BCF-21A2-461F-AAC6-16B7FF9C72B7}" type="slidenum">
+              <a:rPr lang="en-US" smtClean="0"/>
+              <a:t>16</a:t>
+            </a:fld>
+            <a:endParaRPr lang="en-US"/>
+          </a:p>
+        </p:txBody>
+      </p:sp>
+    </p:spTree>
+    <p:extLst>
+      <p:ext uri="{BB962C8B-B14F-4D97-AF65-F5344CB8AC3E}">
+        <p14:creationId xmlns:p14="http://schemas.microsoft.com/office/powerpoint/2010/main" val="1514618544"/>
+      </p:ext>
+    </p:extLst>
+  </p:cSld>
+  <p:clrMapOvr>
+    <a:masterClrMapping/>
+  </p:clrMapOvr>
+</p:notes>
+</file>
+
+<file path=ppt/notesSlides/notesSlide6.xml><?xml version="1.0" encoding="utf-8"?>
+<p:notes xmlns:a="http://schemas.openxmlformats.org/drawingml/2006/main" xmlns:r="http://schemas.openxmlformats.org/officeDocument/2006/relationships" xmlns:p="http://schemas.openxmlformats.org/presentationml/2006/main">
+  <p:cSld>
+    <p:spTree>
+      <p:nvGrpSpPr>
+        <p:cNvPr id="1" name=""/>
+        <p:cNvGrpSpPr/>
+        <p:nvPr/>
+      </p:nvGrpSpPr>
+      <p:grpSpPr>
+        <a:xfrm>
+          <a:off x="0" y="0"/>
+          <a:ext cx="0" cy="0"/>
+          <a:chOff x="0" y="0"/>
+          <a:chExt cx="0" cy="0"/>
+        </a:xfrm>
+      </p:grpSpPr>
+      <p:sp>
+        <p:nvSpPr>
+          <p:cNvPr id="2" name="Slide Image Placeholder 1"/>
+          <p:cNvSpPr>
+            <a:spLocks noGrp="1" noRot="1" noChangeAspect="1"/>
+          </p:cNvSpPr>
+          <p:nvPr>
+            <p:ph type="sldImg"/>
+          </p:nvPr>
+        </p:nvSpPr>
+        <p:spPr/>
+      </p:sp>
+      <p:sp>
+        <p:nvSpPr>
+          <p:cNvPr id="3" name="Notes Placeholder 2"/>
+          <p:cNvSpPr>
+            <a:spLocks noGrp="1"/>
+          </p:cNvSpPr>
+          <p:nvPr>
+            <p:ph type="body" idx="1"/>
+          </p:nvPr>
+        </p:nvSpPr>
+        <p:spPr/>
+        <p:txBody>
+          <a:bodyPr/>
+          <a:lstStyle/>
+          <a:p>
+            <a:r>
+              <a:rPr lang="en-US" dirty="0" smtClean="0"/>
+              <a:t>https://mmuratarat.github.io/2019-02-07/bptt-of-rnn</a:t>
+            </a:r>
+          </a:p>
+          <a:p>
+            <a:r>
+              <a:rPr lang="en-US" dirty="0" smtClean="0"/>
+              <a:t>https://www.geeksforgeeks.org/ml-back-propagation-through-time/ </a:t>
+            </a:r>
+            <a:endParaRPr lang="en-US" dirty="0"/>
+          </a:p>
+        </p:txBody>
+      </p:sp>
+      <p:sp>
+        <p:nvSpPr>
+          <p:cNvPr id="4" name="Slide Number Placeholder 3"/>
+          <p:cNvSpPr>
+            <a:spLocks noGrp="1"/>
+          </p:cNvSpPr>
+          <p:nvPr>
+            <p:ph type="sldNum" sz="quarter" idx="10"/>
+          </p:nvPr>
+        </p:nvSpPr>
+        <p:spPr/>
+        <p:txBody>
+          <a:bodyPr/>
+          <a:lstStyle/>
+          <a:p>
+            <a:fld id="{74668BCF-21A2-461F-AAC6-16B7FF9C72B7}" type="slidenum">
+              <a:rPr lang="en-US" smtClean="0"/>
+              <a:t>17</a:t>
+            </a:fld>
+            <a:endParaRPr lang="en-US"/>
+          </a:p>
+        </p:txBody>
+      </p:sp>
+    </p:spTree>
+    <p:extLst>
+      <p:ext uri="{BB962C8B-B14F-4D97-AF65-F5344CB8AC3E}">
+        <p14:creationId xmlns:p14="http://schemas.microsoft.com/office/powerpoint/2010/main" val="3098011229"/>
+      </p:ext>
+    </p:extLst>
+  </p:cSld>
+  <p:clrMapOvr>
+    <a:masterClrMapping/>
+  </p:clrMapOvr>
+</p:notes>
+</file>
+
+<file path=ppt/notesSlides/notesSlide7.xml><?xml version="1.0" encoding="utf-8"?>
+<p:notes xmlns:a="http://schemas.openxmlformats.org/drawingml/2006/main" xmlns:r="http://schemas.openxmlformats.org/officeDocument/2006/relationships" xmlns:p="http://schemas.openxmlformats.org/presentationml/2006/main">
+  <p:cSld>
+    <p:spTree>
+      <p:nvGrpSpPr>
+        <p:cNvPr id="1" name=""/>
+        <p:cNvGrpSpPr/>
+        <p:nvPr/>
+      </p:nvGrpSpPr>
+      <p:grpSpPr>
+        <a:xfrm>
+          <a:off x="0" y="0"/>
+          <a:ext cx="0" cy="0"/>
+          <a:chOff x="0" y="0"/>
+          <a:chExt cx="0" cy="0"/>
+        </a:xfrm>
+      </p:grpSpPr>
+      <p:sp>
+        <p:nvSpPr>
+          <p:cNvPr id="2" name="Slide Image Placeholder 1"/>
+          <p:cNvSpPr>
+            <a:spLocks noGrp="1" noRot="1" noChangeAspect="1"/>
+          </p:cNvSpPr>
+          <p:nvPr>
+            <p:ph type="sldImg"/>
+          </p:nvPr>
+        </p:nvSpPr>
+        <p:spPr/>
+      </p:sp>
+      <p:sp>
+        <p:nvSpPr>
+          <p:cNvPr id="3" name="Notes Placeholder 2"/>
+          <p:cNvSpPr>
+            <a:spLocks noGrp="1"/>
+          </p:cNvSpPr>
+          <p:nvPr>
+            <p:ph type="body" idx="1"/>
+          </p:nvPr>
+        </p:nvSpPr>
+        <p:spPr/>
+        <p:txBody>
+          <a:bodyPr/>
+          <a:lstStyle/>
+          <a:p>
+            <a:r>
+              <a:rPr lang="en-US" dirty="0" smtClean="0"/>
+              <a:t>https://medium.com/@rachel_95942/language-models-and-rnn-c516fab9545b</a:t>
+            </a:r>
+          </a:p>
+          <a:p>
+            <a:endParaRPr lang="en-US" dirty="0"/>
+          </a:p>
+        </p:txBody>
+      </p:sp>
+      <p:sp>
+        <p:nvSpPr>
+          <p:cNvPr id="4" name="Slide Number Placeholder 3"/>
+          <p:cNvSpPr>
+            <a:spLocks noGrp="1"/>
+          </p:cNvSpPr>
+          <p:nvPr>
+            <p:ph type="sldNum" sz="quarter" idx="10"/>
+          </p:nvPr>
+        </p:nvSpPr>
+        <p:spPr/>
+        <p:txBody>
+          <a:bodyPr/>
+          <a:lstStyle/>
+          <a:p>
+            <a:fld id="{74668BCF-21A2-461F-AAC6-16B7FF9C72B7}" type="slidenum">
+              <a:rPr lang="en-US" smtClean="0"/>
+              <a:t>19</a:t>
+            </a:fld>
+            <a:endParaRPr lang="en-US"/>
+          </a:p>
+        </p:txBody>
+      </p:sp>
+    </p:spTree>
+    <p:extLst>
+      <p:ext uri="{BB962C8B-B14F-4D97-AF65-F5344CB8AC3E}">
+        <p14:creationId xmlns:p14="http://schemas.microsoft.com/office/powerpoint/2010/main" val="2409170736"/>
       </p:ext>
     </p:extLst>
   </p:cSld>
@@ -787,7 +1262,7 @@
           <a:p>
             <a:fld id="{605F9D8B-F268-4FDC-9177-FD3B20249225}" type="datetimeFigureOut">
               <a:rPr lang="en-US" smtClean="0"/>
-              <a:t>3/5/2022</a:t>
+              <a:t>7/30/2022</a:t>
             </a:fld>
             <a:endParaRPr lang="en-US"/>
           </a:p>
@@ -957,7 +1432,7 @@
           <a:p>
             <a:fld id="{605F9D8B-F268-4FDC-9177-FD3B20249225}" type="datetimeFigureOut">
               <a:rPr lang="en-US" smtClean="0"/>
-              <a:t>3/5/2022</a:t>
+              <a:t>7/30/2022</a:t>
             </a:fld>
             <a:endParaRPr lang="en-US"/>
           </a:p>
@@ -1137,7 +1612,7 @@
           <a:p>
             <a:fld id="{605F9D8B-F268-4FDC-9177-FD3B20249225}" type="datetimeFigureOut">
               <a:rPr lang="en-US" smtClean="0"/>
-              <a:t>3/5/2022</a:t>
+              <a:t>7/30/2022</a:t>
             </a:fld>
             <a:endParaRPr lang="en-US"/>
           </a:p>
@@ -1307,7 +1782,7 @@
           <a:p>
             <a:fld id="{605F9D8B-F268-4FDC-9177-FD3B20249225}" type="datetimeFigureOut">
               <a:rPr lang="en-US" smtClean="0"/>
-              <a:t>3/5/2022</a:t>
+              <a:t>7/30/2022</a:t>
             </a:fld>
             <a:endParaRPr lang="en-US"/>
           </a:p>
@@ -1553,7 +2028,7 @@
           <a:p>
             <a:fld id="{605F9D8B-F268-4FDC-9177-FD3B20249225}" type="datetimeFigureOut">
               <a:rPr lang="en-US" smtClean="0"/>
-              <a:t>3/5/2022</a:t>
+              <a:t>7/30/2022</a:t>
             </a:fld>
             <a:endParaRPr lang="en-US"/>
           </a:p>
@@ -1785,7 +2260,7 @@
           <a:p>
             <a:fld id="{605F9D8B-F268-4FDC-9177-FD3B20249225}" type="datetimeFigureOut">
               <a:rPr lang="en-US" smtClean="0"/>
-              <a:t>3/5/2022</a:t>
+              <a:t>7/30/2022</a:t>
             </a:fld>
             <a:endParaRPr lang="en-US"/>
           </a:p>
@@ -2152,7 +2627,7 @@
           <a:p>
             <a:fld id="{605F9D8B-F268-4FDC-9177-FD3B20249225}" type="datetimeFigureOut">
               <a:rPr lang="en-US" smtClean="0"/>
-              <a:t>3/5/2022</a:t>
+              <a:t>7/30/2022</a:t>
             </a:fld>
             <a:endParaRPr lang="en-US"/>
           </a:p>
@@ -2270,7 +2745,7 @@
           <a:p>
             <a:fld id="{605F9D8B-F268-4FDC-9177-FD3B20249225}" type="datetimeFigureOut">
               <a:rPr lang="en-US" smtClean="0"/>
-              <a:t>3/5/2022</a:t>
+              <a:t>7/30/2022</a:t>
             </a:fld>
             <a:endParaRPr lang="en-US"/>
           </a:p>
@@ -2365,7 +2840,7 @@
           <a:p>
             <a:fld id="{605F9D8B-F268-4FDC-9177-FD3B20249225}" type="datetimeFigureOut">
               <a:rPr lang="en-US" smtClean="0"/>
-              <a:t>3/5/2022</a:t>
+              <a:t>7/30/2022</a:t>
             </a:fld>
             <a:endParaRPr lang="en-US"/>
           </a:p>
@@ -2642,7 +3117,7 @@
           <a:p>
             <a:fld id="{605F9D8B-F268-4FDC-9177-FD3B20249225}" type="datetimeFigureOut">
               <a:rPr lang="en-US" smtClean="0"/>
-              <a:t>3/5/2022</a:t>
+              <a:t>7/30/2022</a:t>
             </a:fld>
             <a:endParaRPr lang="en-US"/>
           </a:p>
@@ -2895,7 +3370,7 @@
           <a:p>
             <a:fld id="{605F9D8B-F268-4FDC-9177-FD3B20249225}" type="datetimeFigureOut">
               <a:rPr lang="en-US" smtClean="0"/>
-              <a:t>3/5/2022</a:t>
+              <a:t>7/30/2022</a:t>
             </a:fld>
             <a:endParaRPr lang="en-US"/>
           </a:p>
@@ -3108,7 +3583,7 @@
           <a:p>
             <a:fld id="{605F9D8B-F268-4FDC-9177-FD3B20249225}" type="datetimeFigureOut">
               <a:rPr lang="en-US" smtClean="0"/>
-              <a:t>3/5/2022</a:t>
+              <a:t>7/30/2022</a:t>
             </a:fld>
             <a:endParaRPr lang="en-US"/>
           </a:p>
@@ -3525,12 +4000,30 @@
         </p:nvSpPr>
         <p:spPr/>
         <p:txBody>
-          <a:bodyPr/>
-          <a:lstStyle/>
-          <a:p>
+          <a:bodyPr>
+            <a:normAutofit/>
+          </a:bodyPr>
+          <a:lstStyle/>
+          <a:p>
+            <a:r>
+              <a:rPr lang="vi-VN" dirty="0" smtClean="0"/>
+              <a:t>Mạng nơ ron theo chuỗi (</a:t>
+            </a:r>
+            <a:r>
+              <a:rPr lang="en-US" dirty="0" smtClean="0"/>
+              <a:t>Recurrent </a:t>
+            </a:r>
             <a:r>
               <a:rPr lang="en-US" dirty="0"/>
-              <a:t>Recurrent Neural Network</a:t>
+              <a:t>Neural </a:t>
+            </a:r>
+            <a:r>
+              <a:rPr lang="en-US" dirty="0" smtClean="0"/>
+              <a:t>Network</a:t>
+            </a:r>
+            <a:r>
+              <a:rPr lang="vi-VN" dirty="0" smtClean="0"/>
+              <a:t>)</a:t>
             </a:r>
             <a:endParaRPr lang="en-US" dirty="0"/>
           </a:p>
@@ -3602,44 +4095,242 @@
           <a:p>
             <a:r>
               <a:rPr lang="en-US" dirty="0" smtClean="0"/>
-              <a:t>Language model example</a:t>
+              <a:t>Recurrent Neural Network</a:t>
             </a:r>
             <a:endParaRPr lang="en-US" dirty="0"/>
           </a:p>
         </p:txBody>
       </p:sp>
-      <p:sp>
-        <p:nvSpPr>
-          <p:cNvPr id="3" name="Content Placeholder 2"/>
-          <p:cNvSpPr>
-            <a:spLocks noGrp="1"/>
-          </p:cNvSpPr>
+      <p:pic>
+        <p:nvPicPr>
+          <p:cNvPr id="4" name="Content Placeholder 3"/>
+          <p:cNvPicPr>
+            <a:picLocks noGrp="1" noChangeAspect="1"/>
+          </p:cNvPicPr>
           <p:nvPr>
             <p:ph idx="1"/>
           </p:nvPr>
-        </p:nvSpPr>
-        <p:spPr/>
-        <p:txBody>
-          <a:bodyPr/>
-          <a:lstStyle/>
-          <a:p>
-            <a:r>
-              <a:rPr lang="en-US" dirty="0" smtClean="0"/>
-              <a:t>Tokenization: text sequence to list of tokens (code)</a:t>
-            </a:r>
-          </a:p>
-          <a:p>
-            <a:r>
-              <a:rPr lang="en-US" dirty="0" smtClean="0"/>
-              <a:t>Vocabulary: </a:t>
-            </a:r>
-            <a:r>
-              <a:rPr lang="en-US" dirty="0"/>
-              <a:t> map string tokens into numerical indices starting from </a:t>
-            </a:r>
-            <a:r>
-              <a:rPr lang="en-US" dirty="0" smtClean="0"/>
-              <a:t>0 (code)</a:t>
+        </p:nvPicPr>
+        <p:blipFill>
+          <a:blip r:embed="rId2">
+            <a:extLst>
+              <a:ext uri="{28A0092B-C50C-407E-A947-70E740481C1C}">
+                <a14:useLocalDpi xmlns:a14="http://schemas.microsoft.com/office/drawing/2010/main" val="0"/>
+              </a:ext>
+            </a:extLst>
+          </a:blip>
+          <a:stretch>
+            <a:fillRect/>
+          </a:stretch>
+        </p:blipFill>
+        <p:spPr>
+          <a:xfrm>
+            <a:off x="838200" y="2355512"/>
+            <a:ext cx="10515600" cy="3291564"/>
+          </a:xfrm>
+        </p:spPr>
+      </p:pic>
+      <p:sp>
+        <p:nvSpPr>
+          <p:cNvPr id="3" name="TextBox 2"/>
+          <p:cNvSpPr txBox="1"/>
+          <p:nvPr/>
+        </p:nvSpPr>
+        <p:spPr>
+          <a:xfrm>
+            <a:off x="1180214" y="5741581"/>
+            <a:ext cx="615874" cy="369332"/>
+          </a:xfrm>
+          <a:prstGeom prst="rect">
+            <a:avLst/>
+          </a:prstGeom>
+          <a:noFill/>
+        </p:spPr>
+        <p:txBody>
+          <a:bodyPr wrap="none" rtlCol="0">
+            <a:spAutoFit/>
+          </a:bodyPr>
+          <a:lstStyle/>
+          <a:p>
+            <a:r>
+              <a:rPr lang="en-US" dirty="0" smtClean="0"/>
+              <a:t>ANN</a:t>
+            </a:r>
+            <a:endParaRPr lang="en-US" dirty="0"/>
+          </a:p>
+        </p:txBody>
+      </p:sp>
+      <p:sp>
+        <p:nvSpPr>
+          <p:cNvPr id="5" name="TextBox 4"/>
+          <p:cNvSpPr txBox="1"/>
+          <p:nvPr/>
+        </p:nvSpPr>
+        <p:spPr>
+          <a:xfrm>
+            <a:off x="2470297" y="5741581"/>
+            <a:ext cx="1472263" cy="369332"/>
+          </a:xfrm>
+          <a:prstGeom prst="rect">
+            <a:avLst/>
+          </a:prstGeom>
+          <a:noFill/>
+        </p:spPr>
+        <p:txBody>
+          <a:bodyPr wrap="none" rtlCol="0">
+            <a:spAutoFit/>
+          </a:bodyPr>
+          <a:lstStyle/>
+          <a:p>
+            <a:r>
+              <a:rPr lang="en-US" dirty="0" err="1" smtClean="0"/>
+              <a:t>Sáng</a:t>
+            </a:r>
+            <a:r>
+              <a:rPr lang="en-US" dirty="0" smtClean="0"/>
+              <a:t> </a:t>
+            </a:r>
+            <a:r>
+              <a:rPr lang="en-US" dirty="0" err="1" smtClean="0"/>
+              <a:t>tác</a:t>
+            </a:r>
+            <a:r>
+              <a:rPr lang="en-US" dirty="0" smtClean="0"/>
+              <a:t> </a:t>
+            </a:r>
+            <a:r>
+              <a:rPr lang="en-US" dirty="0" err="1" smtClean="0"/>
+              <a:t>nhạc</a:t>
+            </a:r>
+            <a:endParaRPr lang="en-US" dirty="0"/>
+          </a:p>
+        </p:txBody>
+      </p:sp>
+      <p:sp>
+        <p:nvSpPr>
+          <p:cNvPr id="6" name="TextBox 5"/>
+          <p:cNvSpPr txBox="1"/>
+          <p:nvPr/>
+        </p:nvSpPr>
+        <p:spPr>
+          <a:xfrm>
+            <a:off x="4419600" y="5741581"/>
+            <a:ext cx="1864293" cy="369332"/>
+          </a:xfrm>
+          <a:prstGeom prst="rect">
+            <a:avLst/>
+          </a:prstGeom>
+          <a:noFill/>
+        </p:spPr>
+        <p:txBody>
+          <a:bodyPr wrap="none" rtlCol="0">
+            <a:spAutoFit/>
+          </a:bodyPr>
+          <a:lstStyle/>
+          <a:p>
+            <a:r>
+              <a:rPr lang="en-US" dirty="0" err="1" smtClean="0"/>
+              <a:t>Phân</a:t>
+            </a:r>
+            <a:r>
+              <a:rPr lang="en-US" dirty="0" smtClean="0"/>
+              <a:t> </a:t>
+            </a:r>
+            <a:r>
+              <a:rPr lang="en-US" dirty="0" err="1" smtClean="0"/>
+              <a:t>loại</a:t>
+            </a:r>
+            <a:r>
+              <a:rPr lang="en-US" dirty="0" smtClean="0"/>
+              <a:t> </a:t>
+            </a:r>
+            <a:r>
+              <a:rPr lang="en-US" dirty="0" err="1" smtClean="0"/>
+              <a:t>cảm</a:t>
+            </a:r>
+            <a:r>
+              <a:rPr lang="en-US" dirty="0" smtClean="0"/>
+              <a:t> </a:t>
+            </a:r>
+            <a:r>
+              <a:rPr lang="en-US" dirty="0" err="1" smtClean="0"/>
+              <a:t>xúc</a:t>
+            </a:r>
+            <a:endParaRPr lang="en-US" dirty="0"/>
+          </a:p>
+        </p:txBody>
+      </p:sp>
+      <p:sp>
+        <p:nvSpPr>
+          <p:cNvPr id="7" name="TextBox 6"/>
+          <p:cNvSpPr txBox="1"/>
+          <p:nvPr/>
+        </p:nvSpPr>
+        <p:spPr>
+          <a:xfrm>
+            <a:off x="6996223" y="5741581"/>
+            <a:ext cx="1548822" cy="369332"/>
+          </a:xfrm>
+          <a:prstGeom prst="rect">
+            <a:avLst/>
+          </a:prstGeom>
+          <a:noFill/>
+        </p:spPr>
+        <p:txBody>
+          <a:bodyPr wrap="none" rtlCol="0">
+            <a:spAutoFit/>
+          </a:bodyPr>
+          <a:lstStyle/>
+          <a:p>
+            <a:r>
+              <a:rPr lang="en-US" dirty="0" err="1" smtClean="0"/>
+              <a:t>Dịch</a:t>
+            </a:r>
+            <a:r>
+              <a:rPr lang="en-US" dirty="0" smtClean="0"/>
+              <a:t> </a:t>
+            </a:r>
+            <a:r>
+              <a:rPr lang="en-US" dirty="0" err="1" smtClean="0"/>
+              <a:t>ngôn</a:t>
+            </a:r>
+            <a:r>
+              <a:rPr lang="en-US" dirty="0" smtClean="0"/>
+              <a:t> </a:t>
+            </a:r>
+            <a:r>
+              <a:rPr lang="en-US" dirty="0" err="1" smtClean="0"/>
+              <a:t>ngữ</a:t>
+            </a:r>
+            <a:endParaRPr lang="en-US" dirty="0"/>
+          </a:p>
+        </p:txBody>
+      </p:sp>
+      <p:sp>
+        <p:nvSpPr>
+          <p:cNvPr id="9" name="TextBox 8"/>
+          <p:cNvSpPr txBox="1"/>
+          <p:nvPr/>
+        </p:nvSpPr>
+        <p:spPr>
+          <a:xfrm>
+            <a:off x="9257375" y="5741581"/>
+            <a:ext cx="2463495" cy="369332"/>
+          </a:xfrm>
+          <a:prstGeom prst="rect">
+            <a:avLst/>
+          </a:prstGeom>
+          <a:noFill/>
+        </p:spPr>
+        <p:txBody>
+          <a:bodyPr wrap="none" rtlCol="0">
+            <a:spAutoFit/>
+          </a:bodyPr>
+          <a:lstStyle/>
+          <a:p>
+            <a:r>
+              <a:rPr lang="en-US" dirty="0" smtClean="0"/>
+              <a:t>Name entity recognition</a:t>
             </a:r>
             <a:endParaRPr lang="en-US" dirty="0"/>
           </a:p>
@@ -3648,7 +4339,7 @@
     </p:spTree>
     <p:extLst>
       <p:ext uri="{BB962C8B-B14F-4D97-AF65-F5344CB8AC3E}">
-        <p14:creationId xmlns:p14="http://schemas.microsoft.com/office/powerpoint/2010/main" val="2419792365"/>
+        <p14:creationId xmlns:p14="http://schemas.microsoft.com/office/powerpoint/2010/main" val="964433594"/>
       </p:ext>
     </p:extLst>
   </p:cSld>
@@ -3658,7 +4349,7 @@
 </p:sld>
 </file>
 
-<file path=ppt/slides/slide2.xml><?xml version="1.0" encoding="utf-8"?>
+<file path=ppt/slides/slide11.xml><?xml version="1.0" encoding="utf-8"?>
 <p:sld xmlns:a="http://schemas.openxmlformats.org/drawingml/2006/main" xmlns:r="http://schemas.openxmlformats.org/officeDocument/2006/relationships" xmlns:p="http://schemas.openxmlformats.org/presentationml/2006/main">
   <p:cSld>
     <p:spTree>
@@ -3691,219 +4382,9 @@
           <a:lstStyle/>
           <a:p>
             <a:r>
-              <a:rPr lang="en-US" dirty="0" smtClean="0"/>
-              <a:t>Application of sequence models</a:t>
-            </a:r>
-            <a:endParaRPr lang="en-US" dirty="0"/>
-          </a:p>
-        </p:txBody>
-      </p:sp>
-      <p:sp>
-        <p:nvSpPr>
-          <p:cNvPr id="3" name="Content Placeholder 2"/>
-          <p:cNvSpPr>
-            <a:spLocks noGrp="1"/>
-          </p:cNvSpPr>
-          <p:nvPr>
-            <p:ph idx="1"/>
-          </p:nvPr>
-        </p:nvSpPr>
-        <p:spPr/>
-        <p:txBody>
-          <a:bodyPr/>
-          <a:lstStyle/>
-          <a:p>
-            <a:r>
-              <a:rPr lang="en-US" dirty="0" smtClean="0"/>
-              <a:t>Speech recognition</a:t>
-            </a:r>
-          </a:p>
-          <a:p>
-            <a:r>
-              <a:rPr lang="en-US" dirty="0" smtClean="0"/>
-              <a:t>Music generation</a:t>
-            </a:r>
-          </a:p>
-          <a:p>
-            <a:r>
-              <a:rPr lang="en-US" dirty="0" smtClean="0"/>
-              <a:t>Sentiment classification</a:t>
-            </a:r>
-          </a:p>
-          <a:p>
-            <a:r>
-              <a:rPr lang="en-US" dirty="0" smtClean="0"/>
-              <a:t>DNA sequence analysis</a:t>
-            </a:r>
-          </a:p>
-          <a:p>
-            <a:r>
-              <a:rPr lang="en-US" dirty="0" smtClean="0"/>
-              <a:t>Machine translation</a:t>
-            </a:r>
-          </a:p>
-          <a:p>
-            <a:r>
-              <a:rPr lang="en-US" dirty="0" smtClean="0"/>
-              <a:t>Video activity recognition</a:t>
-            </a:r>
-          </a:p>
-          <a:p>
-            <a:endParaRPr lang="en-US" dirty="0"/>
-          </a:p>
-        </p:txBody>
-      </p:sp>
-    </p:spTree>
-    <p:extLst>
-      <p:ext uri="{BB962C8B-B14F-4D97-AF65-F5344CB8AC3E}">
-        <p14:creationId xmlns:p14="http://schemas.microsoft.com/office/powerpoint/2010/main" val="2590113063"/>
-      </p:ext>
-    </p:extLst>
-  </p:cSld>
-  <p:clrMapOvr>
-    <a:masterClrMapping/>
-  </p:clrMapOvr>
-</p:sld>
-</file>
-
-<file path=ppt/slides/slide3.xml><?xml version="1.0" encoding="utf-8"?>
-<p:sld xmlns:a="http://schemas.openxmlformats.org/drawingml/2006/main" xmlns:r="http://schemas.openxmlformats.org/officeDocument/2006/relationships" xmlns:p="http://schemas.openxmlformats.org/presentationml/2006/main">
-  <p:cSld>
-    <p:spTree>
-      <p:nvGrpSpPr>
-        <p:cNvPr id="1" name=""/>
-        <p:cNvGrpSpPr/>
-        <p:nvPr/>
-      </p:nvGrpSpPr>
-      <p:grpSpPr>
-        <a:xfrm>
-          <a:off x="0" y="0"/>
-          <a:ext cx="0" cy="0"/>
-          <a:chOff x="0" y="0"/>
-          <a:chExt cx="0" cy="0"/>
-        </a:xfrm>
-      </p:grpSpPr>
-      <p:sp>
-        <p:nvSpPr>
-          <p:cNvPr id="2" name="Title 1"/>
-          <p:cNvSpPr>
-            <a:spLocks noGrp="1"/>
-          </p:cNvSpPr>
-          <p:nvPr>
-            <p:ph type="title"/>
-          </p:nvPr>
-        </p:nvSpPr>
-        <p:spPr/>
-        <p:txBody>
-          <a:bodyPr/>
-          <a:lstStyle/>
-          <a:p>
-            <a:r>
-              <a:rPr lang="en-US" dirty="0" smtClean="0"/>
-              <a:t>Why not ANN</a:t>
-            </a:r>
-            <a:endParaRPr lang="en-US" dirty="0"/>
-          </a:p>
-        </p:txBody>
-      </p:sp>
-      <p:sp>
-        <p:nvSpPr>
-          <p:cNvPr id="3" name="Content Placeholder 2"/>
-          <p:cNvSpPr>
-            <a:spLocks noGrp="1"/>
-          </p:cNvSpPr>
-          <p:nvPr>
-            <p:ph idx="1"/>
-          </p:nvPr>
-        </p:nvSpPr>
-        <p:spPr/>
-        <p:txBody>
-          <a:bodyPr/>
-          <a:lstStyle/>
-          <a:p>
-            <a:r>
-              <a:rPr lang="en-US" dirty="0" smtClean="0"/>
-              <a:t>Input, output different in lengths in different samples</a:t>
-            </a:r>
-          </a:p>
-          <a:p>
-            <a:r>
-              <a:rPr lang="en-US" dirty="0" smtClean="0"/>
-              <a:t>Does not share features learnt at different position</a:t>
-            </a:r>
-            <a:endParaRPr lang="en-US" dirty="0"/>
-          </a:p>
-        </p:txBody>
-      </p:sp>
-    </p:spTree>
-    <p:extLst>
-      <p:ext uri="{BB962C8B-B14F-4D97-AF65-F5344CB8AC3E}">
-        <p14:creationId xmlns:p14="http://schemas.microsoft.com/office/powerpoint/2010/main" val="238049337"/>
-      </p:ext>
-    </p:extLst>
-  </p:cSld>
-  <p:clrMapOvr>
-    <a:masterClrMapping/>
-  </p:clrMapOvr>
-</p:sld>
-</file>
-
-<file path=ppt/slides/slide4.xml><?xml version="1.0" encoding="utf-8"?>
-<p:sld xmlns:a="http://schemas.openxmlformats.org/drawingml/2006/main" xmlns:r="http://schemas.openxmlformats.org/officeDocument/2006/relationships" xmlns:p="http://schemas.openxmlformats.org/presentationml/2006/main">
-  <p:cSld>
-    <p:spTree>
-      <p:nvGrpSpPr>
-        <p:cNvPr id="1" name=""/>
-        <p:cNvGrpSpPr/>
-        <p:nvPr/>
-      </p:nvGrpSpPr>
-      <p:grpSpPr>
-        <a:xfrm>
-          <a:off x="0" y="0"/>
-          <a:ext cx="0" cy="0"/>
-          <a:chOff x="0" y="0"/>
-          <a:chExt cx="0" cy="0"/>
-        </a:xfrm>
-      </p:grpSpPr>
-      <p:sp>
-        <p:nvSpPr>
-          <p:cNvPr id="2" name="Title 1"/>
-          <p:cNvSpPr>
-            <a:spLocks noGrp="1"/>
-          </p:cNvSpPr>
-          <p:nvPr>
-            <p:ph type="title"/>
-          </p:nvPr>
-        </p:nvSpPr>
-        <p:spPr/>
-        <p:txBody>
-          <a:bodyPr/>
-          <a:lstStyle/>
-          <a:p>
-            <a:r>
-              <a:rPr lang="en-US" dirty="0" smtClean="0"/>
-              <a:t>Forward path</a:t>
-            </a:r>
-            <a:endParaRPr lang="en-US" dirty="0"/>
-          </a:p>
-        </p:txBody>
-      </p:sp>
-      <p:sp>
-        <p:nvSpPr>
-          <p:cNvPr id="3" name="Content Placeholder 2"/>
-          <p:cNvSpPr>
-            <a:spLocks noGrp="1"/>
-          </p:cNvSpPr>
-          <p:nvPr>
-            <p:ph idx="1"/>
-          </p:nvPr>
-        </p:nvSpPr>
-        <p:spPr/>
-        <p:txBody>
-          <a:bodyPr/>
-          <a:lstStyle/>
-          <a:p>
-            <a:endParaRPr lang="en-US"/>
+              <a:rPr lang="en-US" dirty="0"/>
+              <a:t>Recurrent Neural Network</a:t>
+            </a:r>
           </a:p>
         </p:txBody>
       </p:sp>
@@ -3923,7 +4404,7 @@
         </p:blipFill>
         <p:spPr>
           <a:xfrm>
-            <a:off x="1422156" y="2772875"/>
+            <a:off x="1317746" y="2103024"/>
             <a:ext cx="6534150" cy="2771775"/>
           </a:xfrm>
           <a:prstGeom prst="rect">
@@ -3947,7 +4428,7 @@
         </p:blipFill>
         <p:spPr>
           <a:xfrm>
-            <a:off x="7851896" y="3869838"/>
+            <a:off x="8153400" y="2927794"/>
             <a:ext cx="3200400" cy="457200"/>
           </a:xfrm>
           <a:prstGeom prst="rect">
@@ -3971,7 +4452,7 @@
         </p:blipFill>
         <p:spPr>
           <a:xfrm>
-            <a:off x="7851896" y="2365498"/>
+            <a:off x="8561508" y="2063902"/>
             <a:ext cx="1781175" cy="485775"/>
           </a:xfrm>
           <a:prstGeom prst="rect">
@@ -3992,7 +4473,7 @@
 </p:sld>
 </file>
 
-<file path=ppt/slides/slide5.xml><?xml version="1.0" encoding="utf-8"?>
+<file path=ppt/slides/slide12.xml><?xml version="1.0" encoding="utf-8"?>
 <p:sld xmlns:a="http://schemas.openxmlformats.org/drawingml/2006/main" xmlns:r="http://schemas.openxmlformats.org/officeDocument/2006/relationships" xmlns:p="http://schemas.openxmlformats.org/presentationml/2006/main">
   <p:cSld>
     <p:spTree>
@@ -4011,6 +4492,276 @@
       </p:grpSpPr>
       <p:sp>
         <p:nvSpPr>
+          <p:cNvPr id="2" name="Title 1"/>
+          <p:cNvSpPr>
+            <a:spLocks noGrp="1"/>
+          </p:cNvSpPr>
+          <p:nvPr>
+            <p:ph type="title"/>
+          </p:nvPr>
+        </p:nvSpPr>
+        <p:spPr/>
+        <p:txBody>
+          <a:bodyPr/>
+          <a:lstStyle/>
+          <a:p>
+            <a:r>
+              <a:rPr lang="en-US" dirty="0" err="1" smtClean="0"/>
+              <a:t>Cấu</a:t>
+            </a:r>
+            <a:r>
+              <a:rPr lang="en-US" dirty="0" smtClean="0"/>
+              <a:t> </a:t>
+            </a:r>
+            <a:r>
+              <a:rPr lang="en-US" dirty="0" err="1" smtClean="0"/>
+              <a:t>trúc</a:t>
+            </a:r>
+            <a:r>
+              <a:rPr lang="en-US" dirty="0" smtClean="0"/>
+              <a:t> </a:t>
+            </a:r>
+            <a:r>
+              <a:rPr lang="en-US" dirty="0" err="1" smtClean="0"/>
+              <a:t>cơ</a:t>
+            </a:r>
+            <a:r>
+              <a:rPr lang="en-US" dirty="0" smtClean="0"/>
+              <a:t> </a:t>
+            </a:r>
+            <a:r>
+              <a:rPr lang="en-US" dirty="0" err="1" smtClean="0"/>
+              <a:t>bản</a:t>
+            </a:r>
+            <a:r>
+              <a:rPr lang="en-US" dirty="0" smtClean="0"/>
+              <a:t> </a:t>
+            </a:r>
+            <a:r>
+              <a:rPr lang="en-US" dirty="0" err="1" smtClean="0"/>
+              <a:t>của</a:t>
+            </a:r>
+            <a:r>
+              <a:rPr lang="en-US" dirty="0" smtClean="0"/>
+              <a:t> RNN</a:t>
+            </a:r>
+            <a:endParaRPr lang="en-US" dirty="0"/>
+          </a:p>
+        </p:txBody>
+      </p:sp>
+      <p:pic>
+        <p:nvPicPr>
+          <p:cNvPr id="5" name="Content Placeholder 4"/>
+          <p:cNvPicPr>
+            <a:picLocks noGrp="1" noChangeAspect="1"/>
+          </p:cNvPicPr>
+          <p:nvPr>
+            <p:ph idx="1"/>
+          </p:nvPr>
+        </p:nvPicPr>
+        <p:blipFill>
+          <a:blip r:embed="rId2">
+            <a:extLst>
+              <a:ext uri="{28A0092B-C50C-407E-A947-70E740481C1C}">
+                <a14:useLocalDpi xmlns:a14="http://schemas.microsoft.com/office/drawing/2010/main" val="0"/>
+              </a:ext>
+            </a:extLst>
+          </a:blip>
+          <a:stretch>
+            <a:fillRect/>
+          </a:stretch>
+        </p:blipFill>
+        <p:spPr>
+          <a:xfrm>
+            <a:off x="1267322" y="1825625"/>
+            <a:ext cx="9657356" cy="4351338"/>
+          </a:xfrm>
+        </p:spPr>
+      </p:pic>
+    </p:spTree>
+    <p:extLst>
+      <p:ext uri="{BB962C8B-B14F-4D97-AF65-F5344CB8AC3E}">
+        <p14:creationId xmlns:p14="http://schemas.microsoft.com/office/powerpoint/2010/main" val="1565667214"/>
+      </p:ext>
+    </p:extLst>
+  </p:cSld>
+  <p:clrMapOvr>
+    <a:masterClrMapping/>
+  </p:clrMapOvr>
+</p:sld>
+</file>
+
+<file path=ppt/slides/slide13.xml><?xml version="1.0" encoding="utf-8"?>
+<p:sld xmlns:a="http://schemas.openxmlformats.org/drawingml/2006/main" xmlns:r="http://schemas.openxmlformats.org/officeDocument/2006/relationships" xmlns:p="http://schemas.openxmlformats.org/presentationml/2006/main">
+  <p:cSld>
+    <p:spTree>
+      <p:nvGrpSpPr>
+        <p:cNvPr id="1" name=""/>
+        <p:cNvGrpSpPr/>
+        <p:nvPr/>
+      </p:nvGrpSpPr>
+      <p:grpSpPr>
+        <a:xfrm>
+          <a:off x="0" y="0"/>
+          <a:ext cx="0" cy="0"/>
+          <a:chOff x="0" y="0"/>
+          <a:chExt cx="0" cy="0"/>
+        </a:xfrm>
+      </p:grpSpPr>
+      <p:sp>
+        <p:nvSpPr>
+          <p:cNvPr id="2" name="Title 1"/>
+          <p:cNvSpPr>
+            <a:spLocks noGrp="1"/>
+          </p:cNvSpPr>
+          <p:nvPr>
+            <p:ph type="title"/>
+          </p:nvPr>
+        </p:nvSpPr>
+        <p:spPr/>
+        <p:txBody>
+          <a:bodyPr/>
+          <a:lstStyle/>
+          <a:p>
+            <a:r>
+              <a:rPr lang="en-US" dirty="0" err="1" smtClean="0"/>
+              <a:t>Ứng</a:t>
+            </a:r>
+            <a:r>
+              <a:rPr lang="en-US" dirty="0" smtClean="0"/>
+              <a:t> </a:t>
+            </a:r>
+            <a:r>
+              <a:rPr lang="en-US" dirty="0" err="1" smtClean="0"/>
+              <a:t>dụng</a:t>
+            </a:r>
+            <a:r>
+              <a:rPr lang="en-US" dirty="0" smtClean="0"/>
+              <a:t> RNN </a:t>
+            </a:r>
+            <a:r>
+              <a:rPr lang="en-US" dirty="0" err="1" smtClean="0"/>
+              <a:t>cho</a:t>
+            </a:r>
+            <a:r>
+              <a:rPr lang="en-US" dirty="0" smtClean="0"/>
+              <a:t> </a:t>
+            </a:r>
+            <a:r>
+              <a:rPr lang="en-US" dirty="0" err="1" smtClean="0"/>
+              <a:t>mô</a:t>
+            </a:r>
+            <a:r>
+              <a:rPr lang="en-US" dirty="0" smtClean="0"/>
+              <a:t> </a:t>
+            </a:r>
+            <a:r>
+              <a:rPr lang="en-US" dirty="0" err="1" smtClean="0"/>
+              <a:t>hình</a:t>
+            </a:r>
+            <a:r>
+              <a:rPr lang="en-US" dirty="0" smtClean="0"/>
+              <a:t> </a:t>
+            </a:r>
+            <a:r>
+              <a:rPr lang="en-US" dirty="0" err="1" smtClean="0"/>
+              <a:t>ngôn</a:t>
+            </a:r>
+            <a:r>
+              <a:rPr lang="en-US" dirty="0" smtClean="0"/>
+              <a:t> </a:t>
+            </a:r>
+            <a:r>
+              <a:rPr lang="en-US" dirty="0" err="1" smtClean="0"/>
+              <a:t>ngữ</a:t>
+            </a:r>
+            <a:endParaRPr lang="en-US" dirty="0"/>
+          </a:p>
+        </p:txBody>
+      </p:sp>
+      <p:pic>
+        <p:nvPicPr>
+          <p:cNvPr id="4" name="Picture 3"/>
+          <p:cNvPicPr>
+            <a:picLocks noChangeAspect="1"/>
+          </p:cNvPicPr>
+          <p:nvPr/>
+        </p:nvPicPr>
+        <p:blipFill>
+          <a:blip r:embed="rId2"/>
+          <a:stretch>
+            <a:fillRect/>
+          </a:stretch>
+        </p:blipFill>
+        <p:spPr>
+          <a:xfrm>
+            <a:off x="2431865" y="2526892"/>
+            <a:ext cx="7328269" cy="3080916"/>
+          </a:xfrm>
+          <a:prstGeom prst="rect">
+            <a:avLst/>
+          </a:prstGeom>
+        </p:spPr>
+      </p:pic>
+    </p:spTree>
+    <p:extLst>
+      <p:ext uri="{BB962C8B-B14F-4D97-AF65-F5344CB8AC3E}">
+        <p14:creationId xmlns:p14="http://schemas.microsoft.com/office/powerpoint/2010/main" val="3558405008"/>
+      </p:ext>
+    </p:extLst>
+  </p:cSld>
+  <p:clrMapOvr>
+    <a:masterClrMapping/>
+  </p:clrMapOvr>
+</p:sld>
+</file>
+
+<file path=ppt/slides/slide14.xml><?xml version="1.0" encoding="utf-8"?>
+<p:sld xmlns:a="http://schemas.openxmlformats.org/drawingml/2006/main" xmlns:r="http://schemas.openxmlformats.org/officeDocument/2006/relationships" xmlns:p="http://schemas.openxmlformats.org/presentationml/2006/main">
+  <p:cSld>
+    <p:spTree>
+      <p:nvGrpSpPr>
+        <p:cNvPr id="1" name=""/>
+        <p:cNvGrpSpPr/>
+        <p:nvPr/>
+      </p:nvGrpSpPr>
+      <p:grpSpPr>
+        <a:xfrm>
+          <a:off x="0" y="0"/>
+          <a:ext cx="0" cy="0"/>
+          <a:chOff x="0" y="0"/>
+          <a:chExt cx="0" cy="0"/>
+        </a:xfrm>
+      </p:grpSpPr>
+      <p:sp>
+        <p:nvSpPr>
+          <p:cNvPr id="2" name="Title 1"/>
+          <p:cNvSpPr>
+            <a:spLocks noGrp="1"/>
+          </p:cNvSpPr>
+          <p:nvPr>
+            <p:ph type="title"/>
+          </p:nvPr>
+        </p:nvSpPr>
+        <p:spPr/>
+        <p:txBody>
+          <a:bodyPr/>
+          <a:lstStyle/>
+          <a:p>
+            <a:r>
+              <a:rPr lang="en-US" dirty="0" err="1" smtClean="0"/>
+              <a:t>Hàm</a:t>
+            </a:r>
+            <a:r>
+              <a:rPr lang="en-US" dirty="0" smtClean="0"/>
+              <a:t> loss</a:t>
+            </a:r>
+            <a:endParaRPr lang="en-US" dirty="0"/>
+          </a:p>
+        </p:txBody>
+      </p:sp>
+      <p:sp>
+        <p:nvSpPr>
           <p:cNvPr id="3" name="Content Placeholder 2"/>
           <p:cNvSpPr>
             <a:spLocks noGrp="1"/>
@@ -4024,10 +4775,143 @@
           <a:bodyPr/>
           <a:lstStyle/>
           <a:p>
-            <a:endParaRPr lang="en-US"/>
-          </a:p>
-        </p:txBody>
-      </p:sp>
+            <a:r>
+              <a:rPr lang="en-US" dirty="0" err="1" smtClean="0"/>
+              <a:t>Hàm</a:t>
+            </a:r>
+            <a:r>
+              <a:rPr lang="en-US" dirty="0" smtClean="0"/>
+              <a:t> loss </a:t>
+            </a:r>
+            <a:r>
+              <a:rPr lang="en-US" dirty="0" err="1" smtClean="0"/>
+              <a:t>của</a:t>
+            </a:r>
+            <a:r>
+              <a:rPr lang="en-US" dirty="0" smtClean="0"/>
+              <a:t> </a:t>
+            </a:r>
+            <a:r>
+              <a:rPr lang="en-US" dirty="0" err="1" smtClean="0"/>
+              <a:t>mô</a:t>
+            </a:r>
+            <a:r>
+              <a:rPr lang="en-US" dirty="0" smtClean="0"/>
+              <a:t> </a:t>
+            </a:r>
+            <a:r>
+              <a:rPr lang="en-US" dirty="0" err="1" smtClean="0"/>
+              <a:t>hình</a:t>
+            </a:r>
+            <a:r>
+              <a:rPr lang="en-US" dirty="0" smtClean="0"/>
+              <a:t> </a:t>
+            </a:r>
+            <a:r>
+              <a:rPr lang="en-US" dirty="0" err="1" smtClean="0"/>
+              <a:t>dựa</a:t>
+            </a:r>
+            <a:r>
+              <a:rPr lang="en-US" dirty="0" smtClean="0"/>
+              <a:t> </a:t>
+            </a:r>
+            <a:r>
+              <a:rPr lang="en-US" dirty="0" err="1" smtClean="0"/>
+              <a:t>trên</a:t>
+            </a:r>
+            <a:r>
+              <a:rPr lang="en-US" dirty="0" smtClean="0"/>
+              <a:t> loss </a:t>
+            </a:r>
+            <a:r>
+              <a:rPr lang="en-US" dirty="0" err="1" smtClean="0"/>
+              <a:t>tại</a:t>
+            </a:r>
+            <a:r>
+              <a:rPr lang="en-US" dirty="0" smtClean="0"/>
+              <a:t> </a:t>
+            </a:r>
+            <a:r>
+              <a:rPr lang="en-US" dirty="0" err="1" smtClean="0"/>
+              <a:t>từng</a:t>
+            </a:r>
+            <a:r>
+              <a:rPr lang="en-US" dirty="0" smtClean="0"/>
+              <a:t> </a:t>
+            </a:r>
+            <a:r>
+              <a:rPr lang="en-US" dirty="0" err="1" smtClean="0"/>
+              <a:t>thời</a:t>
+            </a:r>
+            <a:r>
+              <a:rPr lang="en-US" dirty="0" smtClean="0"/>
+              <a:t> </a:t>
+            </a:r>
+            <a:r>
+              <a:rPr lang="en-US" dirty="0" err="1" smtClean="0"/>
+              <a:t>điểm</a:t>
+            </a:r>
+            <a:r>
+              <a:rPr lang="en-US" dirty="0" smtClean="0"/>
+              <a:t>:</a:t>
+            </a:r>
+            <a:endParaRPr lang="en-US" dirty="0"/>
+          </a:p>
+        </p:txBody>
+      </p:sp>
+      <p:pic>
+        <p:nvPicPr>
+          <p:cNvPr id="4" name="Picture 3"/>
+          <p:cNvPicPr>
+            <a:picLocks noChangeAspect="1"/>
+          </p:cNvPicPr>
+          <p:nvPr/>
+        </p:nvPicPr>
+        <p:blipFill rotWithShape="1">
+          <a:blip r:embed="rId2"/>
+          <a:srcRect l="31447" t="42896" r="26110"/>
+          <a:stretch/>
+        </p:blipFill>
+        <p:spPr>
+          <a:xfrm>
+            <a:off x="4816548" y="2626241"/>
+            <a:ext cx="2902689" cy="897454"/>
+          </a:xfrm>
+          <a:prstGeom prst="rect">
+            <a:avLst/>
+          </a:prstGeom>
+        </p:spPr>
+      </p:pic>
+    </p:spTree>
+    <p:extLst>
+      <p:ext uri="{BB962C8B-B14F-4D97-AF65-F5344CB8AC3E}">
+        <p14:creationId xmlns:p14="http://schemas.microsoft.com/office/powerpoint/2010/main" val="4202088392"/>
+      </p:ext>
+    </p:extLst>
+  </p:cSld>
+  <p:clrMapOvr>
+    <a:masterClrMapping/>
+  </p:clrMapOvr>
+</p:sld>
+</file>
+
+<file path=ppt/slides/slide15.xml><?xml version="1.0" encoding="utf-8"?>
+<p:sld xmlns:a="http://schemas.openxmlformats.org/drawingml/2006/main" xmlns:r="http://schemas.openxmlformats.org/officeDocument/2006/relationships" xmlns:p="http://schemas.openxmlformats.org/presentationml/2006/main">
+  <p:cSld>
+    <p:spTree>
+      <p:nvGrpSpPr>
+        <p:cNvPr id="1" name=""/>
+        <p:cNvGrpSpPr/>
+        <p:nvPr/>
+      </p:nvGrpSpPr>
+      <p:grpSpPr>
+        <a:xfrm>
+          <a:off x="0" y="0"/>
+          <a:ext cx="0" cy="0"/>
+          <a:chOff x="0" y="0"/>
+          <a:chExt cx="0" cy="0"/>
+        </a:xfrm>
+      </p:grpSpPr>
       <p:sp>
         <p:nvSpPr>
           <p:cNvPr id="5" name="Title 4"/>
@@ -4160,6 +5044,2719 @@
 </p:sld>
 </file>
 
+<file path=ppt/slides/slide16.xml><?xml version="1.0" encoding="utf-8"?>
+<p:sld xmlns:a="http://schemas.openxmlformats.org/drawingml/2006/main" xmlns:r="http://schemas.openxmlformats.org/officeDocument/2006/relationships" xmlns:p="http://schemas.openxmlformats.org/presentationml/2006/main">
+  <p:cSld>
+    <p:spTree>
+      <p:nvGrpSpPr>
+        <p:cNvPr id="1" name=""/>
+        <p:cNvGrpSpPr/>
+        <p:nvPr/>
+      </p:nvGrpSpPr>
+      <p:grpSpPr>
+        <a:xfrm>
+          <a:off x="0" y="0"/>
+          <a:ext cx="0" cy="0"/>
+          <a:chOff x="0" y="0"/>
+          <a:chExt cx="0" cy="0"/>
+        </a:xfrm>
+      </p:grpSpPr>
+      <p:sp>
+        <p:nvSpPr>
+          <p:cNvPr id="3" name="Content Placeholder 2"/>
+          <p:cNvSpPr>
+            <a:spLocks noGrp="1"/>
+          </p:cNvSpPr>
+          <p:nvPr>
+            <p:ph idx="1"/>
+          </p:nvPr>
+        </p:nvSpPr>
+        <p:spPr/>
+        <p:txBody>
+          <a:bodyPr/>
+          <a:lstStyle/>
+          <a:p>
+            <a:endParaRPr lang="en-US"/>
+          </a:p>
+        </p:txBody>
+      </p:sp>
+      <p:sp>
+        <p:nvSpPr>
+          <p:cNvPr id="5" name="Title 4"/>
+          <p:cNvSpPr>
+            <a:spLocks noGrp="1"/>
+          </p:cNvSpPr>
+          <p:nvPr>
+            <p:ph type="title"/>
+          </p:nvPr>
+        </p:nvSpPr>
+        <p:spPr/>
+        <p:txBody>
+          <a:bodyPr/>
+          <a:lstStyle/>
+          <a:p>
+            <a:r>
+              <a:rPr lang="en-US" dirty="0" smtClean="0"/>
+              <a:t>BPTT</a:t>
+            </a:r>
+            <a:endParaRPr lang="en-US" dirty="0"/>
+          </a:p>
+        </p:txBody>
+      </p:sp>
+      <p:pic>
+        <p:nvPicPr>
+          <p:cNvPr id="6" name="Picture 5"/>
+          <p:cNvPicPr>
+            <a:picLocks noChangeAspect="1"/>
+          </p:cNvPicPr>
+          <p:nvPr/>
+        </p:nvPicPr>
+        <p:blipFill>
+          <a:blip r:embed="rId3"/>
+          <a:stretch>
+            <a:fillRect/>
+          </a:stretch>
+        </p:blipFill>
+        <p:spPr>
+          <a:xfrm>
+            <a:off x="6611815" y="1983398"/>
+            <a:ext cx="4876800" cy="2152650"/>
+          </a:xfrm>
+          <a:prstGeom prst="rect">
+            <a:avLst/>
+          </a:prstGeom>
+        </p:spPr>
+      </p:pic>
+      <p:pic>
+        <p:nvPicPr>
+          <p:cNvPr id="7" name="Picture 6"/>
+          <p:cNvPicPr>
+            <a:picLocks noChangeAspect="1"/>
+          </p:cNvPicPr>
+          <p:nvPr/>
+        </p:nvPicPr>
+        <p:blipFill>
+          <a:blip r:embed="rId4"/>
+          <a:stretch>
+            <a:fillRect/>
+          </a:stretch>
+        </p:blipFill>
+        <p:spPr>
+          <a:xfrm>
+            <a:off x="838200" y="1825625"/>
+            <a:ext cx="1943100" cy="619125"/>
+          </a:xfrm>
+          <a:prstGeom prst="rect">
+            <a:avLst/>
+          </a:prstGeom>
+        </p:spPr>
+      </p:pic>
+      <p:pic>
+        <p:nvPicPr>
+          <p:cNvPr id="8" name="Picture 7"/>
+          <p:cNvPicPr>
+            <a:picLocks noChangeAspect="1"/>
+          </p:cNvPicPr>
+          <p:nvPr/>
+        </p:nvPicPr>
+        <p:blipFill>
+          <a:blip r:embed="rId5"/>
+          <a:stretch>
+            <a:fillRect/>
+          </a:stretch>
+        </p:blipFill>
+        <p:spPr>
+          <a:xfrm>
+            <a:off x="838200" y="2444750"/>
+            <a:ext cx="4352925" cy="800100"/>
+          </a:xfrm>
+          <a:prstGeom prst="rect">
+            <a:avLst/>
+          </a:prstGeom>
+        </p:spPr>
+      </p:pic>
+      <p:pic>
+        <p:nvPicPr>
+          <p:cNvPr id="9" name="Picture 8"/>
+          <p:cNvPicPr>
+            <a:picLocks noChangeAspect="1"/>
+          </p:cNvPicPr>
+          <p:nvPr/>
+        </p:nvPicPr>
+        <p:blipFill>
+          <a:blip r:embed="rId6"/>
+          <a:stretch>
+            <a:fillRect/>
+          </a:stretch>
+        </p:blipFill>
+        <p:spPr>
+          <a:xfrm>
+            <a:off x="838200" y="3344069"/>
+            <a:ext cx="3590925" cy="1314450"/>
+          </a:xfrm>
+          <a:prstGeom prst="rect">
+            <a:avLst/>
+          </a:prstGeom>
+        </p:spPr>
+      </p:pic>
+    </p:spTree>
+    <p:extLst>
+      <p:ext uri="{BB962C8B-B14F-4D97-AF65-F5344CB8AC3E}">
+        <p14:creationId xmlns:p14="http://schemas.microsoft.com/office/powerpoint/2010/main" val="674757774"/>
+      </p:ext>
+    </p:extLst>
+  </p:cSld>
+  <p:clrMapOvr>
+    <a:masterClrMapping/>
+  </p:clrMapOvr>
+</p:sld>
+</file>
+
+<file path=ppt/slides/slide17.xml><?xml version="1.0" encoding="utf-8"?>
+<p:sld xmlns:a="http://schemas.openxmlformats.org/drawingml/2006/main" xmlns:r="http://schemas.openxmlformats.org/officeDocument/2006/relationships" xmlns:p="http://schemas.openxmlformats.org/presentationml/2006/main">
+  <p:cSld>
+    <p:spTree>
+      <p:nvGrpSpPr>
+        <p:cNvPr id="1" name=""/>
+        <p:cNvGrpSpPr/>
+        <p:nvPr/>
+      </p:nvGrpSpPr>
+      <p:grpSpPr>
+        <a:xfrm>
+          <a:off x="0" y="0"/>
+          <a:ext cx="0" cy="0"/>
+          <a:chOff x="0" y="0"/>
+          <a:chExt cx="0" cy="0"/>
+        </a:xfrm>
+      </p:grpSpPr>
+      <p:sp>
+        <p:nvSpPr>
+          <p:cNvPr id="3" name="Content Placeholder 2"/>
+          <p:cNvSpPr>
+            <a:spLocks noGrp="1"/>
+          </p:cNvSpPr>
+          <p:nvPr>
+            <p:ph idx="1"/>
+          </p:nvPr>
+        </p:nvSpPr>
+        <p:spPr/>
+        <p:txBody>
+          <a:bodyPr/>
+          <a:lstStyle/>
+          <a:p>
+            <a:endParaRPr lang="en-US"/>
+          </a:p>
+        </p:txBody>
+      </p:sp>
+      <p:sp>
+        <p:nvSpPr>
+          <p:cNvPr id="5" name="Title 4"/>
+          <p:cNvSpPr>
+            <a:spLocks noGrp="1"/>
+          </p:cNvSpPr>
+          <p:nvPr>
+            <p:ph type="title"/>
+          </p:nvPr>
+        </p:nvSpPr>
+        <p:spPr/>
+        <p:txBody>
+          <a:bodyPr/>
+          <a:lstStyle/>
+          <a:p>
+            <a:r>
+              <a:rPr lang="en-US" dirty="0" smtClean="0"/>
+              <a:t>BPTT</a:t>
+            </a:r>
+            <a:endParaRPr lang="en-US" dirty="0"/>
+          </a:p>
+        </p:txBody>
+      </p:sp>
+      <p:pic>
+        <p:nvPicPr>
+          <p:cNvPr id="6" name="Picture 5"/>
+          <p:cNvPicPr>
+            <a:picLocks noChangeAspect="1"/>
+          </p:cNvPicPr>
+          <p:nvPr/>
+        </p:nvPicPr>
+        <p:blipFill>
+          <a:blip r:embed="rId3"/>
+          <a:stretch>
+            <a:fillRect/>
+          </a:stretch>
+        </p:blipFill>
+        <p:spPr>
+          <a:xfrm>
+            <a:off x="6611815" y="1983398"/>
+            <a:ext cx="4876800" cy="2152650"/>
+          </a:xfrm>
+          <a:prstGeom prst="rect">
+            <a:avLst/>
+          </a:prstGeom>
+        </p:spPr>
+      </p:pic>
+      <p:pic>
+        <p:nvPicPr>
+          <p:cNvPr id="7" name="Picture 6"/>
+          <p:cNvPicPr>
+            <a:picLocks noChangeAspect="1"/>
+          </p:cNvPicPr>
+          <p:nvPr/>
+        </p:nvPicPr>
+        <p:blipFill>
+          <a:blip r:embed="rId4"/>
+          <a:stretch>
+            <a:fillRect/>
+          </a:stretch>
+        </p:blipFill>
+        <p:spPr>
+          <a:xfrm>
+            <a:off x="838200" y="1825625"/>
+            <a:ext cx="1943100" cy="619125"/>
+          </a:xfrm>
+          <a:prstGeom prst="rect">
+            <a:avLst/>
+          </a:prstGeom>
+        </p:spPr>
+      </p:pic>
+      <p:pic>
+        <p:nvPicPr>
+          <p:cNvPr id="8" name="Picture 7"/>
+          <p:cNvPicPr>
+            <a:picLocks noChangeAspect="1"/>
+          </p:cNvPicPr>
+          <p:nvPr/>
+        </p:nvPicPr>
+        <p:blipFill>
+          <a:blip r:embed="rId5"/>
+          <a:stretch>
+            <a:fillRect/>
+          </a:stretch>
+        </p:blipFill>
+        <p:spPr>
+          <a:xfrm>
+            <a:off x="838200" y="2444750"/>
+            <a:ext cx="4352925" cy="800100"/>
+          </a:xfrm>
+          <a:prstGeom prst="rect">
+            <a:avLst/>
+          </a:prstGeom>
+        </p:spPr>
+      </p:pic>
+      <p:pic>
+        <p:nvPicPr>
+          <p:cNvPr id="9" name="Picture 8"/>
+          <p:cNvPicPr>
+            <a:picLocks noChangeAspect="1"/>
+          </p:cNvPicPr>
+          <p:nvPr/>
+        </p:nvPicPr>
+        <p:blipFill>
+          <a:blip r:embed="rId6"/>
+          <a:stretch>
+            <a:fillRect/>
+          </a:stretch>
+        </p:blipFill>
+        <p:spPr>
+          <a:xfrm>
+            <a:off x="838200" y="3344069"/>
+            <a:ext cx="3590925" cy="1314450"/>
+          </a:xfrm>
+          <a:prstGeom prst="rect">
+            <a:avLst/>
+          </a:prstGeom>
+        </p:spPr>
+      </p:pic>
+    </p:spTree>
+    <p:extLst>
+      <p:ext uri="{BB962C8B-B14F-4D97-AF65-F5344CB8AC3E}">
+        <p14:creationId xmlns:p14="http://schemas.microsoft.com/office/powerpoint/2010/main" val="406155778"/>
+      </p:ext>
+    </p:extLst>
+  </p:cSld>
+  <p:clrMapOvr>
+    <a:masterClrMapping/>
+  </p:clrMapOvr>
+</p:sld>
+</file>
+
+<file path=ppt/slides/slide18.xml><?xml version="1.0" encoding="utf-8"?>
+<p:sld xmlns:a="http://schemas.openxmlformats.org/drawingml/2006/main" xmlns:r="http://schemas.openxmlformats.org/officeDocument/2006/relationships" xmlns:p="http://schemas.openxmlformats.org/presentationml/2006/main">
+  <p:cSld>
+    <p:spTree>
+      <p:nvGrpSpPr>
+        <p:cNvPr id="1" name=""/>
+        <p:cNvGrpSpPr/>
+        <p:nvPr/>
+      </p:nvGrpSpPr>
+      <p:grpSpPr>
+        <a:xfrm>
+          <a:off x="0" y="0"/>
+          <a:ext cx="0" cy="0"/>
+          <a:chOff x="0" y="0"/>
+          <a:chExt cx="0" cy="0"/>
+        </a:xfrm>
+      </p:grpSpPr>
+      <p:sp>
+        <p:nvSpPr>
+          <p:cNvPr id="2" name="Title 1"/>
+          <p:cNvSpPr>
+            <a:spLocks noGrp="1"/>
+          </p:cNvSpPr>
+          <p:nvPr>
+            <p:ph type="title"/>
+          </p:nvPr>
+        </p:nvSpPr>
+        <p:spPr/>
+        <p:txBody>
+          <a:bodyPr/>
+          <a:lstStyle/>
+          <a:p>
+            <a:r>
+              <a:rPr lang="en-US" dirty="0" smtClean="0"/>
+              <a:t>Vanishing/exploding gradient</a:t>
+            </a:r>
+            <a:endParaRPr lang="en-US" dirty="0"/>
+          </a:p>
+        </p:txBody>
+      </p:sp>
+      <p:sp>
+        <p:nvSpPr>
+          <p:cNvPr id="3" name="Content Placeholder 2"/>
+          <p:cNvSpPr>
+            <a:spLocks noGrp="1"/>
+          </p:cNvSpPr>
+          <p:nvPr>
+            <p:ph idx="1"/>
+          </p:nvPr>
+        </p:nvSpPr>
+        <p:spPr/>
+        <p:txBody>
+          <a:bodyPr/>
+          <a:lstStyle/>
+          <a:p>
+            <a:r>
+              <a:rPr lang="en-US" dirty="0" err="1" smtClean="0"/>
+              <a:t>Thường</a:t>
+            </a:r>
+            <a:r>
+              <a:rPr lang="en-US" dirty="0" smtClean="0"/>
+              <a:t> </a:t>
+            </a:r>
+            <a:r>
+              <a:rPr lang="en-US" dirty="0" err="1" smtClean="0"/>
+              <a:t>xảy</a:t>
+            </a:r>
+            <a:r>
+              <a:rPr lang="en-US" dirty="0" smtClean="0"/>
+              <a:t> </a:t>
+            </a:r>
+            <a:r>
+              <a:rPr lang="en-US" dirty="0" err="1" smtClean="0"/>
+              <a:t>ra</a:t>
+            </a:r>
+            <a:r>
+              <a:rPr lang="en-US" dirty="0" smtClean="0"/>
+              <a:t> ở RNN, do gradient </a:t>
+            </a:r>
+            <a:r>
+              <a:rPr lang="en-US" dirty="0" err="1" smtClean="0"/>
+              <a:t>đi</a:t>
+            </a:r>
+            <a:r>
+              <a:rPr lang="en-US" dirty="0" smtClean="0"/>
+              <a:t> </a:t>
+            </a:r>
+            <a:r>
+              <a:rPr lang="en-US" dirty="0" err="1" smtClean="0"/>
+              <a:t>ngược</a:t>
+            </a:r>
+            <a:r>
+              <a:rPr lang="en-US" dirty="0" smtClean="0"/>
+              <a:t> </a:t>
+            </a:r>
+            <a:r>
+              <a:rPr lang="en-US" dirty="0" err="1" smtClean="0"/>
+              <a:t>lại</a:t>
+            </a:r>
+            <a:r>
+              <a:rPr lang="en-US" dirty="0" smtClean="0"/>
+              <a:t> </a:t>
+            </a:r>
+            <a:r>
+              <a:rPr lang="en-US" dirty="0" err="1" smtClean="0"/>
+              <a:t>chiều</a:t>
+            </a:r>
+            <a:r>
+              <a:rPr lang="en-US" dirty="0" smtClean="0"/>
+              <a:t> </a:t>
+            </a:r>
+            <a:r>
+              <a:rPr lang="en-US" dirty="0" err="1" smtClean="0"/>
+              <a:t>dài</a:t>
+            </a:r>
+            <a:r>
+              <a:rPr lang="en-US" dirty="0" smtClean="0"/>
+              <a:t> </a:t>
+            </a:r>
+            <a:r>
+              <a:rPr lang="en-US" dirty="0" err="1" smtClean="0"/>
+              <a:t>chuỗi</a:t>
+            </a:r>
+            <a:r>
+              <a:rPr lang="en-US" dirty="0" smtClean="0"/>
+              <a:t> </a:t>
+            </a:r>
+            <a:r>
+              <a:rPr lang="en-US" dirty="0" err="1" smtClean="0"/>
+              <a:t>dễ</a:t>
+            </a:r>
+            <a:r>
+              <a:rPr lang="en-US" dirty="0" smtClean="0"/>
+              <a:t> </a:t>
+            </a:r>
+            <a:r>
+              <a:rPr lang="en-US" dirty="0" err="1" smtClean="0"/>
+              <a:t>trở</a:t>
+            </a:r>
+            <a:r>
+              <a:rPr lang="en-US" dirty="0" smtClean="0"/>
+              <a:t> </a:t>
+            </a:r>
+            <a:r>
+              <a:rPr lang="en-US" dirty="0" err="1" smtClean="0"/>
+              <a:t>thành</a:t>
+            </a:r>
+            <a:r>
+              <a:rPr lang="en-US" dirty="0" smtClean="0"/>
+              <a:t> </a:t>
+            </a:r>
+            <a:r>
+              <a:rPr lang="en-US" dirty="0" err="1" smtClean="0"/>
+              <a:t>rất</a:t>
+            </a:r>
+            <a:r>
+              <a:rPr lang="en-US" dirty="0" smtClean="0"/>
+              <a:t> </a:t>
+            </a:r>
+            <a:r>
+              <a:rPr lang="en-US" dirty="0" err="1" smtClean="0"/>
+              <a:t>nhỏ</a:t>
+            </a:r>
+            <a:r>
+              <a:rPr lang="en-US" dirty="0" smtClean="0"/>
+              <a:t> (vanishing) </a:t>
+            </a:r>
+            <a:r>
+              <a:rPr lang="en-US" dirty="0" err="1" smtClean="0"/>
+              <a:t>hoặc</a:t>
+            </a:r>
+            <a:r>
+              <a:rPr lang="en-US" dirty="0" smtClean="0"/>
+              <a:t> </a:t>
+            </a:r>
+            <a:r>
+              <a:rPr lang="en-US" dirty="0" err="1" smtClean="0"/>
+              <a:t>rất</a:t>
+            </a:r>
+            <a:r>
+              <a:rPr lang="en-US" dirty="0" smtClean="0"/>
+              <a:t> </a:t>
+            </a:r>
+            <a:r>
+              <a:rPr lang="en-US" dirty="0" err="1" smtClean="0"/>
+              <a:t>lớn</a:t>
+            </a:r>
+            <a:r>
+              <a:rPr lang="en-US" dirty="0" smtClean="0"/>
+              <a:t> (exploding)</a:t>
+            </a:r>
+          </a:p>
+          <a:p>
+            <a:r>
+              <a:rPr lang="en-US" dirty="0" smtClean="0"/>
+              <a:t>Gradient clipping: </a:t>
+            </a:r>
+            <a:r>
+              <a:rPr lang="en-US" dirty="0" err="1" smtClean="0"/>
+              <a:t>giải</a:t>
+            </a:r>
+            <a:r>
+              <a:rPr lang="en-US" dirty="0" smtClean="0"/>
+              <a:t> </a:t>
+            </a:r>
+            <a:r>
+              <a:rPr lang="en-US" dirty="0" err="1" smtClean="0"/>
+              <a:t>quyết</a:t>
+            </a:r>
+            <a:r>
+              <a:rPr lang="en-US" dirty="0" smtClean="0"/>
+              <a:t> </a:t>
+            </a:r>
+            <a:r>
+              <a:rPr lang="en-US" dirty="0" err="1" smtClean="0"/>
+              <a:t>tình</a:t>
+            </a:r>
+            <a:r>
+              <a:rPr lang="en-US" dirty="0" smtClean="0"/>
+              <a:t> </a:t>
+            </a:r>
+            <a:r>
+              <a:rPr lang="en-US" dirty="0" err="1" smtClean="0"/>
+              <a:t>trạng</a:t>
+            </a:r>
+            <a:r>
+              <a:rPr lang="en-US" dirty="0" smtClean="0"/>
+              <a:t> exploding gradient, </a:t>
+            </a:r>
+            <a:r>
+              <a:rPr lang="en-US" dirty="0" err="1" smtClean="0"/>
+              <a:t>bằng</a:t>
+            </a:r>
+            <a:r>
+              <a:rPr lang="en-US" dirty="0" smtClean="0"/>
+              <a:t> </a:t>
+            </a:r>
+            <a:r>
+              <a:rPr lang="en-US" dirty="0" err="1" smtClean="0"/>
+              <a:t>cách</a:t>
+            </a:r>
+            <a:r>
+              <a:rPr lang="en-US" dirty="0" smtClean="0"/>
+              <a:t> </a:t>
+            </a:r>
+            <a:r>
+              <a:rPr lang="en-US" dirty="0" err="1" smtClean="0"/>
+              <a:t>cắt</a:t>
+            </a:r>
+            <a:r>
+              <a:rPr lang="en-US" dirty="0" smtClean="0"/>
+              <a:t> </a:t>
+            </a:r>
+            <a:r>
+              <a:rPr lang="en-US" dirty="0" err="1" smtClean="0"/>
+              <a:t>cận</a:t>
+            </a:r>
+            <a:r>
+              <a:rPr lang="en-US" dirty="0" smtClean="0"/>
+              <a:t> </a:t>
+            </a:r>
+            <a:r>
+              <a:rPr lang="en-US" dirty="0" err="1" smtClean="0"/>
+              <a:t>trên</a:t>
+            </a:r>
+            <a:r>
+              <a:rPr lang="en-US" dirty="0" smtClean="0"/>
+              <a:t> </a:t>
+            </a:r>
+            <a:r>
+              <a:rPr lang="en-US" dirty="0" err="1" smtClean="0"/>
+              <a:t>của</a:t>
+            </a:r>
+            <a:r>
+              <a:rPr lang="en-US" dirty="0" smtClean="0"/>
+              <a:t> </a:t>
+            </a:r>
+            <a:r>
+              <a:rPr lang="en-US" dirty="0" err="1" smtClean="0"/>
+              <a:t>giá</a:t>
+            </a:r>
+            <a:r>
+              <a:rPr lang="en-US" dirty="0" smtClean="0"/>
+              <a:t> </a:t>
+            </a:r>
+            <a:r>
+              <a:rPr lang="en-US" dirty="0" err="1" smtClean="0"/>
+              <a:t>trị</a:t>
+            </a:r>
+            <a:r>
+              <a:rPr lang="en-US" dirty="0" smtClean="0"/>
+              <a:t> gradient</a:t>
+            </a:r>
+            <a:endParaRPr lang="en-US" dirty="0"/>
+          </a:p>
+        </p:txBody>
+      </p:sp>
+      <p:pic>
+        <p:nvPicPr>
+          <p:cNvPr id="1026" name="Picture 2" descr="https://stanford.edu/~shervine/teaching/cs-230/illustrations/gradient-clipping-en.png?6c3de441dc56aad634dc1a91accb48f2"/>
+          <p:cNvPicPr>
+            <a:picLocks noChangeAspect="1" noChangeArrowheads="1"/>
+          </p:cNvPicPr>
+          <p:nvPr/>
+        </p:nvPicPr>
+        <p:blipFill>
+          <a:blip r:embed="rId2">
+            <a:extLst>
+              <a:ext uri="{28A0092B-C50C-407E-A947-70E740481C1C}">
+                <a14:useLocalDpi xmlns:a14="http://schemas.microsoft.com/office/drawing/2010/main" val="0"/>
+              </a:ext>
+            </a:extLst>
+          </a:blip>
+          <a:srcRect/>
+          <a:stretch>
+            <a:fillRect/>
+          </a:stretch>
+        </p:blipFill>
+        <p:spPr bwMode="auto">
+          <a:xfrm>
+            <a:off x="3705003" y="4001294"/>
+            <a:ext cx="4781994" cy="2049426"/>
+          </a:xfrm>
+          <a:prstGeom prst="rect">
+            <a:avLst/>
+          </a:prstGeom>
+          <a:noFill/>
+          <a:extLst>
+            <a:ext uri="{909E8E84-426E-40DD-AFC4-6F175D3DCCD1}">
+              <a14:hiddenFill xmlns:a14="http://schemas.microsoft.com/office/drawing/2010/main">
+                <a:solidFill>
+                  <a:srgbClr val="FFFFFF"/>
+                </a:solidFill>
+              </a14:hiddenFill>
+            </a:ext>
+          </a:extLst>
+        </p:spPr>
+      </p:pic>
+    </p:spTree>
+    <p:extLst>
+      <p:ext uri="{BB962C8B-B14F-4D97-AF65-F5344CB8AC3E}">
+        <p14:creationId xmlns:p14="http://schemas.microsoft.com/office/powerpoint/2010/main" val="1453796085"/>
+      </p:ext>
+    </p:extLst>
+  </p:cSld>
+  <p:clrMapOvr>
+    <a:masterClrMapping/>
+  </p:clrMapOvr>
+</p:sld>
+</file>
+
+<file path=ppt/slides/slide19.xml><?xml version="1.0" encoding="utf-8"?>
+<p:sld xmlns:a="http://schemas.openxmlformats.org/drawingml/2006/main" xmlns:r="http://schemas.openxmlformats.org/officeDocument/2006/relationships" xmlns:p="http://schemas.openxmlformats.org/presentationml/2006/main">
+  <p:cSld>
+    <p:spTree>
+      <p:nvGrpSpPr>
+        <p:cNvPr id="1" name=""/>
+        <p:cNvGrpSpPr/>
+        <p:nvPr/>
+      </p:nvGrpSpPr>
+      <p:grpSpPr>
+        <a:xfrm>
+          <a:off x="0" y="0"/>
+          <a:ext cx="0" cy="0"/>
+          <a:chOff x="0" y="0"/>
+          <a:chExt cx="0" cy="0"/>
+        </a:xfrm>
+      </p:grpSpPr>
+      <p:sp>
+        <p:nvSpPr>
+          <p:cNvPr id="2" name="Title 1"/>
+          <p:cNvSpPr>
+            <a:spLocks noGrp="1"/>
+          </p:cNvSpPr>
+          <p:nvPr>
+            <p:ph type="title"/>
+          </p:nvPr>
+        </p:nvSpPr>
+        <p:spPr/>
+        <p:txBody>
+          <a:bodyPr/>
+          <a:lstStyle/>
+          <a:p>
+            <a:r>
+              <a:rPr lang="fr-FR" dirty="0" smtClean="0"/>
+              <a:t>Practice</a:t>
+            </a:r>
+            <a:endParaRPr lang="en-US" dirty="0"/>
+          </a:p>
+        </p:txBody>
+      </p:sp>
+      <p:sp>
+        <p:nvSpPr>
+          <p:cNvPr id="3" name="Content Placeholder 2"/>
+          <p:cNvSpPr>
+            <a:spLocks noGrp="1"/>
+          </p:cNvSpPr>
+          <p:nvPr>
+            <p:ph idx="1"/>
+          </p:nvPr>
+        </p:nvSpPr>
+        <p:spPr/>
+        <p:txBody>
+          <a:bodyPr/>
+          <a:lstStyle/>
+          <a:p>
+            <a:r>
+              <a:rPr lang="fr-FR" dirty="0" smtClean="0"/>
+              <a:t>Stock </a:t>
+            </a:r>
+            <a:r>
+              <a:rPr lang="fr-FR" dirty="0" err="1" smtClean="0"/>
+              <a:t>prediction</a:t>
+            </a:r>
+            <a:r>
+              <a:rPr lang="fr-FR" dirty="0" smtClean="0"/>
+              <a:t> </a:t>
+            </a:r>
+            <a:r>
+              <a:rPr lang="fr-FR" dirty="0" err="1" smtClean="0"/>
+              <a:t>with</a:t>
+            </a:r>
+            <a:r>
+              <a:rPr lang="fr-FR" dirty="0" smtClean="0"/>
+              <a:t> </a:t>
+            </a:r>
+            <a:r>
+              <a:rPr lang="fr-FR" dirty="0" err="1" smtClean="0"/>
+              <a:t>rnn</a:t>
+            </a:r>
+            <a:r>
+              <a:rPr lang="fr-FR" smtClean="0"/>
+              <a:t>, </a:t>
+            </a:r>
+            <a:r>
+              <a:rPr lang="en-US" smtClean="0"/>
+              <a:t>lstm</a:t>
+            </a:r>
+            <a:endParaRPr lang="fr-FR" dirty="0" smtClean="0"/>
+          </a:p>
+          <a:p>
+            <a:r>
+              <a:rPr lang="fr-FR" dirty="0" smtClean="0"/>
+              <a:t>Web </a:t>
+            </a:r>
+            <a:r>
+              <a:rPr lang="fr-FR" dirty="0" err="1" smtClean="0"/>
+              <a:t>traffic</a:t>
+            </a:r>
+            <a:r>
+              <a:rPr lang="fr-FR" dirty="0" smtClean="0"/>
+              <a:t> </a:t>
+            </a:r>
+            <a:r>
+              <a:rPr lang="fr-FR" dirty="0" err="1" smtClean="0"/>
+              <a:t>forecasting</a:t>
+            </a:r>
+            <a:endParaRPr lang="en-US" dirty="0"/>
+          </a:p>
+        </p:txBody>
+      </p:sp>
+    </p:spTree>
+    <p:extLst>
+      <p:ext uri="{BB962C8B-B14F-4D97-AF65-F5344CB8AC3E}">
+        <p14:creationId xmlns:p14="http://schemas.microsoft.com/office/powerpoint/2010/main" val="150236055"/>
+      </p:ext>
+    </p:extLst>
+  </p:cSld>
+  <p:clrMapOvr>
+    <a:masterClrMapping/>
+  </p:clrMapOvr>
+</p:sld>
+</file>
+
+<file path=ppt/slides/slide2.xml><?xml version="1.0" encoding="utf-8"?>
+<p:sld xmlns:a="http://schemas.openxmlformats.org/drawingml/2006/main" xmlns:r="http://schemas.openxmlformats.org/officeDocument/2006/relationships" xmlns:p="http://schemas.openxmlformats.org/presentationml/2006/main">
+  <p:cSld>
+    <p:spTree>
+      <p:nvGrpSpPr>
+        <p:cNvPr id="1" name=""/>
+        <p:cNvGrpSpPr/>
+        <p:nvPr/>
+      </p:nvGrpSpPr>
+      <p:grpSpPr>
+        <a:xfrm>
+          <a:off x="0" y="0"/>
+          <a:ext cx="0" cy="0"/>
+          <a:chOff x="0" y="0"/>
+          <a:chExt cx="0" cy="0"/>
+        </a:xfrm>
+      </p:grpSpPr>
+      <p:sp>
+        <p:nvSpPr>
+          <p:cNvPr id="4" name="Title 3"/>
+          <p:cNvSpPr>
+            <a:spLocks noGrp="1"/>
+          </p:cNvSpPr>
+          <p:nvPr>
+            <p:ph type="title"/>
+          </p:nvPr>
+        </p:nvSpPr>
+        <p:spPr/>
+        <p:txBody>
+          <a:bodyPr/>
+          <a:lstStyle/>
+          <a:p>
+            <a:r>
+              <a:rPr lang="vi-VN" dirty="0" smtClean="0"/>
+              <a:t>Mô hình ngôn ngữ (language model)</a:t>
+            </a:r>
+            <a:endParaRPr lang="en-US" dirty="0"/>
+          </a:p>
+        </p:txBody>
+      </p:sp>
+      <p:sp>
+        <p:nvSpPr>
+          <p:cNvPr id="5" name="Text Placeholder 4"/>
+          <p:cNvSpPr>
+            <a:spLocks noGrp="1"/>
+          </p:cNvSpPr>
+          <p:nvPr>
+            <p:ph type="body" idx="1"/>
+          </p:nvPr>
+        </p:nvSpPr>
+        <p:spPr/>
+        <p:txBody>
+          <a:bodyPr/>
+          <a:lstStyle/>
+          <a:p>
+            <a:endParaRPr lang="en-US"/>
+          </a:p>
+        </p:txBody>
+      </p:sp>
+    </p:spTree>
+    <p:extLst>
+      <p:ext uri="{BB962C8B-B14F-4D97-AF65-F5344CB8AC3E}">
+        <p14:creationId xmlns:p14="http://schemas.microsoft.com/office/powerpoint/2010/main" val="1359683404"/>
+      </p:ext>
+    </p:extLst>
+  </p:cSld>
+  <p:clrMapOvr>
+    <a:masterClrMapping/>
+  </p:clrMapOvr>
+</p:sld>
+</file>
+
+<file path=ppt/slides/slide3.xml><?xml version="1.0" encoding="utf-8"?>
+<p:sld xmlns:a="http://schemas.openxmlformats.org/drawingml/2006/main" xmlns:r="http://schemas.openxmlformats.org/officeDocument/2006/relationships" xmlns:p="http://schemas.openxmlformats.org/presentationml/2006/main">
+  <p:cSld>
+    <p:spTree>
+      <p:nvGrpSpPr>
+        <p:cNvPr id="1" name=""/>
+        <p:cNvGrpSpPr/>
+        <p:nvPr/>
+      </p:nvGrpSpPr>
+      <p:grpSpPr>
+        <a:xfrm>
+          <a:off x="0" y="0"/>
+          <a:ext cx="0" cy="0"/>
+          <a:chOff x="0" y="0"/>
+          <a:chExt cx="0" cy="0"/>
+        </a:xfrm>
+      </p:grpSpPr>
+      <p:sp>
+        <p:nvSpPr>
+          <p:cNvPr id="2" name="Title 1"/>
+          <p:cNvSpPr>
+            <a:spLocks noGrp="1"/>
+          </p:cNvSpPr>
+          <p:nvPr>
+            <p:ph type="title"/>
+          </p:nvPr>
+        </p:nvSpPr>
+        <p:spPr/>
+        <p:txBody>
+          <a:bodyPr/>
+          <a:lstStyle/>
+          <a:p>
+            <a:r>
+              <a:rPr lang="en-US" dirty="0" err="1" smtClean="0"/>
+              <a:t>Xử</a:t>
+            </a:r>
+            <a:r>
+              <a:rPr lang="en-US" dirty="0" smtClean="0"/>
+              <a:t> </a:t>
+            </a:r>
+            <a:r>
+              <a:rPr lang="en-US" dirty="0" err="1" smtClean="0"/>
+              <a:t>lý</a:t>
+            </a:r>
+            <a:r>
+              <a:rPr lang="en-US" dirty="0" smtClean="0"/>
+              <a:t> </a:t>
+            </a:r>
+            <a:r>
+              <a:rPr lang="en-US" dirty="0" err="1" smtClean="0"/>
+              <a:t>văn</a:t>
+            </a:r>
+            <a:r>
+              <a:rPr lang="en-US" dirty="0" smtClean="0"/>
+              <a:t> </a:t>
+            </a:r>
+            <a:r>
+              <a:rPr lang="en-US" dirty="0" err="1" smtClean="0"/>
+              <a:t>bản</a:t>
+            </a:r>
+            <a:endParaRPr lang="en-US" dirty="0"/>
+          </a:p>
+        </p:txBody>
+      </p:sp>
+      <p:sp>
+        <p:nvSpPr>
+          <p:cNvPr id="3" name="Content Placeholder 2"/>
+          <p:cNvSpPr>
+            <a:spLocks noGrp="1"/>
+          </p:cNvSpPr>
+          <p:nvPr>
+            <p:ph idx="1"/>
+          </p:nvPr>
+        </p:nvSpPr>
+        <p:spPr/>
+        <p:txBody>
+          <a:bodyPr/>
+          <a:lstStyle/>
+          <a:p>
+            <a:r>
+              <a:rPr lang="en-US" altLang="en-US" dirty="0"/>
+              <a:t>Corpus: </a:t>
+            </a:r>
+            <a:r>
+              <a:rPr lang="en-US" altLang="en-US" dirty="0" err="1"/>
+              <a:t>văn</a:t>
+            </a:r>
+            <a:r>
+              <a:rPr lang="en-US" altLang="en-US" dirty="0"/>
+              <a:t> </a:t>
+            </a:r>
+            <a:r>
+              <a:rPr lang="en-US" altLang="en-US" dirty="0" err="1"/>
+              <a:t>bản</a:t>
+            </a:r>
+            <a:r>
+              <a:rPr lang="en-US" altLang="en-US" dirty="0"/>
+              <a:t>, </a:t>
+            </a:r>
+            <a:r>
+              <a:rPr lang="en-US" altLang="en-US" dirty="0" err="1"/>
+              <a:t>tức</a:t>
+            </a:r>
+            <a:r>
+              <a:rPr lang="en-US" altLang="en-US" dirty="0"/>
+              <a:t> </a:t>
+            </a:r>
+            <a:r>
+              <a:rPr lang="en-US" altLang="en-US" dirty="0" err="1"/>
+              <a:t>là</a:t>
+            </a:r>
+            <a:r>
+              <a:rPr lang="en-US" altLang="en-US" dirty="0"/>
+              <a:t> </a:t>
+            </a:r>
+            <a:r>
+              <a:rPr lang="en-US" altLang="en-US" dirty="0" err="1"/>
+              <a:t>kho</a:t>
+            </a:r>
+            <a:r>
+              <a:rPr lang="en-US" altLang="en-US" dirty="0"/>
+              <a:t> </a:t>
+            </a:r>
+            <a:r>
+              <a:rPr lang="en-US" altLang="en-US" dirty="0" err="1"/>
+              <a:t>dữ</a:t>
+            </a:r>
+            <a:r>
+              <a:rPr lang="en-US" altLang="en-US" dirty="0"/>
+              <a:t> </a:t>
+            </a:r>
+            <a:r>
+              <a:rPr lang="en-US" altLang="en-US" dirty="0" err="1"/>
+              <a:t>liệu</a:t>
+            </a:r>
+            <a:r>
+              <a:rPr lang="en-US" altLang="en-US" dirty="0"/>
+              <a:t> </a:t>
+            </a:r>
+            <a:r>
+              <a:rPr lang="en-US" altLang="en-US" dirty="0" err="1" smtClean="0"/>
+              <a:t>gốc</a:t>
+            </a:r>
+            <a:endParaRPr lang="en-US" dirty="0" smtClean="0"/>
+          </a:p>
+          <a:p>
+            <a:r>
+              <a:rPr lang="en-US" dirty="0" smtClean="0"/>
+              <a:t>Tokenization: </a:t>
+            </a:r>
+            <a:r>
+              <a:rPr lang="en-US" dirty="0" err="1" smtClean="0"/>
+              <a:t>xử</a:t>
+            </a:r>
+            <a:r>
+              <a:rPr lang="en-US" dirty="0" smtClean="0"/>
+              <a:t> </a:t>
+            </a:r>
+            <a:r>
+              <a:rPr lang="en-US" dirty="0" err="1" smtClean="0"/>
+              <a:t>lý</a:t>
+            </a:r>
+            <a:r>
+              <a:rPr lang="en-US" dirty="0" smtClean="0"/>
+              <a:t> </a:t>
+            </a:r>
+            <a:r>
+              <a:rPr lang="en-US" dirty="0" err="1" smtClean="0"/>
+              <a:t>một</a:t>
+            </a:r>
+            <a:r>
+              <a:rPr lang="en-US" dirty="0" smtClean="0"/>
+              <a:t> </a:t>
+            </a:r>
+            <a:r>
+              <a:rPr lang="en-US" dirty="0" err="1" smtClean="0"/>
+              <a:t>dòng</a:t>
+            </a:r>
+            <a:r>
+              <a:rPr lang="en-US" dirty="0" smtClean="0"/>
+              <a:t> </a:t>
+            </a:r>
+            <a:r>
+              <a:rPr lang="en-US" dirty="0" err="1" smtClean="0"/>
+              <a:t>văn</a:t>
+            </a:r>
+            <a:r>
+              <a:rPr lang="en-US" dirty="0" smtClean="0"/>
+              <a:t> </a:t>
+            </a:r>
+            <a:r>
+              <a:rPr lang="en-US" dirty="0" err="1" smtClean="0"/>
+              <a:t>bản</a:t>
+            </a:r>
+            <a:r>
+              <a:rPr lang="en-US" dirty="0" smtClean="0"/>
+              <a:t> </a:t>
+            </a:r>
+            <a:r>
+              <a:rPr lang="en-US" dirty="0" err="1" smtClean="0"/>
+              <a:t>thành</a:t>
+            </a:r>
+            <a:r>
+              <a:rPr lang="en-US" dirty="0" smtClean="0"/>
+              <a:t> </a:t>
+            </a:r>
+            <a:r>
+              <a:rPr lang="en-US" dirty="0" err="1" smtClean="0"/>
+              <a:t>chuỗi</a:t>
+            </a:r>
+            <a:r>
+              <a:rPr lang="en-US" dirty="0" smtClean="0"/>
+              <a:t> </a:t>
+            </a:r>
+            <a:r>
+              <a:rPr lang="en-US" dirty="0" err="1" smtClean="0"/>
+              <a:t>những</a:t>
+            </a:r>
+            <a:r>
+              <a:rPr lang="en-US" dirty="0" smtClean="0"/>
+              <a:t> </a:t>
+            </a:r>
+            <a:r>
+              <a:rPr lang="en-US" dirty="0" err="1" smtClean="0"/>
+              <a:t>từ</a:t>
+            </a:r>
+            <a:r>
+              <a:rPr lang="en-US" dirty="0" smtClean="0"/>
+              <a:t> (token)</a:t>
+            </a:r>
+          </a:p>
+          <a:p>
+            <a:pPr lvl="1"/>
+            <a:r>
+              <a:rPr lang="en-US" dirty="0" err="1" smtClean="0"/>
+              <a:t>Ví</a:t>
+            </a:r>
+            <a:r>
+              <a:rPr lang="en-US" dirty="0" smtClean="0"/>
+              <a:t> </a:t>
+            </a:r>
+            <a:r>
+              <a:rPr lang="en-US" dirty="0" err="1" smtClean="0"/>
+              <a:t>dụ</a:t>
+            </a:r>
+            <a:r>
+              <a:rPr lang="en-US" dirty="0" smtClean="0"/>
+              <a:t>: </a:t>
+            </a:r>
+          </a:p>
+          <a:p>
+            <a:pPr lvl="2"/>
+            <a:r>
+              <a:rPr lang="en-US" dirty="0" smtClean="0"/>
+              <a:t>Input: </a:t>
+            </a:r>
+            <a:r>
+              <a:rPr lang="en-US" dirty="0" err="1" smtClean="0"/>
+              <a:t>hôm</a:t>
+            </a:r>
+            <a:r>
+              <a:rPr lang="en-US" dirty="0" smtClean="0"/>
+              <a:t> nay </a:t>
+            </a:r>
+            <a:r>
+              <a:rPr lang="en-US" dirty="0" err="1" smtClean="0"/>
+              <a:t>trời</a:t>
+            </a:r>
+            <a:r>
+              <a:rPr lang="en-US" dirty="0" smtClean="0"/>
+              <a:t> </a:t>
+            </a:r>
+            <a:r>
+              <a:rPr lang="en-US" dirty="0" err="1" smtClean="0"/>
+              <a:t>đẹp</a:t>
+            </a:r>
+            <a:r>
+              <a:rPr lang="en-US" dirty="0" smtClean="0"/>
+              <a:t>, </a:t>
+            </a:r>
+            <a:r>
+              <a:rPr lang="en-US" dirty="0" err="1" smtClean="0"/>
+              <a:t>tôi</a:t>
+            </a:r>
+            <a:r>
+              <a:rPr lang="en-US" dirty="0" smtClean="0"/>
+              <a:t> </a:t>
+            </a:r>
+            <a:r>
+              <a:rPr lang="en-US" dirty="0" err="1" smtClean="0"/>
+              <a:t>muốn</a:t>
+            </a:r>
+            <a:r>
+              <a:rPr lang="en-US" dirty="0" smtClean="0"/>
+              <a:t> </a:t>
+            </a:r>
+            <a:r>
+              <a:rPr lang="en-US" dirty="0" err="1" smtClean="0"/>
+              <a:t>đi</a:t>
+            </a:r>
+            <a:r>
+              <a:rPr lang="en-US" dirty="0" smtClean="0"/>
+              <a:t> </a:t>
+            </a:r>
+            <a:r>
+              <a:rPr lang="en-US" dirty="0" err="1" smtClean="0"/>
+              <a:t>ăn</a:t>
+            </a:r>
+            <a:r>
+              <a:rPr lang="en-US" dirty="0" smtClean="0"/>
+              <a:t> </a:t>
+            </a:r>
+            <a:r>
+              <a:rPr lang="en-US" dirty="0" err="1" smtClean="0"/>
+              <a:t>kem</a:t>
+            </a:r>
+            <a:endParaRPr lang="en-US" dirty="0" smtClean="0"/>
+          </a:p>
+          <a:p>
+            <a:pPr lvl="2"/>
+            <a:r>
+              <a:rPr lang="en-US" dirty="0" smtClean="0"/>
+              <a:t>Output: </a:t>
+            </a:r>
+            <a:r>
+              <a:rPr lang="fr-FR" dirty="0" smtClean="0"/>
+              <a:t>[</a:t>
+            </a:r>
+            <a:r>
+              <a:rPr lang="en-US" dirty="0" err="1" smtClean="0"/>
+              <a:t>hôm</a:t>
+            </a:r>
+            <a:r>
+              <a:rPr lang="en-US" dirty="0" smtClean="0"/>
+              <a:t>, nay, </a:t>
+            </a:r>
+            <a:r>
+              <a:rPr lang="en-US" dirty="0" err="1" smtClean="0"/>
+              <a:t>trời</a:t>
+            </a:r>
+            <a:r>
+              <a:rPr lang="en-US" dirty="0" smtClean="0"/>
+              <a:t>, </a:t>
+            </a:r>
+            <a:r>
+              <a:rPr lang="en-US" dirty="0" err="1"/>
+              <a:t>đẹp</a:t>
+            </a:r>
+            <a:r>
+              <a:rPr lang="en-US" dirty="0"/>
+              <a:t>, </a:t>
+            </a:r>
+            <a:r>
+              <a:rPr lang="en-US" dirty="0" err="1" smtClean="0"/>
+              <a:t>tôi</a:t>
+            </a:r>
+            <a:r>
+              <a:rPr lang="en-US" dirty="0" smtClean="0"/>
+              <a:t>, </a:t>
+            </a:r>
+            <a:r>
+              <a:rPr lang="en-US" dirty="0" err="1" smtClean="0"/>
+              <a:t>muốn</a:t>
+            </a:r>
+            <a:r>
+              <a:rPr lang="en-US" dirty="0" smtClean="0"/>
+              <a:t>, </a:t>
+            </a:r>
+            <a:r>
+              <a:rPr lang="en-US" dirty="0" err="1" smtClean="0"/>
+              <a:t>đi</a:t>
+            </a:r>
+            <a:r>
+              <a:rPr lang="en-US" dirty="0" smtClean="0"/>
+              <a:t>, </a:t>
+            </a:r>
+            <a:r>
+              <a:rPr lang="en-US" dirty="0" err="1" smtClean="0"/>
+              <a:t>ăn</a:t>
+            </a:r>
+            <a:r>
+              <a:rPr lang="en-US" dirty="0" smtClean="0"/>
+              <a:t>, </a:t>
+            </a:r>
+            <a:r>
+              <a:rPr lang="en-US" dirty="0" err="1" smtClean="0"/>
+              <a:t>kem</a:t>
+            </a:r>
+            <a:r>
+              <a:rPr lang="fr-FR" dirty="0" smtClean="0"/>
+              <a:t>]</a:t>
+            </a:r>
+          </a:p>
+          <a:p>
+            <a:r>
+              <a:rPr lang="fr-FR" dirty="0" err="1" smtClean="0"/>
+              <a:t>Vocabulary</a:t>
+            </a:r>
+            <a:r>
+              <a:rPr lang="fr-FR" dirty="0" smtClean="0"/>
+              <a:t>: </a:t>
+            </a:r>
+            <a:r>
+              <a:rPr lang="en-US" dirty="0" err="1" smtClean="0"/>
+              <a:t>một</a:t>
+            </a:r>
+            <a:r>
+              <a:rPr lang="en-US" dirty="0" smtClean="0"/>
+              <a:t> </a:t>
+            </a:r>
+            <a:r>
+              <a:rPr lang="en-US" dirty="0" err="1" smtClean="0"/>
+              <a:t>bộ</a:t>
+            </a:r>
+            <a:r>
+              <a:rPr lang="en-US" dirty="0" smtClean="0"/>
+              <a:t> </a:t>
+            </a:r>
+            <a:r>
+              <a:rPr lang="en-US" dirty="0" err="1" smtClean="0"/>
+              <a:t>mã</a:t>
+            </a:r>
+            <a:r>
+              <a:rPr lang="en-US" dirty="0" smtClean="0"/>
+              <a:t> </a:t>
+            </a:r>
+            <a:r>
+              <a:rPr lang="en-US" dirty="0" err="1" smtClean="0"/>
+              <a:t>tương</a:t>
+            </a:r>
+            <a:r>
+              <a:rPr lang="en-US" dirty="0" smtClean="0"/>
+              <a:t> </a:t>
+            </a:r>
+            <a:r>
+              <a:rPr lang="en-US" dirty="0" err="1" smtClean="0"/>
+              <a:t>ứng</a:t>
+            </a:r>
+            <a:r>
+              <a:rPr lang="en-US" dirty="0" smtClean="0"/>
+              <a:t> </a:t>
+            </a:r>
+            <a:r>
+              <a:rPr lang="en-US" dirty="0" err="1" smtClean="0"/>
+              <a:t>giữa</a:t>
+            </a:r>
+            <a:r>
+              <a:rPr lang="en-US" dirty="0" smtClean="0"/>
+              <a:t> </a:t>
+            </a:r>
+            <a:r>
+              <a:rPr lang="en-US" dirty="0" err="1" smtClean="0"/>
+              <a:t>từ</a:t>
+            </a:r>
+            <a:r>
+              <a:rPr lang="en-US" dirty="0" smtClean="0"/>
+              <a:t> </a:t>
+            </a:r>
+            <a:r>
+              <a:rPr lang="en-US" dirty="0" err="1" smtClean="0"/>
+              <a:t>và</a:t>
+            </a:r>
+            <a:r>
+              <a:rPr lang="en-US" dirty="0" smtClean="0"/>
+              <a:t> </a:t>
+            </a:r>
+            <a:r>
+              <a:rPr lang="en-US" dirty="0" err="1" smtClean="0"/>
+              <a:t>mã</a:t>
+            </a:r>
+            <a:r>
+              <a:rPr lang="en-US" dirty="0" smtClean="0"/>
+              <a:t> code</a:t>
+            </a:r>
+          </a:p>
+          <a:p>
+            <a:pPr lvl="1"/>
+            <a:r>
+              <a:rPr lang="en-US" dirty="0" err="1" smtClean="0"/>
+              <a:t>Ví</a:t>
+            </a:r>
+            <a:r>
+              <a:rPr lang="en-US" dirty="0" smtClean="0"/>
+              <a:t> </a:t>
+            </a:r>
+            <a:r>
+              <a:rPr lang="en-US" dirty="0" err="1" smtClean="0"/>
+              <a:t>dụ</a:t>
+            </a:r>
+            <a:r>
+              <a:rPr lang="en-US" dirty="0" smtClean="0"/>
+              <a:t>:</a:t>
+            </a:r>
+          </a:p>
+          <a:p>
+            <a:pPr lvl="2"/>
+            <a:r>
+              <a:rPr lang="en-US" altLang="en-US" dirty="0">
+                <a:latin typeface="Menlo"/>
+              </a:rPr>
+              <a:t>[(</a:t>
+            </a:r>
+            <a:r>
+              <a:rPr lang="en-US" altLang="en-US" dirty="0">
+                <a:solidFill>
+                  <a:srgbClr val="4070A0"/>
+                </a:solidFill>
+                <a:latin typeface="Menlo"/>
+              </a:rPr>
+              <a:t>'&lt;</a:t>
+            </a:r>
+            <a:r>
+              <a:rPr lang="en-US" altLang="en-US" dirty="0" err="1">
+                <a:solidFill>
+                  <a:srgbClr val="4070A0"/>
+                </a:solidFill>
+                <a:latin typeface="Menlo"/>
+              </a:rPr>
+              <a:t>unk</a:t>
+            </a:r>
+            <a:r>
+              <a:rPr lang="en-US" altLang="en-US" dirty="0">
+                <a:solidFill>
+                  <a:srgbClr val="4070A0"/>
+                </a:solidFill>
+                <a:latin typeface="Menlo"/>
+              </a:rPr>
+              <a:t>&gt;'</a:t>
+            </a:r>
+            <a:r>
+              <a:rPr lang="en-US" altLang="en-US" dirty="0">
+                <a:latin typeface="Menlo"/>
+              </a:rPr>
+              <a:t>, </a:t>
+            </a:r>
+            <a:r>
+              <a:rPr lang="en-US" altLang="en-US" dirty="0">
+                <a:solidFill>
+                  <a:srgbClr val="40A070"/>
+                </a:solidFill>
+                <a:latin typeface="Menlo"/>
+              </a:rPr>
+              <a:t>0</a:t>
+            </a:r>
+            <a:r>
+              <a:rPr lang="en-US" altLang="en-US" dirty="0">
+                <a:latin typeface="Menlo"/>
+              </a:rPr>
+              <a:t>), </a:t>
+            </a:r>
+            <a:r>
+              <a:rPr lang="en-US" altLang="en-US" dirty="0" smtClean="0">
+                <a:latin typeface="Menlo"/>
+              </a:rPr>
+              <a:t>(</a:t>
+            </a:r>
+            <a:r>
+              <a:rPr lang="en-US" altLang="en-US" dirty="0" smtClean="0">
+                <a:solidFill>
+                  <a:srgbClr val="4070A0"/>
+                </a:solidFill>
+                <a:latin typeface="Menlo"/>
+              </a:rPr>
+              <a:t>'</a:t>
+            </a:r>
+            <a:r>
+              <a:rPr lang="en-US" dirty="0"/>
+              <a:t> </a:t>
+            </a:r>
+            <a:r>
+              <a:rPr lang="en-US" dirty="0" err="1"/>
+              <a:t>hôm</a:t>
+            </a:r>
+            <a:r>
+              <a:rPr lang="en-US" dirty="0"/>
+              <a:t> </a:t>
+            </a:r>
+            <a:r>
+              <a:rPr lang="en-US" altLang="en-US" dirty="0" smtClean="0">
+                <a:solidFill>
+                  <a:srgbClr val="4070A0"/>
+                </a:solidFill>
+                <a:latin typeface="Menlo"/>
+              </a:rPr>
+              <a:t>'</a:t>
+            </a:r>
+            <a:r>
+              <a:rPr lang="en-US" altLang="en-US" dirty="0" smtClean="0">
+                <a:latin typeface="Menlo"/>
+              </a:rPr>
+              <a:t>, </a:t>
+            </a:r>
+            <a:r>
+              <a:rPr lang="en-US" altLang="en-US" dirty="0">
+                <a:solidFill>
+                  <a:srgbClr val="40A070"/>
+                </a:solidFill>
+                <a:latin typeface="Menlo"/>
+              </a:rPr>
+              <a:t>1</a:t>
+            </a:r>
+            <a:r>
+              <a:rPr lang="en-US" altLang="en-US" dirty="0">
+                <a:latin typeface="Menlo"/>
+              </a:rPr>
+              <a:t>), </a:t>
+            </a:r>
+            <a:r>
+              <a:rPr lang="en-US" altLang="en-US" dirty="0" smtClean="0">
+                <a:latin typeface="Menlo"/>
+              </a:rPr>
+              <a:t>(</a:t>
+            </a:r>
+            <a:r>
+              <a:rPr lang="en-US" altLang="en-US" dirty="0" smtClean="0">
+                <a:solidFill>
+                  <a:srgbClr val="4070A0"/>
+                </a:solidFill>
+                <a:latin typeface="Menlo"/>
+              </a:rPr>
+              <a:t>'</a:t>
+            </a:r>
+            <a:r>
+              <a:rPr lang="en-US" dirty="0"/>
+              <a:t> nay </a:t>
+            </a:r>
+            <a:r>
+              <a:rPr lang="en-US" altLang="en-US" dirty="0" smtClean="0">
+                <a:solidFill>
+                  <a:srgbClr val="4070A0"/>
+                </a:solidFill>
+                <a:latin typeface="Menlo"/>
+              </a:rPr>
+              <a:t>'</a:t>
+            </a:r>
+            <a:r>
+              <a:rPr lang="en-US" altLang="en-US" dirty="0" smtClean="0">
+                <a:latin typeface="Menlo"/>
+              </a:rPr>
+              <a:t>, </a:t>
+            </a:r>
+            <a:r>
+              <a:rPr lang="en-US" altLang="en-US" dirty="0">
+                <a:solidFill>
+                  <a:srgbClr val="40A070"/>
+                </a:solidFill>
+                <a:latin typeface="Menlo"/>
+              </a:rPr>
+              <a:t>2</a:t>
+            </a:r>
+            <a:r>
+              <a:rPr lang="en-US" altLang="en-US" dirty="0">
+                <a:latin typeface="Menlo"/>
+              </a:rPr>
+              <a:t>), </a:t>
+            </a:r>
+            <a:r>
+              <a:rPr lang="en-US" altLang="en-US" dirty="0" smtClean="0">
+                <a:latin typeface="Menlo"/>
+              </a:rPr>
+              <a:t>(</a:t>
+            </a:r>
+            <a:r>
+              <a:rPr lang="en-US" altLang="en-US" dirty="0" smtClean="0">
+                <a:solidFill>
+                  <a:srgbClr val="4070A0"/>
+                </a:solidFill>
+                <a:latin typeface="Menlo"/>
+              </a:rPr>
+              <a:t>'</a:t>
+            </a:r>
+            <a:r>
+              <a:rPr lang="en-US" dirty="0"/>
+              <a:t> </a:t>
+            </a:r>
+            <a:r>
+              <a:rPr lang="en-US" dirty="0" err="1"/>
+              <a:t>trời</a:t>
+            </a:r>
+            <a:r>
+              <a:rPr lang="en-US" dirty="0"/>
+              <a:t> </a:t>
+            </a:r>
+            <a:r>
+              <a:rPr lang="en-US" altLang="en-US" dirty="0" smtClean="0">
+                <a:solidFill>
+                  <a:srgbClr val="4070A0"/>
+                </a:solidFill>
+                <a:latin typeface="Menlo"/>
+              </a:rPr>
+              <a:t>'</a:t>
+            </a:r>
+            <a:r>
+              <a:rPr lang="en-US" altLang="en-US" dirty="0" smtClean="0">
+                <a:latin typeface="Menlo"/>
+              </a:rPr>
+              <a:t>, </a:t>
+            </a:r>
+            <a:r>
+              <a:rPr lang="en-US" altLang="en-US" dirty="0">
+                <a:solidFill>
+                  <a:srgbClr val="40A070"/>
+                </a:solidFill>
+                <a:latin typeface="Menlo"/>
+              </a:rPr>
+              <a:t>3</a:t>
+            </a:r>
+            <a:r>
+              <a:rPr lang="en-US" altLang="en-US" dirty="0">
+                <a:latin typeface="Menlo"/>
+              </a:rPr>
+              <a:t>), </a:t>
+            </a:r>
+            <a:r>
+              <a:rPr lang="en-US" altLang="en-US" dirty="0" smtClean="0">
+                <a:latin typeface="Menlo"/>
+              </a:rPr>
+              <a:t>(</a:t>
+            </a:r>
+            <a:r>
+              <a:rPr lang="en-US" altLang="en-US" dirty="0" smtClean="0">
+                <a:solidFill>
+                  <a:srgbClr val="4070A0"/>
+                </a:solidFill>
+                <a:latin typeface="Menlo"/>
+              </a:rPr>
+              <a:t>‘</a:t>
+            </a:r>
+            <a:r>
+              <a:rPr lang="en-US" altLang="en-US" dirty="0" err="1" smtClean="0">
+                <a:solidFill>
+                  <a:srgbClr val="4070A0"/>
+                </a:solidFill>
+                <a:latin typeface="Menlo"/>
+              </a:rPr>
+              <a:t>đẹp</a:t>
+            </a:r>
+            <a:r>
+              <a:rPr lang="en-US" altLang="en-US" dirty="0" smtClean="0">
+                <a:solidFill>
+                  <a:srgbClr val="4070A0"/>
+                </a:solidFill>
+                <a:latin typeface="Menlo"/>
+              </a:rPr>
+              <a:t>'</a:t>
+            </a:r>
+            <a:r>
+              <a:rPr lang="en-US" altLang="en-US" dirty="0" smtClean="0">
+                <a:latin typeface="Menlo"/>
+              </a:rPr>
+              <a:t>, </a:t>
+            </a:r>
+            <a:r>
+              <a:rPr lang="en-US" altLang="en-US" dirty="0">
+                <a:solidFill>
+                  <a:srgbClr val="40A070"/>
+                </a:solidFill>
+                <a:latin typeface="Menlo"/>
+              </a:rPr>
+              <a:t>4</a:t>
+            </a:r>
+            <a:r>
+              <a:rPr lang="en-US" altLang="en-US" dirty="0">
+                <a:latin typeface="Menlo"/>
+              </a:rPr>
+              <a:t>), </a:t>
+            </a:r>
+            <a:r>
+              <a:rPr lang="en-US" altLang="en-US" dirty="0" smtClean="0">
+                <a:latin typeface="Menlo"/>
+              </a:rPr>
+              <a:t>(</a:t>
+            </a:r>
+            <a:r>
+              <a:rPr lang="en-US" altLang="en-US" dirty="0" smtClean="0">
+                <a:solidFill>
+                  <a:srgbClr val="4070A0"/>
+                </a:solidFill>
+                <a:latin typeface="Menlo"/>
+              </a:rPr>
+              <a:t>‘</a:t>
+            </a:r>
+            <a:r>
+              <a:rPr lang="en-US" altLang="en-US" dirty="0" err="1" smtClean="0">
+                <a:solidFill>
+                  <a:srgbClr val="4070A0"/>
+                </a:solidFill>
+                <a:latin typeface="Menlo"/>
+              </a:rPr>
+              <a:t>tôi</a:t>
+            </a:r>
+            <a:r>
+              <a:rPr lang="en-US" altLang="en-US" dirty="0" smtClean="0">
+                <a:solidFill>
+                  <a:srgbClr val="4070A0"/>
+                </a:solidFill>
+                <a:latin typeface="Menlo"/>
+              </a:rPr>
+              <a:t>'</a:t>
+            </a:r>
+            <a:r>
+              <a:rPr lang="en-US" altLang="en-US" dirty="0" smtClean="0">
+                <a:latin typeface="Menlo"/>
+              </a:rPr>
+              <a:t>, </a:t>
+            </a:r>
+            <a:r>
+              <a:rPr lang="en-US" altLang="en-US" dirty="0">
+                <a:solidFill>
+                  <a:srgbClr val="40A070"/>
+                </a:solidFill>
+                <a:latin typeface="Menlo"/>
+              </a:rPr>
+              <a:t>5</a:t>
+            </a:r>
+            <a:r>
+              <a:rPr lang="en-US" altLang="en-US" dirty="0">
+                <a:latin typeface="Menlo"/>
+              </a:rPr>
+              <a:t>), </a:t>
+            </a:r>
+            <a:r>
+              <a:rPr lang="en-US" altLang="en-US" dirty="0" smtClean="0">
+                <a:latin typeface="Menlo"/>
+              </a:rPr>
+              <a:t>(</a:t>
+            </a:r>
+            <a:r>
+              <a:rPr lang="en-US" altLang="en-US" dirty="0" smtClean="0">
+                <a:solidFill>
+                  <a:srgbClr val="4070A0"/>
+                </a:solidFill>
+                <a:latin typeface="Menlo"/>
+              </a:rPr>
+              <a:t>‘</a:t>
+            </a:r>
+            <a:r>
+              <a:rPr lang="en-US" altLang="en-US" dirty="0" err="1" smtClean="0">
+                <a:solidFill>
+                  <a:srgbClr val="4070A0"/>
+                </a:solidFill>
+                <a:latin typeface="Menlo"/>
+              </a:rPr>
+              <a:t>muốn</a:t>
+            </a:r>
+            <a:r>
+              <a:rPr lang="en-US" altLang="en-US" dirty="0" smtClean="0">
+                <a:solidFill>
+                  <a:srgbClr val="4070A0"/>
+                </a:solidFill>
+                <a:latin typeface="Menlo"/>
+              </a:rPr>
+              <a:t>'</a:t>
+            </a:r>
+            <a:r>
+              <a:rPr lang="en-US" altLang="en-US" dirty="0" smtClean="0">
+                <a:latin typeface="Menlo"/>
+              </a:rPr>
+              <a:t>, </a:t>
+            </a:r>
+            <a:r>
+              <a:rPr lang="en-US" altLang="en-US" dirty="0">
+                <a:solidFill>
+                  <a:srgbClr val="40A070"/>
+                </a:solidFill>
+                <a:latin typeface="Menlo"/>
+              </a:rPr>
+              <a:t>6</a:t>
+            </a:r>
+            <a:r>
+              <a:rPr lang="en-US" altLang="en-US" dirty="0">
+                <a:latin typeface="Menlo"/>
+              </a:rPr>
+              <a:t>), </a:t>
+            </a:r>
+            <a:r>
+              <a:rPr lang="en-US" altLang="en-US" dirty="0" smtClean="0">
+                <a:latin typeface="Menlo"/>
+              </a:rPr>
+              <a:t>(</a:t>
+            </a:r>
+            <a:r>
+              <a:rPr lang="en-US" altLang="en-US" dirty="0" smtClean="0">
+                <a:solidFill>
+                  <a:srgbClr val="4070A0"/>
+                </a:solidFill>
+                <a:latin typeface="Menlo"/>
+              </a:rPr>
+              <a:t>‘</a:t>
+            </a:r>
+            <a:r>
+              <a:rPr lang="en-US" altLang="en-US" dirty="0" err="1" smtClean="0">
+                <a:solidFill>
+                  <a:srgbClr val="4070A0"/>
+                </a:solidFill>
+                <a:latin typeface="Menlo"/>
+              </a:rPr>
+              <a:t>đi</a:t>
+            </a:r>
+            <a:r>
+              <a:rPr lang="en-US" altLang="en-US" dirty="0" smtClean="0">
+                <a:solidFill>
+                  <a:srgbClr val="4070A0"/>
+                </a:solidFill>
+                <a:latin typeface="Menlo"/>
+              </a:rPr>
+              <a:t>'</a:t>
+            </a:r>
+            <a:r>
+              <a:rPr lang="en-US" altLang="en-US" dirty="0" smtClean="0">
+                <a:latin typeface="Menlo"/>
+              </a:rPr>
+              <a:t>, </a:t>
+            </a:r>
+            <a:r>
+              <a:rPr lang="en-US" altLang="en-US" dirty="0">
+                <a:solidFill>
+                  <a:srgbClr val="40A070"/>
+                </a:solidFill>
+                <a:latin typeface="Menlo"/>
+              </a:rPr>
+              <a:t>7</a:t>
+            </a:r>
+            <a:r>
+              <a:rPr lang="en-US" altLang="en-US" dirty="0">
+                <a:latin typeface="Menlo"/>
+              </a:rPr>
+              <a:t>), </a:t>
+            </a:r>
+            <a:r>
+              <a:rPr lang="en-US" altLang="en-US" dirty="0" smtClean="0">
+                <a:latin typeface="Menlo"/>
+              </a:rPr>
+              <a:t>(</a:t>
+            </a:r>
+            <a:r>
+              <a:rPr lang="en-US" altLang="en-US" dirty="0" smtClean="0">
+                <a:solidFill>
+                  <a:srgbClr val="4070A0"/>
+                </a:solidFill>
+                <a:latin typeface="Menlo"/>
+              </a:rPr>
+              <a:t>‘</a:t>
+            </a:r>
+            <a:r>
+              <a:rPr lang="en-US" altLang="en-US" dirty="0" err="1" smtClean="0">
+                <a:solidFill>
+                  <a:srgbClr val="4070A0"/>
+                </a:solidFill>
+                <a:latin typeface="Menlo"/>
+              </a:rPr>
+              <a:t>ăn</a:t>
+            </a:r>
+            <a:r>
+              <a:rPr lang="en-US" altLang="en-US" dirty="0" smtClean="0">
+                <a:solidFill>
+                  <a:srgbClr val="4070A0"/>
+                </a:solidFill>
+                <a:latin typeface="Menlo"/>
+              </a:rPr>
+              <a:t>'</a:t>
+            </a:r>
+            <a:r>
+              <a:rPr lang="en-US" altLang="en-US" dirty="0" smtClean="0">
+                <a:latin typeface="Menlo"/>
+              </a:rPr>
+              <a:t>, </a:t>
+            </a:r>
+            <a:r>
+              <a:rPr lang="en-US" altLang="en-US" dirty="0">
+                <a:solidFill>
+                  <a:srgbClr val="40A070"/>
+                </a:solidFill>
+                <a:latin typeface="Menlo"/>
+              </a:rPr>
+              <a:t>8</a:t>
+            </a:r>
+            <a:r>
+              <a:rPr lang="en-US" altLang="en-US" dirty="0">
+                <a:latin typeface="Menlo"/>
+              </a:rPr>
+              <a:t>), </a:t>
+            </a:r>
+            <a:r>
+              <a:rPr lang="en-US" altLang="en-US" dirty="0" smtClean="0">
+                <a:latin typeface="Menlo"/>
+              </a:rPr>
+              <a:t>(</a:t>
+            </a:r>
+            <a:r>
+              <a:rPr lang="en-US" altLang="en-US" dirty="0" smtClean="0">
+                <a:solidFill>
+                  <a:srgbClr val="4070A0"/>
+                </a:solidFill>
+                <a:latin typeface="Menlo"/>
+              </a:rPr>
+              <a:t>‘</a:t>
+            </a:r>
+            <a:r>
+              <a:rPr lang="en-US" altLang="en-US" dirty="0" err="1" smtClean="0">
+                <a:solidFill>
+                  <a:srgbClr val="4070A0"/>
+                </a:solidFill>
+                <a:latin typeface="Menlo"/>
+              </a:rPr>
+              <a:t>kem</a:t>
+            </a:r>
+            <a:r>
+              <a:rPr lang="en-US" altLang="en-US" dirty="0" smtClean="0">
+                <a:solidFill>
+                  <a:srgbClr val="4070A0"/>
+                </a:solidFill>
+                <a:latin typeface="Menlo"/>
+              </a:rPr>
+              <a:t>'</a:t>
+            </a:r>
+            <a:r>
+              <a:rPr lang="en-US" altLang="en-US" dirty="0" smtClean="0">
+                <a:latin typeface="Menlo"/>
+              </a:rPr>
+              <a:t>, </a:t>
+            </a:r>
+            <a:r>
+              <a:rPr lang="en-US" altLang="en-US" dirty="0">
+                <a:solidFill>
+                  <a:srgbClr val="40A070"/>
+                </a:solidFill>
+                <a:latin typeface="Menlo"/>
+              </a:rPr>
+              <a:t>9</a:t>
+            </a:r>
+            <a:r>
+              <a:rPr lang="en-US" altLang="en-US" dirty="0">
+                <a:latin typeface="Menlo"/>
+              </a:rPr>
+              <a:t>)]</a:t>
+            </a:r>
+            <a:r>
+              <a:rPr lang="en-US" altLang="en-US" sz="1600" dirty="0"/>
+              <a:t> </a:t>
+            </a:r>
+            <a:endParaRPr lang="en-US" altLang="en-US" sz="1600" dirty="0" smtClean="0"/>
+          </a:p>
+          <a:p>
+            <a:pPr lvl="2"/>
+            <a:endParaRPr lang="en-US" dirty="0"/>
+          </a:p>
+        </p:txBody>
+      </p:sp>
+    </p:spTree>
+    <p:extLst>
+      <p:ext uri="{BB962C8B-B14F-4D97-AF65-F5344CB8AC3E}">
+        <p14:creationId xmlns:p14="http://schemas.microsoft.com/office/powerpoint/2010/main" val="518493047"/>
+      </p:ext>
+    </p:extLst>
+  </p:cSld>
+  <p:clrMapOvr>
+    <a:masterClrMapping/>
+  </p:clrMapOvr>
+</p:sld>
+</file>
+
+<file path=ppt/slides/slide4.xml><?xml version="1.0" encoding="utf-8"?>
+<p:sld xmlns:a="http://schemas.openxmlformats.org/drawingml/2006/main" xmlns:r="http://schemas.openxmlformats.org/officeDocument/2006/relationships" xmlns:p="http://schemas.openxmlformats.org/presentationml/2006/main">
+  <p:cSld>
+    <p:spTree>
+      <p:nvGrpSpPr>
+        <p:cNvPr id="1" name=""/>
+        <p:cNvGrpSpPr/>
+        <p:nvPr/>
+      </p:nvGrpSpPr>
+      <p:grpSpPr>
+        <a:xfrm>
+          <a:off x="0" y="0"/>
+          <a:ext cx="0" cy="0"/>
+          <a:chOff x="0" y="0"/>
+          <a:chExt cx="0" cy="0"/>
+        </a:xfrm>
+      </p:grpSpPr>
+      <p:sp>
+        <p:nvSpPr>
+          <p:cNvPr id="4" name="Title 3"/>
+          <p:cNvSpPr>
+            <a:spLocks noGrp="1"/>
+          </p:cNvSpPr>
+          <p:nvPr>
+            <p:ph type="title"/>
+          </p:nvPr>
+        </p:nvSpPr>
+        <p:spPr/>
+        <p:txBody>
+          <a:bodyPr/>
+          <a:lstStyle/>
+          <a:p>
+            <a:r>
+              <a:rPr lang="en-US" dirty="0" err="1" smtClean="0"/>
+              <a:t>Mô</a:t>
+            </a:r>
+            <a:r>
+              <a:rPr lang="en-US" dirty="0" smtClean="0"/>
+              <a:t> </a:t>
+            </a:r>
+            <a:r>
+              <a:rPr lang="en-US" dirty="0" err="1" smtClean="0"/>
+              <a:t>hình</a:t>
+            </a:r>
+            <a:r>
+              <a:rPr lang="en-US" dirty="0" smtClean="0"/>
+              <a:t> </a:t>
+            </a:r>
+            <a:r>
+              <a:rPr lang="en-US" dirty="0" err="1" smtClean="0"/>
+              <a:t>ngôn</a:t>
+            </a:r>
+            <a:r>
+              <a:rPr lang="en-US" dirty="0" smtClean="0"/>
+              <a:t> </a:t>
+            </a:r>
+            <a:r>
+              <a:rPr lang="en-US" dirty="0" err="1" smtClean="0"/>
+              <a:t>ngữ</a:t>
+            </a:r>
+            <a:endParaRPr lang="en-US" dirty="0"/>
+          </a:p>
+        </p:txBody>
+      </p:sp>
+      <p:sp>
+        <p:nvSpPr>
+          <p:cNvPr id="6" name="Content Placeholder 5"/>
+          <p:cNvSpPr>
+            <a:spLocks noGrp="1"/>
+          </p:cNvSpPr>
+          <p:nvPr>
+            <p:ph idx="1"/>
+          </p:nvPr>
+        </p:nvSpPr>
+        <p:spPr/>
+        <p:txBody>
+          <a:bodyPr>
+            <a:normAutofit/>
+          </a:bodyPr>
+          <a:lstStyle/>
+          <a:p>
+            <a:r>
+              <a:rPr lang="en-US" dirty="0" err="1" smtClean="0"/>
+              <a:t>Mô</a:t>
+            </a:r>
+            <a:r>
+              <a:rPr lang="en-US" dirty="0" smtClean="0"/>
+              <a:t> </a:t>
+            </a:r>
+            <a:r>
+              <a:rPr lang="en-US" dirty="0" err="1" smtClean="0"/>
+              <a:t>hình</a:t>
+            </a:r>
+            <a:r>
+              <a:rPr lang="en-US" dirty="0" smtClean="0"/>
+              <a:t> </a:t>
+            </a:r>
+            <a:r>
+              <a:rPr lang="en-US" dirty="0" err="1" smtClean="0"/>
+              <a:t>ngôn</a:t>
+            </a:r>
+            <a:r>
+              <a:rPr lang="en-US" dirty="0" smtClean="0"/>
+              <a:t> </a:t>
+            </a:r>
+            <a:r>
+              <a:rPr lang="en-US" dirty="0" err="1" smtClean="0"/>
+              <a:t>ngữ</a:t>
+            </a:r>
+            <a:r>
+              <a:rPr lang="en-US" dirty="0" smtClean="0"/>
+              <a:t> </a:t>
+            </a:r>
+            <a:r>
+              <a:rPr lang="en-US" dirty="0" err="1" smtClean="0"/>
+              <a:t>có</a:t>
+            </a:r>
+            <a:r>
+              <a:rPr lang="en-US" dirty="0" smtClean="0"/>
+              <a:t> </a:t>
+            </a:r>
+            <a:r>
+              <a:rPr lang="en-US" dirty="0" err="1" smtClean="0"/>
+              <a:t>khả</a:t>
+            </a:r>
+            <a:r>
+              <a:rPr lang="en-US" dirty="0" smtClean="0"/>
+              <a:t> </a:t>
+            </a:r>
+            <a:r>
+              <a:rPr lang="en-US" dirty="0" err="1" smtClean="0"/>
+              <a:t>năng</a:t>
+            </a:r>
+            <a:r>
+              <a:rPr lang="en-US" dirty="0" smtClean="0"/>
+              <a:t> </a:t>
+            </a:r>
+            <a:r>
+              <a:rPr lang="en-US" dirty="0" err="1" smtClean="0"/>
+              <a:t>dự</a:t>
+            </a:r>
+            <a:r>
+              <a:rPr lang="en-US" dirty="0" smtClean="0"/>
+              <a:t> </a:t>
+            </a:r>
+            <a:r>
+              <a:rPr lang="en-US" dirty="0" err="1" smtClean="0"/>
+              <a:t>đoán</a:t>
+            </a:r>
+            <a:r>
+              <a:rPr lang="en-US" dirty="0" smtClean="0"/>
+              <a:t> </a:t>
+            </a:r>
+            <a:r>
+              <a:rPr lang="en-US" dirty="0" err="1" smtClean="0"/>
+              <a:t>từ</a:t>
+            </a:r>
+            <a:r>
+              <a:rPr lang="en-US" dirty="0" smtClean="0"/>
+              <a:t> </a:t>
+            </a:r>
+            <a:r>
+              <a:rPr lang="en-US" dirty="0" err="1" smtClean="0"/>
+              <a:t>tiếp</a:t>
+            </a:r>
+            <a:r>
+              <a:rPr lang="en-US" dirty="0" smtClean="0"/>
+              <a:t> </a:t>
+            </a:r>
+            <a:r>
+              <a:rPr lang="en-US" dirty="0" err="1" smtClean="0"/>
+              <a:t>theo</a:t>
+            </a:r>
+            <a:r>
+              <a:rPr lang="en-US" dirty="0" smtClean="0"/>
+              <a:t> </a:t>
+            </a:r>
+            <a:r>
+              <a:rPr lang="en-US" dirty="0" err="1" smtClean="0"/>
+              <a:t>dựa</a:t>
+            </a:r>
+            <a:r>
+              <a:rPr lang="en-US" dirty="0" smtClean="0"/>
+              <a:t> </a:t>
+            </a:r>
+            <a:r>
+              <a:rPr lang="en-US" dirty="0" err="1" smtClean="0"/>
+              <a:t>trên</a:t>
+            </a:r>
+            <a:r>
+              <a:rPr lang="en-US" dirty="0" smtClean="0"/>
+              <a:t> </a:t>
+            </a:r>
+            <a:r>
+              <a:rPr lang="en-US" dirty="0" err="1" smtClean="0"/>
+              <a:t>những</a:t>
+            </a:r>
+            <a:r>
+              <a:rPr lang="en-US" dirty="0" smtClean="0"/>
+              <a:t> </a:t>
+            </a:r>
+            <a:r>
+              <a:rPr lang="en-US" dirty="0" err="1" smtClean="0"/>
+              <a:t>từ</a:t>
+            </a:r>
+            <a:r>
+              <a:rPr lang="en-US" dirty="0" smtClean="0"/>
+              <a:t> </a:t>
+            </a:r>
+            <a:r>
+              <a:rPr lang="en-US" dirty="0" err="1" smtClean="0"/>
+              <a:t>có</a:t>
+            </a:r>
+            <a:r>
+              <a:rPr lang="en-US" dirty="0" smtClean="0"/>
+              <a:t> </a:t>
+            </a:r>
+            <a:r>
+              <a:rPr lang="en-US" dirty="0" err="1" smtClean="0"/>
+              <a:t>sẵn</a:t>
+            </a:r>
+            <a:r>
+              <a:rPr lang="en-US" dirty="0" smtClean="0"/>
+              <a:t> </a:t>
+            </a:r>
+            <a:r>
+              <a:rPr lang="en-US" dirty="0" err="1" smtClean="0"/>
+              <a:t>trước</a:t>
+            </a:r>
+            <a:r>
+              <a:rPr lang="en-US" dirty="0" smtClean="0"/>
+              <a:t> </a:t>
+            </a:r>
+            <a:r>
+              <a:rPr lang="en-US" dirty="0" err="1" smtClean="0"/>
+              <a:t>đó</a:t>
+            </a:r>
+            <a:r>
+              <a:rPr lang="en-US" dirty="0" smtClean="0"/>
+              <a:t>, </a:t>
+            </a:r>
+            <a:r>
+              <a:rPr lang="en-US" dirty="0" err="1" smtClean="0"/>
+              <a:t>để</a:t>
+            </a:r>
+            <a:r>
+              <a:rPr lang="en-US" dirty="0" smtClean="0"/>
+              <a:t> </a:t>
+            </a:r>
+            <a:r>
+              <a:rPr lang="en-US" dirty="0" err="1" smtClean="0"/>
+              <a:t>làm</a:t>
+            </a:r>
+            <a:r>
+              <a:rPr lang="en-US" dirty="0" smtClean="0"/>
+              <a:t> </a:t>
+            </a:r>
+            <a:r>
+              <a:rPr lang="en-US" dirty="0" err="1" smtClean="0"/>
+              <a:t>được</a:t>
+            </a:r>
+            <a:r>
+              <a:rPr lang="en-US" dirty="0" smtClean="0"/>
+              <a:t> </a:t>
+            </a:r>
+            <a:r>
+              <a:rPr lang="en-US" dirty="0" err="1" smtClean="0"/>
+              <a:t>điều</a:t>
+            </a:r>
+            <a:r>
+              <a:rPr lang="en-US" dirty="0" smtClean="0"/>
+              <a:t> </a:t>
+            </a:r>
+            <a:r>
+              <a:rPr lang="en-US" dirty="0" err="1" smtClean="0"/>
+              <a:t>này</a:t>
+            </a:r>
+            <a:r>
+              <a:rPr lang="en-US" dirty="0" smtClean="0"/>
+              <a:t> </a:t>
+            </a:r>
+            <a:r>
+              <a:rPr lang="en-US" dirty="0" err="1" smtClean="0"/>
+              <a:t>mô</a:t>
+            </a:r>
+            <a:r>
+              <a:rPr lang="en-US" dirty="0" smtClean="0"/>
+              <a:t> </a:t>
+            </a:r>
+            <a:r>
+              <a:rPr lang="en-US" dirty="0" err="1" smtClean="0"/>
+              <a:t>hình</a:t>
+            </a:r>
+            <a:r>
+              <a:rPr lang="en-US" dirty="0" smtClean="0"/>
+              <a:t> </a:t>
+            </a:r>
+            <a:r>
+              <a:rPr lang="en-US" dirty="0" err="1" smtClean="0"/>
+              <a:t>cần</a:t>
+            </a:r>
+            <a:r>
+              <a:rPr lang="en-US" dirty="0" smtClean="0"/>
+              <a:t> </a:t>
+            </a:r>
+            <a:r>
+              <a:rPr lang="en-US" dirty="0" err="1" smtClean="0"/>
+              <a:t>học</a:t>
+            </a:r>
+            <a:r>
+              <a:rPr lang="en-US" dirty="0" smtClean="0"/>
+              <a:t> </a:t>
+            </a:r>
+            <a:r>
+              <a:rPr lang="en-US" dirty="0" err="1" smtClean="0"/>
+              <a:t>được</a:t>
+            </a:r>
+            <a:r>
+              <a:rPr lang="en-US" dirty="0" smtClean="0"/>
+              <a:t> </a:t>
+            </a:r>
+            <a:r>
+              <a:rPr lang="en-US" dirty="0" err="1" smtClean="0"/>
+              <a:t>ngữ</a:t>
+            </a:r>
+            <a:r>
+              <a:rPr lang="en-US" dirty="0" smtClean="0"/>
+              <a:t> </a:t>
+            </a:r>
+            <a:r>
+              <a:rPr lang="en-US" dirty="0" err="1" smtClean="0"/>
+              <a:t>cảnh</a:t>
+            </a:r>
+            <a:r>
+              <a:rPr lang="en-US" dirty="0" smtClean="0"/>
+              <a:t> (context):</a:t>
+            </a:r>
+          </a:p>
+          <a:p>
+            <a:endParaRPr lang="en-US" dirty="0"/>
+          </a:p>
+          <a:p>
+            <a:endParaRPr lang="en-US" dirty="0" smtClean="0"/>
+          </a:p>
+          <a:p>
+            <a:endParaRPr lang="en-US" dirty="0"/>
+          </a:p>
+          <a:p>
+            <a:endParaRPr lang="en-US" dirty="0" smtClean="0"/>
+          </a:p>
+        </p:txBody>
+      </p:sp>
+      <p:pic>
+        <p:nvPicPr>
+          <p:cNvPr id="7" name="Picture 6"/>
+          <p:cNvPicPr>
+            <a:picLocks noChangeAspect="1"/>
+          </p:cNvPicPr>
+          <p:nvPr/>
+        </p:nvPicPr>
+        <p:blipFill>
+          <a:blip r:embed="rId3"/>
+          <a:stretch>
+            <a:fillRect/>
+          </a:stretch>
+        </p:blipFill>
+        <p:spPr>
+          <a:xfrm>
+            <a:off x="3721327" y="2742258"/>
+            <a:ext cx="7467600" cy="1809750"/>
+          </a:xfrm>
+          <a:prstGeom prst="rect">
+            <a:avLst/>
+          </a:prstGeom>
+        </p:spPr>
+      </p:pic>
+    </p:spTree>
+    <p:extLst>
+      <p:ext uri="{BB962C8B-B14F-4D97-AF65-F5344CB8AC3E}">
+        <p14:creationId xmlns:p14="http://schemas.microsoft.com/office/powerpoint/2010/main" val="603711189"/>
+      </p:ext>
+    </p:extLst>
+  </p:cSld>
+  <p:clrMapOvr>
+    <a:masterClrMapping/>
+  </p:clrMapOvr>
+</p:sld>
+</file>
+
+<file path=ppt/slides/slide5.xml><?xml version="1.0" encoding="utf-8"?>
+<p:sld xmlns:a="http://schemas.openxmlformats.org/drawingml/2006/main" xmlns:r="http://schemas.openxmlformats.org/officeDocument/2006/relationships" xmlns:p="http://schemas.openxmlformats.org/presentationml/2006/main">
+  <p:cSld>
+    <p:spTree>
+      <p:nvGrpSpPr>
+        <p:cNvPr id="1" name=""/>
+        <p:cNvGrpSpPr/>
+        <p:nvPr/>
+      </p:nvGrpSpPr>
+      <p:grpSpPr>
+        <a:xfrm>
+          <a:off x="0" y="0"/>
+          <a:ext cx="0" cy="0"/>
+          <a:chOff x="0" y="0"/>
+          <a:chExt cx="0" cy="0"/>
+        </a:xfrm>
+      </p:grpSpPr>
+      <p:sp>
+        <p:nvSpPr>
+          <p:cNvPr id="4" name="Title 3"/>
+          <p:cNvSpPr>
+            <a:spLocks noGrp="1"/>
+          </p:cNvSpPr>
+          <p:nvPr>
+            <p:ph type="title"/>
+          </p:nvPr>
+        </p:nvSpPr>
+        <p:spPr/>
+        <p:txBody>
+          <a:bodyPr/>
+          <a:lstStyle/>
+          <a:p>
+            <a:r>
+              <a:rPr lang="en-US" dirty="0" err="1" smtClean="0"/>
+              <a:t>Mô</a:t>
+            </a:r>
+            <a:r>
+              <a:rPr lang="en-US" dirty="0" smtClean="0"/>
+              <a:t> </a:t>
+            </a:r>
+            <a:r>
+              <a:rPr lang="en-US" dirty="0" err="1" smtClean="0"/>
+              <a:t>hình</a:t>
+            </a:r>
+            <a:r>
+              <a:rPr lang="en-US" dirty="0" smtClean="0"/>
+              <a:t> </a:t>
+            </a:r>
+            <a:r>
+              <a:rPr lang="en-US" dirty="0" err="1" smtClean="0"/>
+              <a:t>ngôn</a:t>
+            </a:r>
+            <a:r>
+              <a:rPr lang="en-US" dirty="0" smtClean="0"/>
+              <a:t> </a:t>
+            </a:r>
+            <a:r>
+              <a:rPr lang="en-US" dirty="0" err="1" smtClean="0"/>
+              <a:t>ngữ</a:t>
+            </a:r>
+            <a:r>
+              <a:rPr lang="en-US" dirty="0" smtClean="0"/>
+              <a:t> </a:t>
+            </a:r>
+            <a:r>
+              <a:rPr lang="en-US" dirty="0" err="1" smtClean="0"/>
+              <a:t>bằng</a:t>
+            </a:r>
+            <a:r>
+              <a:rPr lang="en-US" dirty="0" smtClean="0"/>
+              <a:t> </a:t>
+            </a:r>
+            <a:r>
+              <a:rPr lang="en-US" dirty="0" err="1" smtClean="0"/>
+              <a:t>cách</a:t>
+            </a:r>
+            <a:r>
+              <a:rPr lang="en-US" dirty="0" smtClean="0"/>
+              <a:t> </a:t>
+            </a:r>
+            <a:r>
+              <a:rPr lang="en-US" dirty="0" err="1" smtClean="0"/>
+              <a:t>đếm</a:t>
+            </a:r>
+            <a:r>
+              <a:rPr lang="en-US" dirty="0" smtClean="0"/>
+              <a:t> (count-based)</a:t>
+            </a:r>
+            <a:endParaRPr lang="en-US" dirty="0"/>
+          </a:p>
+        </p:txBody>
+      </p:sp>
+      <p:sp>
+        <p:nvSpPr>
+          <p:cNvPr id="6" name="Content Placeholder 5"/>
+          <p:cNvSpPr>
+            <a:spLocks noGrp="1"/>
+          </p:cNvSpPr>
+          <p:nvPr>
+            <p:ph idx="1"/>
+          </p:nvPr>
+        </p:nvSpPr>
+        <p:spPr/>
+        <p:txBody>
+          <a:bodyPr>
+            <a:normAutofit/>
+          </a:bodyPr>
+          <a:lstStyle/>
+          <a:p>
+            <a:r>
+              <a:rPr lang="en-US" dirty="0" err="1" smtClean="0"/>
+              <a:t>Một</a:t>
+            </a:r>
+            <a:r>
+              <a:rPr lang="en-US" dirty="0" smtClean="0"/>
+              <a:t> </a:t>
+            </a:r>
+            <a:r>
+              <a:rPr lang="en-US" dirty="0" err="1" smtClean="0"/>
+              <a:t>mô</a:t>
+            </a:r>
+            <a:r>
+              <a:rPr lang="en-US" dirty="0" smtClean="0"/>
+              <a:t> </a:t>
+            </a:r>
+            <a:r>
+              <a:rPr lang="en-US" dirty="0" err="1" smtClean="0"/>
+              <a:t>hình</a:t>
+            </a:r>
+            <a:r>
+              <a:rPr lang="en-US" dirty="0" smtClean="0"/>
+              <a:t> </a:t>
+            </a:r>
+            <a:r>
+              <a:rPr lang="en-US" dirty="0" err="1" smtClean="0"/>
+              <a:t>đơn</a:t>
+            </a:r>
+            <a:r>
+              <a:rPr lang="en-US" dirty="0" smtClean="0"/>
+              <a:t> </a:t>
+            </a:r>
+            <a:r>
+              <a:rPr lang="en-US" dirty="0" err="1" smtClean="0"/>
+              <a:t>giản</a:t>
+            </a:r>
+            <a:r>
+              <a:rPr lang="en-US" dirty="0" smtClean="0"/>
+              <a:t> </a:t>
+            </a:r>
+            <a:r>
+              <a:rPr lang="en-US" dirty="0" err="1" smtClean="0"/>
+              <a:t>để</a:t>
+            </a:r>
+            <a:r>
+              <a:rPr lang="en-US" dirty="0" smtClean="0"/>
+              <a:t> </a:t>
+            </a:r>
+            <a:r>
+              <a:rPr lang="en-US" dirty="0" err="1" smtClean="0"/>
+              <a:t>tính</a:t>
+            </a:r>
+            <a:r>
+              <a:rPr lang="en-US" dirty="0" smtClean="0"/>
+              <a:t> P(deep) </a:t>
+            </a:r>
+            <a:r>
+              <a:rPr lang="en-US" dirty="0" err="1" smtClean="0"/>
+              <a:t>bằng</a:t>
+            </a:r>
+            <a:r>
+              <a:rPr lang="en-US" dirty="0" smtClean="0"/>
+              <a:t> </a:t>
+            </a:r>
+            <a:r>
+              <a:rPr lang="en-US" dirty="0" err="1" smtClean="0"/>
+              <a:t>cách</a:t>
+            </a:r>
+            <a:r>
+              <a:rPr lang="en-US" dirty="0" smtClean="0"/>
+              <a:t> </a:t>
+            </a:r>
+            <a:r>
+              <a:rPr lang="en-US" dirty="0" err="1" smtClean="0"/>
+              <a:t>tính</a:t>
+            </a:r>
+            <a:r>
+              <a:rPr lang="en-US" dirty="0" smtClean="0"/>
+              <a:t> </a:t>
+            </a:r>
+            <a:r>
+              <a:rPr lang="en-US" dirty="0" err="1" smtClean="0"/>
+              <a:t>số</a:t>
+            </a:r>
+            <a:r>
+              <a:rPr lang="en-US" dirty="0" smtClean="0"/>
+              <a:t> </a:t>
+            </a:r>
+            <a:r>
+              <a:rPr lang="en-US" dirty="0" err="1" smtClean="0"/>
+              <a:t>câu</a:t>
+            </a:r>
+            <a:r>
+              <a:rPr lang="en-US" dirty="0" smtClean="0"/>
+              <a:t> </a:t>
+            </a:r>
+            <a:r>
+              <a:rPr lang="en-US" dirty="0" err="1" smtClean="0"/>
+              <a:t>bắt</a:t>
+            </a:r>
+            <a:r>
+              <a:rPr lang="en-US" dirty="0" smtClean="0"/>
+              <a:t> </a:t>
+            </a:r>
+            <a:r>
+              <a:rPr lang="en-US" dirty="0" err="1" smtClean="0"/>
+              <a:t>đầu</a:t>
+            </a:r>
+            <a:r>
+              <a:rPr lang="en-US" dirty="0" smtClean="0"/>
+              <a:t> </a:t>
+            </a:r>
+            <a:r>
+              <a:rPr lang="en-US" dirty="0" err="1" smtClean="0"/>
+              <a:t>bằng</a:t>
+            </a:r>
+            <a:r>
+              <a:rPr lang="en-US" dirty="0" smtClean="0"/>
+              <a:t> </a:t>
+            </a:r>
+            <a:r>
+              <a:rPr lang="en-US" dirty="0" err="1" smtClean="0"/>
+              <a:t>chữ</a:t>
+            </a:r>
+            <a:r>
+              <a:rPr lang="en-US" dirty="0" smtClean="0"/>
+              <a:t> deep, </a:t>
+            </a:r>
+            <a:r>
+              <a:rPr lang="en-US" dirty="0" err="1" smtClean="0"/>
+              <a:t>rồi</a:t>
+            </a:r>
+            <a:r>
+              <a:rPr lang="en-US" dirty="0" smtClean="0"/>
+              <a:t> chia </a:t>
+            </a:r>
+            <a:r>
+              <a:rPr lang="en-US" dirty="0" err="1" smtClean="0"/>
+              <a:t>cho</a:t>
+            </a:r>
+            <a:r>
+              <a:rPr lang="en-US" dirty="0" smtClean="0"/>
+              <a:t> </a:t>
+            </a:r>
+            <a:r>
+              <a:rPr lang="en-US" dirty="0" err="1" smtClean="0"/>
+              <a:t>tổng</a:t>
+            </a:r>
+            <a:r>
+              <a:rPr lang="en-US" dirty="0" smtClean="0"/>
+              <a:t> </a:t>
+            </a:r>
+            <a:r>
+              <a:rPr lang="en-US" dirty="0" err="1" smtClean="0"/>
+              <a:t>số</a:t>
+            </a:r>
+            <a:r>
+              <a:rPr lang="en-US" dirty="0" smtClean="0"/>
+              <a:t> </a:t>
+            </a:r>
+            <a:r>
+              <a:rPr lang="en-US" dirty="0" err="1" smtClean="0"/>
+              <a:t>câu</a:t>
+            </a:r>
+            <a:r>
+              <a:rPr lang="en-US" dirty="0" smtClean="0"/>
+              <a:t> </a:t>
+            </a:r>
+            <a:r>
+              <a:rPr lang="en-US" dirty="0" err="1" smtClean="0"/>
+              <a:t>trong</a:t>
+            </a:r>
+            <a:r>
+              <a:rPr lang="en-US" dirty="0" smtClean="0"/>
+              <a:t> corpus</a:t>
+            </a:r>
+          </a:p>
+          <a:p>
+            <a:r>
+              <a:rPr lang="en-US" dirty="0" err="1" smtClean="0"/>
+              <a:t>Hoặc</a:t>
+            </a:r>
+            <a:r>
+              <a:rPr lang="en-US" dirty="0" smtClean="0"/>
+              <a:t> </a:t>
+            </a:r>
+            <a:r>
+              <a:rPr lang="en-US" dirty="0" err="1" smtClean="0"/>
+              <a:t>đếm</a:t>
+            </a:r>
+            <a:r>
+              <a:rPr lang="en-US" dirty="0" smtClean="0"/>
+              <a:t> </a:t>
+            </a:r>
+            <a:r>
+              <a:rPr lang="en-US" dirty="0" err="1" smtClean="0"/>
+              <a:t>số</a:t>
+            </a:r>
+            <a:r>
+              <a:rPr lang="en-US" dirty="0" smtClean="0"/>
+              <a:t> </a:t>
+            </a:r>
+            <a:r>
+              <a:rPr lang="en-US" dirty="0" err="1" smtClean="0"/>
+              <a:t>từ</a:t>
+            </a:r>
+            <a:r>
+              <a:rPr lang="en-US" dirty="0" smtClean="0"/>
+              <a:t> deep </a:t>
+            </a:r>
+            <a:r>
+              <a:rPr lang="en-US" dirty="0" err="1" smtClean="0"/>
+              <a:t>trong</a:t>
+            </a:r>
+            <a:r>
+              <a:rPr lang="en-US" dirty="0" smtClean="0"/>
+              <a:t> corpus </a:t>
+            </a:r>
+            <a:r>
+              <a:rPr lang="en-US" dirty="0" err="1" smtClean="0"/>
+              <a:t>rồi</a:t>
+            </a:r>
+            <a:r>
+              <a:rPr lang="en-US" dirty="0" smtClean="0"/>
+              <a:t> chia </a:t>
+            </a:r>
+            <a:r>
+              <a:rPr lang="en-US" dirty="0" err="1" smtClean="0"/>
+              <a:t>cho</a:t>
+            </a:r>
+            <a:r>
+              <a:rPr lang="en-US" dirty="0" smtClean="0"/>
+              <a:t> </a:t>
+            </a:r>
+            <a:r>
+              <a:rPr lang="en-US" dirty="0" err="1" smtClean="0"/>
+              <a:t>tổng</a:t>
+            </a:r>
+            <a:r>
+              <a:rPr lang="en-US" dirty="0" smtClean="0"/>
+              <a:t> </a:t>
+            </a:r>
+            <a:r>
+              <a:rPr lang="en-US" dirty="0" err="1" smtClean="0"/>
+              <a:t>số</a:t>
+            </a:r>
+            <a:r>
+              <a:rPr lang="en-US" dirty="0" smtClean="0"/>
+              <a:t> </a:t>
+            </a:r>
+            <a:r>
+              <a:rPr lang="en-US" dirty="0" err="1" smtClean="0"/>
+              <a:t>từ</a:t>
+            </a:r>
+            <a:endParaRPr lang="en-US" dirty="0"/>
+          </a:p>
+        </p:txBody>
+      </p:sp>
+    </p:spTree>
+    <p:extLst>
+      <p:ext uri="{BB962C8B-B14F-4D97-AF65-F5344CB8AC3E}">
+        <p14:creationId xmlns:p14="http://schemas.microsoft.com/office/powerpoint/2010/main" val="1274547101"/>
+      </p:ext>
+    </p:extLst>
+  </p:cSld>
+  <p:clrMapOvr>
+    <a:masterClrMapping/>
+  </p:clrMapOvr>
+</p:sld>
+</file>
+
 <file path=ppt/slides/slide6.xml><?xml version="1.0" encoding="utf-8"?>
 <p:sld xmlns:a="http://schemas.openxmlformats.org/drawingml/2006/main" xmlns:r="http://schemas.openxmlformats.org/officeDocument/2006/relationships" xmlns:p="http://schemas.openxmlformats.org/presentationml/2006/main">
   <p:cSld>
@@ -4193,8 +7790,212 @@
           <a:lstStyle/>
           <a:p>
             <a:r>
-              <a:rPr lang="en-US" dirty="0" smtClean="0"/>
-              <a:t>RNN</a:t>
+              <a:rPr lang="en-US" dirty="0" err="1" smtClean="0"/>
+              <a:t>Mô</a:t>
+            </a:r>
+            <a:r>
+              <a:rPr lang="en-US" dirty="0" smtClean="0"/>
+              <a:t> </a:t>
+            </a:r>
+            <a:r>
+              <a:rPr lang="en-US" dirty="0" err="1" smtClean="0"/>
+              <a:t>hình</a:t>
+            </a:r>
+            <a:r>
+              <a:rPr lang="en-US" dirty="0" smtClean="0"/>
+              <a:t> n-gram</a:t>
+            </a:r>
+            <a:endParaRPr lang="en-US" dirty="0"/>
+          </a:p>
+        </p:txBody>
+      </p:sp>
+      <p:sp>
+        <p:nvSpPr>
+          <p:cNvPr id="3" name="Content Placeholder 2"/>
+          <p:cNvSpPr>
+            <a:spLocks noGrp="1"/>
+          </p:cNvSpPr>
+          <p:nvPr>
+            <p:ph idx="1"/>
+          </p:nvPr>
+        </p:nvSpPr>
+        <p:spPr>
+          <a:xfrm>
+            <a:off x="838200" y="1825625"/>
+            <a:ext cx="7965558" cy="4351338"/>
+          </a:xfrm>
+        </p:spPr>
+        <p:txBody>
+          <a:bodyPr/>
+          <a:lstStyle/>
+          <a:p>
+            <a:r>
+              <a:rPr lang="en-US" dirty="0" err="1" smtClean="0"/>
+              <a:t>Tính</a:t>
+            </a:r>
+            <a:r>
+              <a:rPr lang="en-US" dirty="0" smtClean="0"/>
+              <a:t> </a:t>
+            </a:r>
+            <a:r>
+              <a:rPr lang="en-US" dirty="0" err="1" smtClean="0"/>
+              <a:t>số</a:t>
+            </a:r>
+            <a:r>
+              <a:rPr lang="en-US" dirty="0" smtClean="0"/>
+              <a:t> </a:t>
+            </a:r>
+            <a:r>
+              <a:rPr lang="en-US" dirty="0" err="1" smtClean="0"/>
+              <a:t>lần</a:t>
+            </a:r>
+            <a:r>
+              <a:rPr lang="en-US" dirty="0" smtClean="0"/>
+              <a:t> </a:t>
+            </a:r>
+            <a:r>
+              <a:rPr lang="en-US" dirty="0" err="1" smtClean="0"/>
+              <a:t>một</a:t>
+            </a:r>
+            <a:r>
+              <a:rPr lang="en-US" dirty="0" smtClean="0"/>
+              <a:t> </a:t>
+            </a:r>
+            <a:r>
+              <a:rPr lang="en-US" dirty="0" err="1" smtClean="0"/>
+              <a:t>cụm</a:t>
+            </a:r>
+            <a:r>
+              <a:rPr lang="en-US" dirty="0" smtClean="0"/>
+              <a:t> </a:t>
+            </a:r>
+            <a:r>
+              <a:rPr lang="en-US" dirty="0" err="1" smtClean="0"/>
+              <a:t>các</a:t>
+            </a:r>
+            <a:r>
+              <a:rPr lang="en-US" dirty="0" smtClean="0"/>
+              <a:t> </a:t>
+            </a:r>
+            <a:r>
+              <a:rPr lang="en-US" dirty="0" err="1" smtClean="0"/>
+              <a:t>từ</a:t>
+            </a:r>
+            <a:r>
+              <a:rPr lang="en-US" dirty="0" smtClean="0"/>
+              <a:t> </a:t>
+            </a:r>
+            <a:r>
+              <a:rPr lang="en-US" dirty="0" err="1" smtClean="0"/>
+              <a:t>xuất</a:t>
+            </a:r>
+            <a:r>
+              <a:rPr lang="en-US" dirty="0" smtClean="0"/>
+              <a:t> </a:t>
+            </a:r>
+            <a:r>
+              <a:rPr lang="en-US" dirty="0" err="1" smtClean="0"/>
+              <a:t>hiện</a:t>
+            </a:r>
+            <a:r>
+              <a:rPr lang="en-US" dirty="0" smtClean="0"/>
+              <a:t> </a:t>
+            </a:r>
+            <a:r>
+              <a:rPr lang="en-US" dirty="0" err="1" smtClean="0"/>
+              <a:t>cùng</a:t>
+            </a:r>
+            <a:r>
+              <a:rPr lang="en-US" dirty="0" smtClean="0"/>
+              <a:t> </a:t>
+            </a:r>
+            <a:r>
+              <a:rPr lang="en-US" dirty="0" err="1" smtClean="0"/>
+              <a:t>nhau</a:t>
+            </a:r>
+            <a:r>
+              <a:rPr lang="en-US" dirty="0" smtClean="0"/>
+              <a:t> </a:t>
+            </a:r>
+            <a:r>
+              <a:rPr lang="en-US" dirty="0" err="1" smtClean="0"/>
+              <a:t>trong</a:t>
+            </a:r>
+            <a:r>
+              <a:rPr lang="en-US" dirty="0" smtClean="0"/>
+              <a:t> </a:t>
+            </a:r>
+            <a:r>
+              <a:rPr lang="en-US" dirty="0" err="1" smtClean="0"/>
+              <a:t>một</a:t>
+            </a:r>
+            <a:r>
+              <a:rPr lang="en-US" dirty="0" smtClean="0"/>
+              <a:t> </a:t>
+            </a:r>
+            <a:r>
+              <a:rPr lang="en-US" dirty="0" err="1" smtClean="0"/>
+              <a:t>đoạn</a:t>
+            </a:r>
+            <a:r>
+              <a:rPr lang="en-US" dirty="0" smtClean="0"/>
+              <a:t> (N </a:t>
+            </a:r>
+            <a:r>
+              <a:rPr lang="en-US" dirty="0" err="1" smtClean="0"/>
+              <a:t>từ</a:t>
+            </a:r>
+            <a:r>
+              <a:rPr lang="en-US" dirty="0" smtClean="0"/>
+              <a:t>)</a:t>
+            </a:r>
+          </a:p>
+          <a:p>
+            <a:endParaRPr lang="en-US" dirty="0"/>
+          </a:p>
+          <a:p>
+            <a:endParaRPr lang="en-US" dirty="0" smtClean="0"/>
+          </a:p>
+          <a:p>
+            <a:endParaRPr lang="en-US" dirty="0" smtClean="0"/>
+          </a:p>
+          <a:p>
+            <a:r>
+              <a:rPr lang="en-US" dirty="0" err="1" smtClean="0"/>
+              <a:t>Ví</a:t>
+            </a:r>
+            <a:r>
+              <a:rPr lang="en-US" dirty="0" smtClean="0"/>
+              <a:t> </a:t>
+            </a:r>
+            <a:r>
+              <a:rPr lang="en-US" dirty="0" err="1" smtClean="0"/>
+              <a:t>dụ</a:t>
+            </a:r>
+            <a:r>
+              <a:rPr lang="en-US" dirty="0" smtClean="0"/>
+              <a:t>:</a:t>
+            </a:r>
+          </a:p>
+          <a:p>
+            <a:pPr lvl="1"/>
+            <a:r>
+              <a:rPr lang="en-US" dirty="0" smtClean="0"/>
+              <a:t>N=3 (trigram model)</a:t>
+            </a:r>
+          </a:p>
+          <a:p>
+            <a:pPr lvl="1"/>
+            <a:r>
+              <a:rPr lang="en-US" dirty="0" smtClean="0"/>
+              <a:t>N=2 (bigram model)</a:t>
+            </a:r>
+          </a:p>
+          <a:p>
+            <a:pPr lvl="1"/>
+            <a:r>
+              <a:rPr lang="en-US" dirty="0" smtClean="0"/>
+              <a:t>N=1 (unigram model)</a:t>
             </a:r>
             <a:endParaRPr lang="en-US" dirty="0"/>
           </a:p>
@@ -4202,37 +8003,104 @@
       </p:sp>
       <p:pic>
         <p:nvPicPr>
-          <p:cNvPr id="4" name="Content Placeholder 3"/>
+          <p:cNvPr id="6" name="Picture 5"/>
           <p:cNvPicPr>
-            <a:picLocks noGrp="1" noChangeAspect="1"/>
+            <a:picLocks noChangeAspect="1"/>
           </p:cNvPicPr>
-          <p:nvPr>
-            <p:ph idx="1"/>
-          </p:nvPr>
+          <p:nvPr/>
         </p:nvPicPr>
         <p:blipFill>
-          <a:blip r:embed="rId2">
-            <a:extLst>
-              <a:ext uri="{28A0092B-C50C-407E-A947-70E740481C1C}">
-                <a14:useLocalDpi xmlns:a14="http://schemas.microsoft.com/office/drawing/2010/main" val="0"/>
-              </a:ext>
-            </a:extLst>
-          </a:blip>
+          <a:blip r:embed="rId2"/>
           <a:stretch>
             <a:fillRect/>
           </a:stretch>
         </p:blipFill>
         <p:spPr>
           <a:xfrm>
-            <a:off x="838200" y="2355512"/>
-            <a:ext cx="10515600" cy="3291564"/>
+            <a:off x="4563139" y="4800269"/>
+            <a:ext cx="4131220" cy="1182290"/>
           </a:xfrm>
+          <a:prstGeom prst="rect">
+            <a:avLst/>
+          </a:prstGeom>
+        </p:spPr>
+      </p:pic>
+      <p:pic>
+        <p:nvPicPr>
+          <p:cNvPr id="7" name="Picture 6"/>
+          <p:cNvPicPr>
+            <a:picLocks noChangeAspect="1"/>
+          </p:cNvPicPr>
+          <p:nvPr/>
+        </p:nvPicPr>
+        <p:blipFill>
+          <a:blip r:embed="rId3"/>
+          <a:stretch>
+            <a:fillRect/>
+          </a:stretch>
+        </p:blipFill>
+        <p:spPr>
+          <a:xfrm>
+            <a:off x="1506279" y="2693803"/>
+            <a:ext cx="3314700" cy="704850"/>
+          </a:xfrm>
+          <a:prstGeom prst="rect">
+            <a:avLst/>
+          </a:prstGeom>
+        </p:spPr>
+      </p:pic>
+      <p:pic>
+        <p:nvPicPr>
+          <p:cNvPr id="8" name="Picture 7"/>
+          <p:cNvPicPr>
+            <a:picLocks noChangeAspect="1"/>
+          </p:cNvPicPr>
+          <p:nvPr/>
+        </p:nvPicPr>
+        <p:blipFill>
+          <a:blip r:embed="rId4"/>
+          <a:stretch>
+            <a:fillRect/>
+          </a:stretch>
+        </p:blipFill>
+        <p:spPr>
+          <a:xfrm>
+            <a:off x="1391979" y="3735480"/>
+            <a:ext cx="3429000" cy="457200"/>
+          </a:xfrm>
+          <a:prstGeom prst="rect">
+            <a:avLst/>
+          </a:prstGeom>
+        </p:spPr>
+      </p:pic>
+      <p:pic>
+        <p:nvPicPr>
+          <p:cNvPr id="9" name="Picture 8"/>
+          <p:cNvPicPr>
+            <a:picLocks noChangeAspect="1"/>
+          </p:cNvPicPr>
+          <p:nvPr/>
+        </p:nvPicPr>
+        <p:blipFill>
+          <a:blip r:embed="rId5"/>
+          <a:stretch>
+            <a:fillRect/>
+          </a:stretch>
+        </p:blipFill>
+        <p:spPr>
+          <a:xfrm>
+            <a:off x="6580225" y="2329390"/>
+            <a:ext cx="5219700" cy="2276475"/>
+          </a:xfrm>
+          <a:prstGeom prst="rect">
+            <a:avLst/>
+          </a:prstGeom>
         </p:spPr>
       </p:pic>
     </p:spTree>
     <p:extLst>
       <p:ext uri="{BB962C8B-B14F-4D97-AF65-F5344CB8AC3E}">
-        <p14:creationId xmlns:p14="http://schemas.microsoft.com/office/powerpoint/2010/main" val="2527719406"/>
+        <p14:creationId xmlns:p14="http://schemas.microsoft.com/office/powerpoint/2010/main" val="699379163"/>
       </p:ext>
     </p:extLst>
   </p:cSld>
@@ -4261,7 +8129,7 @@
       </p:grpSpPr>
       <p:sp>
         <p:nvSpPr>
-          <p:cNvPr id="2" name="Title 1"/>
+          <p:cNvPr id="4" name="Title 3"/>
           <p:cNvSpPr>
             <a:spLocks noGrp="1"/>
           </p:cNvSpPr>
@@ -4275,8 +8143,16 @@
           <a:lstStyle/>
           <a:p>
             <a:r>
-              <a:rPr lang="en-US" dirty="0" smtClean="0"/>
-              <a:t>Vanishing gradient</a:t>
+              <a:rPr lang="vi-VN" dirty="0" smtClean="0"/>
+              <a:t>Mô hình </a:t>
+            </a:r>
+            <a:r>
+              <a:rPr lang="en-US" dirty="0" err="1" smtClean="0"/>
+              <a:t>chuỗi</a:t>
+            </a:r>
+            <a:r>
+              <a:rPr lang="en-US" dirty="0" smtClean="0"/>
+              <a:t> (RNN)</a:t>
             </a:r>
             <a:endParaRPr lang="en-US" dirty="0"/>
           </a:p>
@@ -4284,12 +8160,12 @@
       </p:sp>
       <p:sp>
         <p:nvSpPr>
-          <p:cNvPr id="3" name="Content Placeholder 2"/>
-          <p:cNvSpPr>
-            <a:spLocks noGrp="1"/>
-          </p:cNvSpPr>
-          <p:nvPr>
-            <p:ph idx="1"/>
+          <p:cNvPr id="5" name="Text Placeholder 4"/>
+          <p:cNvSpPr>
+            <a:spLocks noGrp="1"/>
+          </p:cNvSpPr>
+          <p:nvPr>
+            <p:ph type="body" idx="1"/>
           </p:nvPr>
         </p:nvSpPr>
         <p:spPr/>
@@ -4304,7 +8180,7 @@
     </p:spTree>
     <p:extLst>
       <p:ext uri="{BB962C8B-B14F-4D97-AF65-F5344CB8AC3E}">
-        <p14:creationId xmlns:p14="http://schemas.microsoft.com/office/powerpoint/2010/main" val="1453796085"/>
+        <p14:creationId xmlns:p14="http://schemas.microsoft.com/office/powerpoint/2010/main" val="4291078040"/>
       </p:ext>
     </p:extLst>
   </p:cSld>
@@ -4333,7 +8209,7 @@
       </p:grpSpPr>
       <p:sp>
         <p:nvSpPr>
-          <p:cNvPr id="4" name="Title 3"/>
+          <p:cNvPr id="2" name="Title 1"/>
           <p:cNvSpPr>
             <a:spLocks noGrp="1"/>
           </p:cNvSpPr>
@@ -4347,8 +8223,16 @@
           <a:lstStyle/>
           <a:p>
             <a:r>
-              <a:rPr lang="en-US" dirty="0" smtClean="0"/>
-              <a:t>Language model</a:t>
+              <a:rPr lang="vi-VN" dirty="0" smtClean="0"/>
+              <a:t>Ứng dụng của mô hình chuỗi (</a:t>
+            </a:r>
+            <a:r>
+              <a:rPr lang="en-US" dirty="0" smtClean="0"/>
+              <a:t>sequence models</a:t>
+            </a:r>
+            <a:r>
+              <a:rPr lang="vi-VN" dirty="0" smtClean="0"/>
+              <a:t>)</a:t>
             </a:r>
             <a:endParaRPr lang="en-US" dirty="0"/>
           </a:p>
@@ -4356,7 +8240,7 @@
       </p:sp>
       <p:sp>
         <p:nvSpPr>
-          <p:cNvPr id="6" name="Content Placeholder 5"/>
+          <p:cNvPr id="3" name="Content Placeholder 2"/>
           <p:cNvSpPr>
             <a:spLocks noGrp="1"/>
           </p:cNvSpPr>
@@ -4370,77 +8254,108 @@
           <a:lstStyle/>
           <a:p>
             <a:r>
-              <a:rPr lang="en-US" dirty="0"/>
-              <a:t>Imagine that we have, for example, a model of a physical world. What do you expect it to be able to do? </a:t>
-            </a:r>
-            <a:r>
-              <a:rPr lang="en-US" dirty="0" smtClean="0"/>
-              <a:t>It </a:t>
-            </a:r>
-            <a:r>
-              <a:rPr lang="en-US" dirty="0"/>
-              <a:t>probably can predict what happens next given some description of "context</a:t>
-            </a:r>
-            <a:r>
-              <a:rPr lang="en-US" dirty="0" smtClean="0"/>
-              <a:t>"</a:t>
-            </a:r>
+              <a:rPr lang="vi-VN" dirty="0" smtClean="0"/>
+              <a:t>Nhận diện lời thoại (s</a:t>
+            </a:r>
+            <a:r>
+              <a:rPr lang="en-US" dirty="0" err="1" smtClean="0"/>
+              <a:t>peech</a:t>
+            </a:r>
+            <a:r>
+              <a:rPr lang="en-US" dirty="0" smtClean="0"/>
+              <a:t> recognition</a:t>
+            </a:r>
+            <a:r>
+              <a:rPr lang="vi-VN" dirty="0"/>
+              <a:t>)</a:t>
+            </a:r>
+            <a:endParaRPr lang="en-US" dirty="0" smtClean="0"/>
+          </a:p>
+          <a:p>
+            <a:r>
+              <a:rPr lang="vi-VN" dirty="0" smtClean="0"/>
+              <a:t>Sáng tác nhạc (m</a:t>
+            </a:r>
+            <a:r>
+              <a:rPr lang="en-US" dirty="0" err="1" smtClean="0"/>
+              <a:t>usic</a:t>
+            </a:r>
+            <a:r>
+              <a:rPr lang="en-US" dirty="0" smtClean="0"/>
+              <a:t> generation</a:t>
+            </a:r>
+            <a:r>
+              <a:rPr lang="vi-VN" dirty="0" smtClean="0"/>
+              <a:t>)</a:t>
+            </a:r>
+            <a:endParaRPr lang="en-US" dirty="0" smtClean="0"/>
+          </a:p>
+          <a:p>
+            <a:r>
+              <a:rPr lang="vi-VN" dirty="0" smtClean="0"/>
+              <a:t>Phân loại cảm xúc dựa trên văn bản (s</a:t>
+            </a:r>
+            <a:r>
+              <a:rPr lang="en-US" dirty="0" err="1" smtClean="0"/>
+              <a:t>entiment</a:t>
+            </a:r>
+            <a:r>
+              <a:rPr lang="en-US" dirty="0" smtClean="0"/>
+              <a:t> classification</a:t>
+            </a:r>
+            <a:r>
+              <a:rPr lang="vi-VN" dirty="0" smtClean="0"/>
+              <a:t>)</a:t>
+            </a:r>
+            <a:endParaRPr lang="en-US" dirty="0" smtClean="0"/>
+          </a:p>
+          <a:p>
+            <a:r>
+              <a:rPr lang="vi-VN" dirty="0" smtClean="0"/>
+              <a:t>Dịch ngôn ngữ (m</a:t>
+            </a:r>
+            <a:r>
+              <a:rPr lang="en-US" dirty="0" err="1" smtClean="0"/>
+              <a:t>achine</a:t>
+            </a:r>
+            <a:r>
+              <a:rPr lang="en-US" dirty="0" smtClean="0"/>
+              <a:t> translation</a:t>
+            </a:r>
+            <a:r>
+              <a:rPr lang="vi-VN" dirty="0" smtClean="0"/>
+              <a:t>)</a:t>
+            </a:r>
+            <a:endParaRPr lang="en-US" dirty="0" smtClean="0"/>
+          </a:p>
+          <a:p>
+            <a:r>
+              <a:rPr lang="vi-VN" dirty="0" smtClean="0"/>
+              <a:t>Nhận diện hành động trong video (v</a:t>
+            </a:r>
+            <a:r>
+              <a:rPr lang="en-US" dirty="0" err="1" smtClean="0"/>
+              <a:t>ideo</a:t>
+            </a:r>
+            <a:r>
+              <a:rPr lang="en-US" dirty="0" smtClean="0"/>
+              <a:t> activity recognition</a:t>
+            </a:r>
+            <a:r>
+              <a:rPr lang="vi-VN" dirty="0" smtClean="0"/>
+              <a:t>)</a:t>
+            </a:r>
+            <a:endParaRPr lang="en-US" dirty="0" smtClean="0"/>
+          </a:p>
+          <a:p>
             <a:endParaRPr lang="en-US" dirty="0"/>
           </a:p>
         </p:txBody>
       </p:sp>
-      <p:pic>
-        <p:nvPicPr>
-          <p:cNvPr id="7" name="Picture 6"/>
-          <p:cNvPicPr>
-            <a:picLocks noChangeAspect="1"/>
-          </p:cNvPicPr>
-          <p:nvPr/>
-        </p:nvPicPr>
-        <p:blipFill>
-          <a:blip r:embed="rId3"/>
-          <a:stretch>
-            <a:fillRect/>
-          </a:stretch>
-        </p:blipFill>
-        <p:spPr>
-          <a:xfrm>
-            <a:off x="999392" y="3096419"/>
-            <a:ext cx="7467600" cy="1809750"/>
-          </a:xfrm>
-          <a:prstGeom prst="rect">
-            <a:avLst/>
-          </a:prstGeom>
-        </p:spPr>
-      </p:pic>
-      <p:pic>
-        <p:nvPicPr>
-          <p:cNvPr id="8" name="Picture 7"/>
-          <p:cNvPicPr>
-            <a:picLocks noChangeAspect="1"/>
-          </p:cNvPicPr>
-          <p:nvPr/>
-        </p:nvPicPr>
-        <p:blipFill>
-          <a:blip r:embed="rId4"/>
-          <a:stretch>
-            <a:fillRect/>
-          </a:stretch>
-        </p:blipFill>
-        <p:spPr>
-          <a:xfrm>
-            <a:off x="2928204" y="5041106"/>
-            <a:ext cx="3609975" cy="904875"/>
-          </a:xfrm>
-          <a:prstGeom prst="rect">
-            <a:avLst/>
-          </a:prstGeom>
-        </p:spPr>
-      </p:pic>
     </p:spTree>
     <p:extLst>
       <p:ext uri="{BB962C8B-B14F-4D97-AF65-F5344CB8AC3E}">
-        <p14:creationId xmlns:p14="http://schemas.microsoft.com/office/powerpoint/2010/main" val="603711189"/>
+        <p14:creationId xmlns:p14="http://schemas.microsoft.com/office/powerpoint/2010/main" val="2590113063"/>
       </p:ext>
     </p:extLst>
   </p:cSld>
@@ -4483,60 +8398,728 @@
           <a:lstStyle/>
           <a:p>
             <a:r>
-              <a:rPr lang="en-US" dirty="0" smtClean="0"/>
-              <a:t>Language model n-gram</a:t>
+              <a:rPr lang="en-US" dirty="0" err="1" smtClean="0"/>
+              <a:t>Lợi</a:t>
+            </a:r>
+            <a:r>
+              <a:rPr lang="en-US" dirty="0" smtClean="0"/>
+              <a:t> </a:t>
+            </a:r>
+            <a:r>
+              <a:rPr lang="en-US" dirty="0" err="1" smtClean="0"/>
+              <a:t>ích</a:t>
+            </a:r>
+            <a:r>
+              <a:rPr lang="en-US" dirty="0" smtClean="0"/>
+              <a:t> </a:t>
+            </a:r>
+            <a:r>
+              <a:rPr lang="en-US" dirty="0" err="1" smtClean="0"/>
+              <a:t>và</a:t>
+            </a:r>
+            <a:r>
+              <a:rPr lang="en-US" dirty="0" smtClean="0"/>
+              <a:t> </a:t>
+            </a:r>
+            <a:r>
+              <a:rPr lang="en-US" dirty="0" err="1" smtClean="0"/>
+              <a:t>bất</a:t>
+            </a:r>
+            <a:r>
+              <a:rPr lang="en-US" dirty="0" smtClean="0"/>
+              <a:t> </a:t>
+            </a:r>
+            <a:r>
+              <a:rPr lang="en-US" dirty="0" err="1" smtClean="0"/>
+              <a:t>lợi</a:t>
+            </a:r>
+            <a:r>
+              <a:rPr lang="en-US" dirty="0" smtClean="0"/>
+              <a:t> </a:t>
+            </a:r>
+            <a:r>
+              <a:rPr lang="en-US" dirty="0" err="1" smtClean="0"/>
+              <a:t>của</a:t>
+            </a:r>
+            <a:r>
+              <a:rPr lang="en-US" dirty="0" smtClean="0"/>
+              <a:t> RNN</a:t>
             </a:r>
             <a:endParaRPr lang="en-US" dirty="0"/>
           </a:p>
         </p:txBody>
       </p:sp>
-      <p:sp>
-        <p:nvSpPr>
-          <p:cNvPr id="3" name="Content Placeholder 2"/>
-          <p:cNvSpPr>
-            <a:spLocks noGrp="1"/>
-          </p:cNvSpPr>
-          <p:nvPr>
-            <p:ph idx="1"/>
-          </p:nvPr>
-        </p:nvSpPr>
-        <p:spPr/>
-        <p:txBody>
-          <a:bodyPr/>
-          <a:lstStyle/>
-          <a:p>
-            <a:endParaRPr lang="en-US"/>
-          </a:p>
-        </p:txBody>
-      </p:sp>
-      <p:pic>
-        <p:nvPicPr>
-          <p:cNvPr id="4" name="Picture 3"/>
-          <p:cNvPicPr>
-            <a:picLocks noChangeAspect="1"/>
-          </p:cNvPicPr>
-          <p:nvPr/>
-        </p:nvPicPr>
-        <p:blipFill>
-          <a:blip r:embed="rId2"/>
-          <a:stretch>
-            <a:fillRect/>
-          </a:stretch>
-        </p:blipFill>
-        <p:spPr>
-          <a:xfrm>
-            <a:off x="2299189" y="2582069"/>
-            <a:ext cx="7277100" cy="1419225"/>
-          </a:xfrm>
-          <a:prstGeom prst="rect">
-            <a:avLst/>
-          </a:prstGeom>
-        </p:spPr>
-      </p:pic>
+      <p:graphicFrame>
+        <p:nvGraphicFramePr>
+          <p:cNvPr id="5" name="Table 4"/>
+          <p:cNvGraphicFramePr>
+            <a:graphicFrameLocks noGrp="1"/>
+          </p:cNvGraphicFramePr>
+          <p:nvPr>
+            <p:extLst>
+              <p:ext uri="{D42A27DB-BD31-4B8C-83A1-F6EECF244321}">
+                <p14:modId xmlns:p14="http://schemas.microsoft.com/office/powerpoint/2010/main" val="2191706239"/>
+              </p:ext>
+            </p:extLst>
+          </p:nvPr>
+        </p:nvGraphicFramePr>
+        <p:xfrm>
+          <a:off x="2244651" y="2378345"/>
+          <a:ext cx="8128000" cy="2661920"/>
+        </p:xfrm>
+        <a:graphic>
+          <a:graphicData uri="http://schemas.openxmlformats.org/drawingml/2006/table">
+            <a:tbl>
+              <a:tblPr firstRow="1" bandRow="1">
+                <a:tableStyleId>{5C22544A-7EE6-4342-B048-85BDC9FD1C3A}</a:tableStyleId>
+              </a:tblPr>
+              <a:tblGrid>
+                <a:gridCol w="4064000">
+                  <a:extLst>
+                    <a:ext uri="{9D8B030D-6E8A-4147-A177-3AD203B41FA5}">
+                      <a16:colId xmlns:a16="http://schemas.microsoft.com/office/drawing/2014/main" val="3871361569"/>
+                    </a:ext>
+                  </a:extLst>
+                </a:gridCol>
+                <a:gridCol w="4064000">
+                  <a:extLst>
+                    <a:ext uri="{9D8B030D-6E8A-4147-A177-3AD203B41FA5}">
+                      <a16:colId xmlns:a16="http://schemas.microsoft.com/office/drawing/2014/main" val="2991791209"/>
+                    </a:ext>
+                  </a:extLst>
+                </a:gridCol>
+              </a:tblGrid>
+              <a:tr h="370840">
+                <a:tc>
+                  <a:txBody>
+                    <a:bodyPr/>
+                    <a:lstStyle/>
+                    <a:p>
+                      <a:r>
+                        <a:rPr lang="en-US" dirty="0" err="1" smtClean="0"/>
+                        <a:t>Điểm</a:t>
+                      </a:r>
+                      <a:r>
+                        <a:rPr lang="en-US" dirty="0" smtClean="0"/>
+                        <a:t> </a:t>
+                      </a:r>
+                      <a:r>
+                        <a:rPr lang="en-US" dirty="0" err="1" smtClean="0"/>
+                        <a:t>mạnh</a:t>
+                      </a:r>
+                      <a:endParaRPr lang="en-US" dirty="0"/>
+                    </a:p>
+                  </a:txBody>
+                  <a:tcPr/>
+                </a:tc>
+                <a:tc>
+                  <a:txBody>
+                    <a:bodyPr/>
+                    <a:lstStyle/>
+                    <a:p>
+                      <a:r>
+                        <a:rPr lang="en-US" dirty="0" err="1" smtClean="0"/>
+                        <a:t>Điểm</a:t>
+                      </a:r>
+                      <a:r>
+                        <a:rPr lang="en-US" dirty="0" smtClean="0"/>
+                        <a:t> </a:t>
+                      </a:r>
+                      <a:r>
+                        <a:rPr lang="en-US" dirty="0" err="1" smtClean="0"/>
+                        <a:t>yếu</a:t>
+                      </a:r>
+                      <a:endParaRPr lang="en-US" dirty="0"/>
+                    </a:p>
+                  </a:txBody>
+                  <a:tcPr/>
+                </a:tc>
+                <a:extLst>
+                  <a:ext uri="{0D108BD9-81ED-4DB2-BD59-A6C34878D82A}">
+                    <a16:rowId xmlns:a16="http://schemas.microsoft.com/office/drawing/2014/main" val="3412074669"/>
+                  </a:ext>
+                </a:extLst>
+              </a:tr>
+              <a:tr h="370840">
+                <a:tc>
+                  <a:txBody>
+                    <a:bodyPr/>
+                    <a:lstStyle/>
+                    <a:p>
+                      <a:r>
+                        <a:rPr lang="en-US" dirty="0" err="1" smtClean="0"/>
+                        <a:t>Xử</a:t>
+                      </a:r>
+                      <a:r>
+                        <a:rPr lang="en-US" dirty="0" smtClean="0"/>
+                        <a:t> </a:t>
+                      </a:r>
+                      <a:r>
+                        <a:rPr lang="en-US" dirty="0" err="1" smtClean="0"/>
+                        <a:t>lý</a:t>
+                      </a:r>
+                      <a:r>
+                        <a:rPr lang="en-US" baseline="0" dirty="0" smtClean="0"/>
+                        <a:t> </a:t>
+                      </a:r>
+                      <a:r>
+                        <a:rPr lang="en-US" baseline="0" dirty="0" err="1" smtClean="0"/>
+                        <a:t>được</a:t>
+                      </a:r>
+                      <a:r>
+                        <a:rPr lang="en-US" baseline="0" dirty="0" smtClean="0"/>
+                        <a:t> input </a:t>
+                      </a:r>
+                      <a:r>
+                        <a:rPr lang="en-US" baseline="0" dirty="0" err="1" smtClean="0"/>
+                        <a:t>có</a:t>
+                      </a:r>
+                      <a:r>
+                        <a:rPr lang="en-US" baseline="0" dirty="0" smtClean="0"/>
+                        <a:t> </a:t>
+                      </a:r>
+                      <a:r>
+                        <a:rPr lang="en-US" baseline="0" dirty="0" err="1" smtClean="0"/>
+                        <a:t>chiều</a:t>
+                      </a:r>
+                      <a:r>
+                        <a:rPr lang="en-US" baseline="0" dirty="0" smtClean="0"/>
+                        <a:t> </a:t>
+                      </a:r>
+                      <a:r>
+                        <a:rPr lang="en-US" baseline="0" dirty="0" err="1" smtClean="0"/>
+                        <a:t>dài</a:t>
+                      </a:r>
+                      <a:r>
+                        <a:rPr lang="en-US" baseline="0" dirty="0" smtClean="0"/>
+                        <a:t> </a:t>
+                      </a:r>
+                      <a:r>
+                        <a:rPr lang="en-US" baseline="0" dirty="0" err="1" smtClean="0"/>
+                        <a:t>thay</a:t>
+                      </a:r>
+                      <a:r>
+                        <a:rPr lang="en-US" baseline="0" dirty="0" smtClean="0"/>
+                        <a:t> </a:t>
+                      </a:r>
+                      <a:r>
+                        <a:rPr lang="en-US" baseline="0" dirty="0" err="1" smtClean="0"/>
+                        <a:t>đổi</a:t>
+                      </a:r>
+                      <a:endParaRPr lang="en-US" dirty="0"/>
+                    </a:p>
+                  </a:txBody>
+                  <a:tcPr/>
+                </a:tc>
+                <a:tc>
+                  <a:txBody>
+                    <a:bodyPr/>
+                    <a:lstStyle/>
+                    <a:p>
+                      <a:r>
+                        <a:rPr lang="en-US" dirty="0" err="1" smtClean="0"/>
+                        <a:t>Tính</a:t>
+                      </a:r>
+                      <a:r>
+                        <a:rPr lang="en-US" baseline="0" dirty="0" smtClean="0"/>
+                        <a:t> </a:t>
+                      </a:r>
+                      <a:r>
+                        <a:rPr lang="en-US" baseline="0" dirty="0" err="1" smtClean="0"/>
+                        <a:t>toán</a:t>
+                      </a:r>
+                      <a:r>
+                        <a:rPr lang="en-US" baseline="0" dirty="0" smtClean="0"/>
+                        <a:t> </a:t>
+                      </a:r>
+                      <a:r>
+                        <a:rPr lang="en-US" baseline="0" dirty="0" err="1" smtClean="0"/>
+                        <a:t>lâu</a:t>
+                      </a:r>
+                      <a:r>
+                        <a:rPr lang="en-US" baseline="0" dirty="0" smtClean="0"/>
+                        <a:t> </a:t>
+                      </a:r>
+                      <a:endParaRPr lang="en-US" dirty="0"/>
+                    </a:p>
+                  </a:txBody>
+                  <a:tcPr/>
+                </a:tc>
+                <a:extLst>
+                  <a:ext uri="{0D108BD9-81ED-4DB2-BD59-A6C34878D82A}">
+                    <a16:rowId xmlns:a16="http://schemas.microsoft.com/office/drawing/2014/main" val="3230516156"/>
+                  </a:ext>
+                </a:extLst>
+              </a:tr>
+              <a:tr h="370840">
+                <a:tc>
+                  <a:txBody>
+                    <a:bodyPr/>
+                    <a:lstStyle/>
+                    <a:p>
+                      <a:r>
+                        <a:rPr lang="en-US" dirty="0" err="1" smtClean="0"/>
+                        <a:t>Kích</a:t>
+                      </a:r>
+                      <a:r>
+                        <a:rPr lang="en-US" baseline="0" dirty="0" smtClean="0"/>
+                        <a:t> </a:t>
+                      </a:r>
+                      <a:r>
+                        <a:rPr lang="en-US" baseline="0" dirty="0" err="1" smtClean="0"/>
+                        <a:t>thước</a:t>
+                      </a:r>
+                      <a:r>
+                        <a:rPr lang="en-US" baseline="0" dirty="0" smtClean="0"/>
+                        <a:t> </a:t>
+                      </a:r>
+                      <a:r>
+                        <a:rPr lang="en-US" baseline="0" dirty="0" err="1" smtClean="0"/>
+                        <a:t>mô</a:t>
+                      </a:r>
+                      <a:r>
+                        <a:rPr lang="en-US" baseline="0" dirty="0" smtClean="0"/>
+                        <a:t> </a:t>
+                      </a:r>
+                      <a:r>
+                        <a:rPr lang="en-US" baseline="0" dirty="0" err="1" smtClean="0"/>
+                        <a:t>hình</a:t>
+                      </a:r>
+                      <a:r>
+                        <a:rPr lang="en-US" baseline="0" dirty="0" smtClean="0"/>
+                        <a:t> </a:t>
+                      </a:r>
+                      <a:r>
+                        <a:rPr lang="en-US" baseline="0" dirty="0" err="1" smtClean="0"/>
+                        <a:t>không</a:t>
+                      </a:r>
+                      <a:r>
+                        <a:rPr lang="en-US" baseline="0" dirty="0" smtClean="0"/>
+                        <a:t> </a:t>
+                      </a:r>
+                      <a:r>
+                        <a:rPr lang="en-US" baseline="0" dirty="0" err="1" smtClean="0"/>
+                        <a:t>thay</a:t>
+                      </a:r>
+                      <a:r>
+                        <a:rPr lang="en-US" baseline="0" dirty="0" smtClean="0"/>
+                        <a:t> </a:t>
+                      </a:r>
+                      <a:r>
+                        <a:rPr lang="en-US" baseline="0" dirty="0" err="1" smtClean="0"/>
+                        <a:t>đổi</a:t>
+                      </a:r>
+                      <a:r>
+                        <a:rPr lang="en-US" baseline="0" dirty="0" smtClean="0"/>
+                        <a:t> </a:t>
+                      </a:r>
+                      <a:r>
+                        <a:rPr lang="en-US" baseline="0" dirty="0" err="1" smtClean="0"/>
+                        <a:t>theo</a:t>
+                      </a:r>
+                      <a:r>
+                        <a:rPr lang="en-US" baseline="0" dirty="0" smtClean="0"/>
+                        <a:t> </a:t>
+                      </a:r>
+                      <a:r>
+                        <a:rPr lang="en-US" baseline="0" dirty="0" err="1" smtClean="0"/>
+                        <a:t>kích</a:t>
+                      </a:r>
+                      <a:r>
+                        <a:rPr lang="en-US" baseline="0" dirty="0" smtClean="0"/>
+                        <a:t> </a:t>
+                      </a:r>
+                      <a:r>
+                        <a:rPr lang="en-US" baseline="0" dirty="0" err="1" smtClean="0"/>
+                        <a:t>thước</a:t>
+                      </a:r>
+                      <a:r>
+                        <a:rPr lang="en-US" baseline="0" dirty="0" smtClean="0"/>
+                        <a:t> input</a:t>
+                      </a:r>
+                      <a:endParaRPr lang="en-US" dirty="0"/>
+                    </a:p>
+                  </a:txBody>
+                  <a:tcPr/>
+                </a:tc>
+                <a:tc>
+                  <a:txBody>
+                    <a:bodyPr/>
+                    <a:lstStyle/>
+                    <a:p>
+                      <a:r>
+                        <a:rPr lang="en-US" dirty="0" err="1" smtClean="0"/>
+                        <a:t>Thông</a:t>
+                      </a:r>
+                      <a:r>
+                        <a:rPr lang="en-US" baseline="0" dirty="0" smtClean="0"/>
+                        <a:t> tin ở </a:t>
+                      </a:r>
+                      <a:r>
+                        <a:rPr lang="en-US" baseline="0" dirty="0" err="1" smtClean="0"/>
+                        <a:t>phần</a:t>
+                      </a:r>
+                      <a:r>
+                        <a:rPr lang="en-US" baseline="0" dirty="0" smtClean="0"/>
+                        <a:t> </a:t>
+                      </a:r>
+                      <a:r>
+                        <a:rPr lang="en-US" baseline="0" dirty="0" err="1" smtClean="0"/>
+                        <a:t>đầu</a:t>
+                      </a:r>
+                      <a:r>
+                        <a:rPr lang="en-US" baseline="0" dirty="0" smtClean="0"/>
+                        <a:t> input </a:t>
+                      </a:r>
+                      <a:r>
+                        <a:rPr lang="en-US" baseline="0" dirty="0" err="1" smtClean="0"/>
+                        <a:t>có</a:t>
+                      </a:r>
+                      <a:r>
+                        <a:rPr lang="en-US" baseline="0" dirty="0" smtClean="0"/>
+                        <a:t> </a:t>
+                      </a:r>
+                      <a:r>
+                        <a:rPr lang="en-US" baseline="0" dirty="0" err="1" smtClean="0"/>
+                        <a:t>tác</a:t>
+                      </a:r>
+                      <a:r>
+                        <a:rPr lang="en-US" baseline="0" dirty="0" smtClean="0"/>
+                        <a:t> </a:t>
+                      </a:r>
+                      <a:r>
+                        <a:rPr lang="en-US" baseline="0" dirty="0" err="1" smtClean="0"/>
+                        <a:t>động</a:t>
+                      </a:r>
+                      <a:r>
+                        <a:rPr lang="en-US" baseline="0" dirty="0" smtClean="0"/>
+                        <a:t> </a:t>
+                      </a:r>
+                      <a:r>
+                        <a:rPr lang="en-US" baseline="0" dirty="0" err="1" smtClean="0"/>
+                        <a:t>yếu</a:t>
+                      </a:r>
+                      <a:endParaRPr lang="en-US" dirty="0"/>
+                    </a:p>
+                  </a:txBody>
+                  <a:tcPr/>
+                </a:tc>
+                <a:extLst>
+                  <a:ext uri="{0D108BD9-81ED-4DB2-BD59-A6C34878D82A}">
+                    <a16:rowId xmlns:a16="http://schemas.microsoft.com/office/drawing/2014/main" val="431118730"/>
+                  </a:ext>
+                </a:extLst>
+              </a:tr>
+              <a:tr h="370840">
+                <a:tc>
+                  <a:txBody>
+                    <a:bodyPr/>
+                    <a:lstStyle/>
+                    <a:p>
+                      <a:r>
+                        <a:rPr lang="en-US" dirty="0" err="1" smtClean="0"/>
+                        <a:t>Những</a:t>
+                      </a:r>
+                      <a:r>
+                        <a:rPr lang="en-US" dirty="0" smtClean="0"/>
+                        <a:t> </a:t>
+                      </a:r>
+                      <a:r>
+                        <a:rPr lang="en-US" dirty="0" err="1" smtClean="0"/>
+                        <a:t>thông</a:t>
+                      </a:r>
+                      <a:r>
+                        <a:rPr lang="en-US" baseline="0" dirty="0" smtClean="0"/>
+                        <a:t> tin </a:t>
+                      </a:r>
+                      <a:r>
+                        <a:rPr lang="en-US" baseline="0" dirty="0" err="1" smtClean="0"/>
+                        <a:t>trong</a:t>
+                      </a:r>
+                      <a:r>
+                        <a:rPr lang="en-US" baseline="0" dirty="0" smtClean="0"/>
+                        <a:t> </a:t>
+                      </a:r>
+                      <a:r>
+                        <a:rPr lang="en-US" baseline="0" dirty="0" err="1" smtClean="0"/>
+                        <a:t>quá</a:t>
+                      </a:r>
+                      <a:r>
+                        <a:rPr lang="en-US" baseline="0" dirty="0" smtClean="0"/>
+                        <a:t> </a:t>
+                      </a:r>
+                      <a:r>
+                        <a:rPr lang="en-US" baseline="0" dirty="0" err="1" smtClean="0"/>
+                        <a:t>khứ</a:t>
+                      </a:r>
+                      <a:r>
+                        <a:rPr lang="en-US" baseline="0" dirty="0" smtClean="0"/>
+                        <a:t> </a:t>
+                      </a:r>
+                      <a:r>
+                        <a:rPr lang="en-US" baseline="0" dirty="0" err="1" smtClean="0"/>
+                        <a:t>sẽ</a:t>
+                      </a:r>
+                      <a:r>
+                        <a:rPr lang="en-US" baseline="0" dirty="0" smtClean="0"/>
+                        <a:t> </a:t>
+                      </a:r>
+                      <a:r>
+                        <a:rPr lang="en-US" baseline="0" dirty="0" err="1" smtClean="0"/>
+                        <a:t>được</a:t>
+                      </a:r>
+                      <a:r>
+                        <a:rPr lang="en-US" baseline="0" dirty="0" smtClean="0"/>
+                        <a:t> </a:t>
+                      </a:r>
+                      <a:r>
+                        <a:rPr lang="en-US" baseline="0" dirty="0" err="1" smtClean="0"/>
+                        <a:t>xem</a:t>
+                      </a:r>
+                      <a:r>
+                        <a:rPr lang="en-US" baseline="0" dirty="0" smtClean="0"/>
+                        <a:t> </a:t>
+                      </a:r>
+                      <a:r>
+                        <a:rPr lang="en-US" baseline="0" dirty="0" err="1" smtClean="0"/>
+                        <a:t>xét</a:t>
+                      </a:r>
+                      <a:r>
+                        <a:rPr lang="en-US" baseline="0" dirty="0" smtClean="0"/>
+                        <a:t> </a:t>
+                      </a:r>
+                      <a:r>
+                        <a:rPr lang="en-US" baseline="0" dirty="0" err="1" smtClean="0"/>
+                        <a:t>trong</a:t>
+                      </a:r>
+                      <a:r>
+                        <a:rPr lang="en-US" baseline="0" dirty="0" smtClean="0"/>
+                        <a:t> </a:t>
+                      </a:r>
+                      <a:r>
+                        <a:rPr lang="en-US" baseline="0" dirty="0" err="1" smtClean="0"/>
+                        <a:t>quá</a:t>
+                      </a:r>
+                      <a:r>
+                        <a:rPr lang="en-US" baseline="0" dirty="0" smtClean="0"/>
+                        <a:t> </a:t>
+                      </a:r>
+                      <a:r>
+                        <a:rPr lang="en-US" baseline="0" dirty="0" err="1" smtClean="0"/>
+                        <a:t>trình</a:t>
+                      </a:r>
+                      <a:r>
+                        <a:rPr lang="en-US" baseline="0" dirty="0" smtClean="0"/>
+                        <a:t> </a:t>
+                      </a:r>
+                      <a:r>
+                        <a:rPr lang="en-US" baseline="0" dirty="0" err="1" smtClean="0"/>
+                        <a:t>tính</a:t>
+                      </a:r>
+                      <a:r>
+                        <a:rPr lang="en-US" baseline="0" dirty="0" smtClean="0"/>
+                        <a:t> </a:t>
+                      </a:r>
+                      <a:r>
+                        <a:rPr lang="en-US" baseline="0" dirty="0" err="1" smtClean="0"/>
+                        <a:t>toán</a:t>
+                      </a:r>
+                      <a:endParaRPr lang="en-US" dirty="0"/>
+                    </a:p>
+                  </a:txBody>
+                  <a:tcPr/>
+                </a:tc>
+                <a:tc>
+                  <a:txBody>
+                    <a:bodyPr/>
+                    <a:lstStyle/>
+                    <a:p>
+                      <a:r>
+                        <a:rPr lang="en-US" dirty="0" err="1" smtClean="0"/>
+                        <a:t>Không</a:t>
+                      </a:r>
+                      <a:r>
+                        <a:rPr lang="en-US" baseline="0" dirty="0" smtClean="0"/>
+                        <a:t> </a:t>
+                      </a:r>
+                      <a:r>
+                        <a:rPr lang="en-US" baseline="0" dirty="0" err="1" smtClean="0"/>
+                        <a:t>thể</a:t>
+                      </a:r>
+                      <a:r>
+                        <a:rPr lang="en-US" baseline="0" dirty="0" smtClean="0"/>
+                        <a:t> </a:t>
+                      </a:r>
+                      <a:r>
+                        <a:rPr lang="en-US" baseline="0" dirty="0" err="1" smtClean="0"/>
+                        <a:t>xem</a:t>
+                      </a:r>
+                      <a:r>
+                        <a:rPr lang="en-US" baseline="0" dirty="0" smtClean="0"/>
+                        <a:t> </a:t>
+                      </a:r>
+                      <a:r>
+                        <a:rPr lang="en-US" baseline="0" dirty="0" err="1" smtClean="0"/>
+                        <a:t>trước</a:t>
+                      </a:r>
+                      <a:r>
+                        <a:rPr lang="en-US" baseline="0" dirty="0" smtClean="0"/>
+                        <a:t> </a:t>
+                      </a:r>
+                      <a:r>
+                        <a:rPr lang="en-US" baseline="0" dirty="0" err="1" smtClean="0"/>
+                        <a:t>phần</a:t>
+                      </a:r>
+                      <a:r>
+                        <a:rPr lang="en-US" baseline="0" dirty="0" smtClean="0"/>
+                        <a:t> </a:t>
+                      </a:r>
+                      <a:r>
+                        <a:rPr lang="en-US" baseline="0" dirty="0" err="1" smtClean="0"/>
+                        <a:t>tương</a:t>
+                      </a:r>
+                      <a:r>
+                        <a:rPr lang="en-US" baseline="0" dirty="0" smtClean="0"/>
+                        <a:t> </a:t>
+                      </a:r>
+                      <a:r>
+                        <a:rPr lang="en-US" baseline="0" dirty="0" err="1" smtClean="0"/>
+                        <a:t>lai</a:t>
+                      </a:r>
+                      <a:r>
+                        <a:rPr lang="en-US" baseline="0" dirty="0" smtClean="0"/>
+                        <a:t> </a:t>
+                      </a:r>
+                      <a:r>
+                        <a:rPr lang="en-US" baseline="0" dirty="0" err="1" smtClean="0"/>
+                        <a:t>của</a:t>
+                      </a:r>
+                      <a:r>
+                        <a:rPr lang="en-US" baseline="0" dirty="0" smtClean="0"/>
+                        <a:t> input</a:t>
+                      </a:r>
+                      <a:endParaRPr lang="en-US" dirty="0"/>
+                    </a:p>
+                  </a:txBody>
+                  <a:tcPr/>
+                </a:tc>
+                <a:extLst>
+                  <a:ext uri="{0D108BD9-81ED-4DB2-BD59-A6C34878D82A}">
+                    <a16:rowId xmlns:a16="http://schemas.microsoft.com/office/drawing/2014/main" val="3871917041"/>
+                  </a:ext>
+                </a:extLst>
+              </a:tr>
+              <a:tr h="370840">
+                <a:tc>
+                  <a:txBody>
+                    <a:bodyPr/>
+                    <a:lstStyle/>
+                    <a:p>
+                      <a:r>
+                        <a:rPr lang="en-US" dirty="0" err="1" smtClean="0"/>
+                        <a:t>Trọng</a:t>
+                      </a:r>
+                      <a:r>
+                        <a:rPr lang="en-US" dirty="0" smtClean="0"/>
+                        <a:t> </a:t>
+                      </a:r>
+                      <a:r>
+                        <a:rPr lang="en-US" dirty="0" err="1" smtClean="0"/>
+                        <a:t>số</a:t>
+                      </a:r>
+                      <a:r>
+                        <a:rPr lang="en-US" baseline="0" dirty="0" smtClean="0"/>
+                        <a:t> </a:t>
+                      </a:r>
+                      <a:r>
+                        <a:rPr lang="en-US" baseline="0" dirty="0" err="1" smtClean="0"/>
+                        <a:t>được</a:t>
+                      </a:r>
+                      <a:r>
+                        <a:rPr lang="en-US" baseline="0" dirty="0" smtClean="0"/>
+                        <a:t> chia </a:t>
+                      </a:r>
+                      <a:r>
+                        <a:rPr lang="en-US" baseline="0" dirty="0" err="1" smtClean="0"/>
+                        <a:t>sẻ</a:t>
+                      </a:r>
+                      <a:r>
+                        <a:rPr lang="en-US" baseline="0" dirty="0" smtClean="0"/>
+                        <a:t> </a:t>
+                      </a:r>
+                      <a:r>
+                        <a:rPr lang="en-US" baseline="0" dirty="0" err="1" smtClean="0"/>
+                        <a:t>trong</a:t>
+                      </a:r>
+                      <a:r>
+                        <a:rPr lang="en-US" baseline="0" dirty="0" smtClean="0"/>
+                        <a:t> </a:t>
+                      </a:r>
+                      <a:r>
+                        <a:rPr lang="en-US" baseline="0" dirty="0" err="1" smtClean="0"/>
+                        <a:t>suốt</a:t>
+                      </a:r>
+                      <a:r>
+                        <a:rPr lang="en-US" baseline="0" dirty="0" smtClean="0"/>
+                        <a:t> </a:t>
+                      </a:r>
+                      <a:r>
+                        <a:rPr lang="en-US" baseline="0" dirty="0" err="1" smtClean="0"/>
+                        <a:t>chiều</a:t>
+                      </a:r>
+                      <a:r>
+                        <a:rPr lang="en-US" baseline="0" dirty="0" smtClean="0"/>
+                        <a:t> </a:t>
+                      </a:r>
+                      <a:r>
+                        <a:rPr lang="en-US" baseline="0" dirty="0" err="1" smtClean="0"/>
+                        <a:t>dài</a:t>
+                      </a:r>
+                      <a:r>
+                        <a:rPr lang="en-US" baseline="0" dirty="0" smtClean="0"/>
+                        <a:t> </a:t>
+                      </a:r>
+                      <a:r>
+                        <a:rPr lang="en-US" baseline="0" dirty="0" err="1" smtClean="0"/>
+                        <a:t>tính</a:t>
+                      </a:r>
+                      <a:r>
+                        <a:rPr lang="en-US" baseline="0" dirty="0" smtClean="0"/>
+                        <a:t> </a:t>
+                      </a:r>
+                      <a:r>
+                        <a:rPr lang="en-US" baseline="0" dirty="0" err="1" smtClean="0"/>
+                        <a:t>toán</a:t>
+                      </a:r>
+                      <a:endParaRPr lang="en-US" dirty="0"/>
+                    </a:p>
+                  </a:txBody>
+                  <a:tcPr/>
+                </a:tc>
+                <a:tc>
+                  <a:txBody>
+                    <a:bodyPr/>
+                    <a:lstStyle/>
+                    <a:p>
+                      <a:endParaRPr lang="en-US" dirty="0"/>
+                    </a:p>
+                  </a:txBody>
+                  <a:tcPr/>
+                </a:tc>
+                <a:extLst>
+                  <a:ext uri="{0D108BD9-81ED-4DB2-BD59-A6C34878D82A}">
+                    <a16:rowId xmlns:a16="http://schemas.microsoft.com/office/drawing/2014/main" val="382930594"/>
+                  </a:ext>
+                </a:extLst>
+              </a:tr>
+            </a:tbl>
+          </a:graphicData>
+        </a:graphic>
+      </p:graphicFrame>
     </p:spTree>
     <p:extLst>
       <p:ext uri="{BB962C8B-B14F-4D97-AF65-F5344CB8AC3E}">
-        <p14:creationId xmlns:p14="http://schemas.microsoft.com/office/powerpoint/2010/main" val="699379163"/>
+        <p14:creationId xmlns:p14="http://schemas.microsoft.com/office/powerpoint/2010/main" val="238049337"/>
       </p:ext>
     </p:extLst>
   </p:cSld>
